--- a/Presentation1.pptx
+++ b/Presentation1.pptx
@@ -8,14 +8,17 @@
     <p:sldId id="256" r:id="rId2"/>
     <p:sldId id="257" r:id="rId3"/>
     <p:sldId id="258" r:id="rId4"/>
-    <p:sldId id="259" r:id="rId5"/>
-    <p:sldId id="260" r:id="rId6"/>
-    <p:sldId id="261" r:id="rId7"/>
-    <p:sldId id="262" r:id="rId8"/>
-    <p:sldId id="263" r:id="rId9"/>
-    <p:sldId id="264" r:id="rId10"/>
-    <p:sldId id="265" r:id="rId11"/>
-    <p:sldId id="266" r:id="rId12"/>
+    <p:sldId id="266" r:id="rId5"/>
+    <p:sldId id="259" r:id="rId6"/>
+    <p:sldId id="260" r:id="rId7"/>
+    <p:sldId id="261" r:id="rId8"/>
+    <p:sldId id="262" r:id="rId9"/>
+    <p:sldId id="263" r:id="rId10"/>
+    <p:sldId id="264" r:id="rId11"/>
+    <p:sldId id="265" r:id="rId12"/>
+    <p:sldId id="267" r:id="rId13"/>
+    <p:sldId id="268" r:id="rId14"/>
+    <p:sldId id="269" r:id="rId15"/>
   </p:sldIdLst>
   <p:sldSz cx="12192000" cy="6858000"/>
   <p:notesSz cx="6858000" cy="9144000"/>
@@ -347,7 +350,7 @@
             <a:fld id="{5586B75A-687E-405C-8A0B-8D00578BA2C3}" type="datetimeFigureOut">
               <a:rPr lang="en-US" dirty="0"/>
               <a:pPr/>
-              <a:t>8/3/2021</a:t>
+              <a:t>8/4/2021</a:t>
             </a:fld>
             <a:endParaRPr lang="en-US" dirty="0"/>
           </a:p>
@@ -514,7 +517,7 @@
             <a:fld id="{5586B75A-687E-405C-8A0B-8D00578BA2C3}" type="datetimeFigureOut">
               <a:rPr lang="en-US" dirty="0"/>
               <a:pPr/>
-              <a:t>8/3/2021</a:t>
+              <a:t>8/4/2021</a:t>
             </a:fld>
             <a:endParaRPr lang="en-US" dirty="0"/>
           </a:p>
@@ -691,7 +694,7 @@
             <a:fld id="{5586B75A-687E-405C-8A0B-8D00578BA2C3}" type="datetimeFigureOut">
               <a:rPr lang="en-US" dirty="0"/>
               <a:pPr/>
-              <a:t>8/3/2021</a:t>
+              <a:t>8/4/2021</a:t>
             </a:fld>
             <a:endParaRPr lang="en-US" dirty="0"/>
           </a:p>
@@ -858,7 +861,7 @@
             <a:fld id="{5586B75A-687E-405C-8A0B-8D00578BA2C3}" type="datetimeFigureOut">
               <a:rPr lang="en-US" dirty="0"/>
               <a:pPr/>
-              <a:t>8/3/2021</a:t>
+              <a:t>8/4/2021</a:t>
             </a:fld>
             <a:endParaRPr lang="en-US" dirty="0"/>
           </a:p>
@@ -1113,7 +1116,7 @@
             <a:fld id="{5586B75A-687E-405C-8A0B-8D00578BA2C3}" type="datetimeFigureOut">
               <a:rPr lang="en-US" dirty="0"/>
               <a:pPr/>
-              <a:t>8/3/2021</a:t>
+              <a:t>8/4/2021</a:t>
             </a:fld>
             <a:endParaRPr lang="en-US" dirty="0"/>
           </a:p>
@@ -1398,7 +1401,7 @@
             <a:fld id="{5586B75A-687E-405C-8A0B-8D00578BA2C3}" type="datetimeFigureOut">
               <a:rPr lang="en-US" dirty="0"/>
               <a:pPr/>
-              <a:t>8/3/2021</a:t>
+              <a:t>8/4/2021</a:t>
             </a:fld>
             <a:endParaRPr lang="en-US" dirty="0"/>
           </a:p>
@@ -1837,7 +1840,7 @@
             <a:fld id="{5586B75A-687E-405C-8A0B-8D00578BA2C3}" type="datetimeFigureOut">
               <a:rPr lang="en-US" dirty="0"/>
               <a:pPr/>
-              <a:t>8/3/2021</a:t>
+              <a:t>8/4/2021</a:t>
             </a:fld>
             <a:endParaRPr lang="en-US" dirty="0"/>
           </a:p>
@@ -1952,7 +1955,7 @@
             <a:fld id="{5586B75A-687E-405C-8A0B-8D00578BA2C3}" type="datetimeFigureOut">
               <a:rPr lang="en-US" dirty="0"/>
               <a:pPr/>
-              <a:t>8/3/2021</a:t>
+              <a:t>8/4/2021</a:t>
             </a:fld>
             <a:endParaRPr lang="en-US" dirty="0"/>
           </a:p>
@@ -2044,7 +2047,7 @@
             <a:fld id="{5586B75A-687E-405C-8A0B-8D00578BA2C3}" type="datetimeFigureOut">
               <a:rPr lang="en-US" dirty="0"/>
               <a:pPr/>
-              <a:t>8/3/2021</a:t>
+              <a:t>8/4/2021</a:t>
             </a:fld>
             <a:endParaRPr lang="en-US" dirty="0"/>
           </a:p>
@@ -2329,7 +2332,7 @@
             <a:fld id="{5586B75A-687E-405C-8A0B-8D00578BA2C3}" type="datetimeFigureOut">
               <a:rPr lang="en-US" dirty="0"/>
               <a:pPr/>
-              <a:t>8/3/2021</a:t>
+              <a:t>8/4/2021</a:t>
             </a:fld>
             <a:endParaRPr lang="en-US" dirty="0"/>
           </a:p>
@@ -2599,7 +2602,7 @@
             <a:fld id="{5586B75A-687E-405C-8A0B-8D00578BA2C3}" type="datetimeFigureOut">
               <a:rPr lang="en-US" dirty="0"/>
               <a:pPr/>
-              <a:t>8/3/2021</a:t>
+              <a:t>8/4/2021</a:t>
             </a:fld>
             <a:endParaRPr lang="en-US" dirty="0"/>
           </a:p>
@@ -2893,7 +2896,7 @@
             <a:fld id="{5586B75A-687E-405C-8A0B-8D00578BA2C3}" type="datetimeFigureOut">
               <a:rPr lang="en-US" dirty="0"/>
               <a:pPr/>
-              <a:t>8/3/2021</a:t>
+              <a:t>8/4/2021</a:t>
             </a:fld>
             <a:endParaRPr lang="en-US" dirty="0"/>
           </a:p>
@@ -3430,7 +3433,7 @@
                 <a:latin typeface="Verdana" panose="020B0604030504040204" pitchFamily="34" charset="0"/>
                 <a:ea typeface="Verdana" panose="020B0604030504040204" pitchFamily="34" charset="0"/>
               </a:rPr>
-              <a:t>Made by a team of FYs</a:t>
+              <a:t>Sit back and Relax</a:t>
             </a:r>
             <a:endParaRPr lang="en-IN" dirty="0">
               <a:solidFill>
@@ -3525,17 +3528,33 @@
         </p:nvSpPr>
         <p:spPr>
           <a:xfrm>
-            <a:off x="1100015" y="748937"/>
-            <a:ext cx="7315200" cy="4835709"/>
+            <a:off x="1100015" y="757645"/>
+            <a:ext cx="7315200" cy="5991497"/>
           </a:xfrm>
         </p:spPr>
         <p:txBody>
-          <a:bodyPr/>
+          <a:bodyPr>
+            <a:normAutofit/>
+          </a:bodyPr>
           <a:lstStyle/>
           <a:p>
-            <a:endParaRPr lang="en-IN" dirty="0"/>
-          </a:p>
-          <a:p>
+            <a:endParaRPr lang="en-IN" dirty="0" smtClean="0">
+              <a:solidFill>
+                <a:schemeClr val="bg1"/>
+              </a:solidFill>
+            </a:endParaRPr>
+          </a:p>
+          <a:p>
+            <a:r>
+              <a:rPr lang="en-IN" sz="2400" u="sng" dirty="0">
+                <a:solidFill>
+                  <a:schemeClr val="bg1"/>
+                </a:solidFill>
+                <a:latin typeface="Verdana" panose="020B0604030504040204" pitchFamily="34" charset="0"/>
+                <a:ea typeface="Verdana" panose="020B0604030504040204" pitchFamily="34" charset="0"/>
+              </a:rPr>
+              <a:t>Instructions and Error </a:t>
+            </a:r>
             <a:r>
               <a:rPr lang="en-IN" sz="2400" u="sng" dirty="0" smtClean="0">
                 <a:solidFill>
@@ -3544,7 +3563,7 @@
                 <a:latin typeface="Verdana" panose="020B0604030504040204" pitchFamily="34" charset="0"/>
                 <a:ea typeface="Verdana" panose="020B0604030504040204" pitchFamily="34" charset="0"/>
               </a:rPr>
-              <a:t>Skipping of Advertisements</a:t>
+              <a:t>Pages</a:t>
             </a:r>
             <a:endParaRPr lang="en-IN" sz="1800" u="sng" dirty="0" smtClean="0">
               <a:solidFill>
@@ -3564,14 +3583,14 @@
               <a:buChar char="v"/>
             </a:pPr>
             <a:r>
-              <a:rPr lang="en-IN" sz="1800" dirty="0" smtClean="0">
-                <a:solidFill>
-                  <a:schemeClr val="bg1"/>
-                </a:solidFill>
-                <a:latin typeface="Verdana" panose="020B0604030504040204" pitchFamily="34" charset="0"/>
-                <a:ea typeface="Verdana" panose="020B0604030504040204" pitchFamily="34" charset="0"/>
-              </a:rPr>
-              <a:t>Ads maybe one of the most annoying items on a user’s list.</a:t>
+              <a:rPr lang="en-US" sz="1800" dirty="0">
+                <a:solidFill>
+                  <a:schemeClr val="bg1"/>
+                </a:solidFill>
+                <a:latin typeface="Verdana" panose="020B0604030504040204" pitchFamily="34" charset="0"/>
+                <a:ea typeface="Verdana" panose="020B0604030504040204" pitchFamily="34" charset="0"/>
+              </a:rPr>
+              <a:t>The User is guided along the path of the design flow using various instructions provided at different pain-points which enables the user to have a continuous flow and smooth user experience.</a:t>
             </a:r>
           </a:p>
           <a:p>
@@ -3584,961 +3603,6 @@
               <a:buChar char="v"/>
             </a:pPr>
             <a:r>
-              <a:rPr lang="en-IN" sz="1800" dirty="0" smtClean="0">
-                <a:solidFill>
-                  <a:schemeClr val="bg1"/>
-                </a:solidFill>
-                <a:latin typeface="Verdana" panose="020B0604030504040204" pitchFamily="34" charset="0"/>
-                <a:ea typeface="Verdana" panose="020B0604030504040204" pitchFamily="34" charset="0"/>
-              </a:rPr>
-              <a:t>We have minimised these ads using </a:t>
-            </a:r>
-            <a:r>
-              <a:rPr lang="en-IN" sz="1800" dirty="0" err="1" smtClean="0">
-                <a:solidFill>
-                  <a:schemeClr val="bg1"/>
-                </a:solidFill>
-                <a:latin typeface="Verdana" panose="020B0604030504040204" pitchFamily="34" charset="0"/>
-                <a:ea typeface="Verdana" panose="020B0604030504040204" pitchFamily="34" charset="0"/>
-              </a:rPr>
-              <a:t>Javascript</a:t>
-            </a:r>
-            <a:r>
-              <a:rPr lang="en-IN" sz="1800" dirty="0" smtClean="0">
-                <a:solidFill>
-                  <a:schemeClr val="bg1"/>
-                </a:solidFill>
-                <a:latin typeface="Verdana" panose="020B0604030504040204" pitchFamily="34" charset="0"/>
-                <a:ea typeface="Verdana" panose="020B0604030504040204" pitchFamily="34" charset="0"/>
-              </a:rPr>
-              <a:t> code. All the skippable ads are already removed from the user’s path. </a:t>
-            </a:r>
-          </a:p>
-          <a:p>
-            <a:pPr marL="285750" indent="-285750">
-              <a:lnSpc>
-                <a:spcPct val="130000"/>
-              </a:lnSpc>
-              <a:buClrTx/>
-              <a:buFont typeface="Wingdings" panose="05000000000000000000" pitchFamily="2" charset="2"/>
-              <a:buChar char="v"/>
-            </a:pPr>
-            <a:r>
-              <a:rPr lang="en-IN" sz="1800" dirty="0" smtClean="0">
-                <a:solidFill>
-                  <a:schemeClr val="bg1"/>
-                </a:solidFill>
-                <a:latin typeface="Verdana" panose="020B0604030504040204" pitchFamily="34" charset="0"/>
-                <a:ea typeface="Verdana" panose="020B0604030504040204" pitchFamily="34" charset="0"/>
-              </a:rPr>
-              <a:t>Although, we still recommend the user to use an ad-blocker for the best user experience.</a:t>
-            </a:r>
-          </a:p>
-        </p:txBody>
-      </p:sp>
-    </p:spTree>
-    <p:extLst>
-      <p:ext uri="{BB962C8B-B14F-4D97-AF65-F5344CB8AC3E}">
-        <p14:creationId xmlns:p14="http://schemas.microsoft.com/office/powerpoint/2010/main" val="434146061"/>
-      </p:ext>
-    </p:extLst>
-  </p:cSld>
-  <p:clrMapOvr>
-    <a:masterClrMapping/>
-  </p:clrMapOvr>
-</p:sld>
-</file>
-
-<file path=ppt/slides/slide11.xml><?xml version="1.0" encoding="utf-8"?>
-<p:sld xmlns:a="http://schemas.openxmlformats.org/drawingml/2006/main" xmlns:r="http://schemas.openxmlformats.org/officeDocument/2006/relationships" xmlns:p="http://schemas.openxmlformats.org/presentationml/2006/main">
-  <p:cSld>
-    <p:spTree>
-      <p:nvGrpSpPr>
-        <p:cNvPr id="1" name=""/>
-        <p:cNvGrpSpPr/>
-        <p:nvPr/>
-      </p:nvGrpSpPr>
-      <p:grpSpPr>
-        <a:xfrm>
-          <a:off x="0" y="0"/>
-          <a:ext cx="0" cy="0"/>
-          <a:chOff x="0" y="0"/>
-          <a:chExt cx="0" cy="0"/>
-        </a:xfrm>
-      </p:grpSpPr>
-      <p:sp>
-        <p:nvSpPr>
-          <p:cNvPr id="3" name="Subtitle 2"/>
-          <p:cNvSpPr>
-            <a:spLocks noGrp="1"/>
-          </p:cNvSpPr>
-          <p:nvPr>
-            <p:ph type="subTitle" idx="1"/>
-          </p:nvPr>
-        </p:nvSpPr>
-        <p:spPr>
-          <a:xfrm>
-            <a:off x="1100015" y="748937"/>
-            <a:ext cx="7315200" cy="4835709"/>
-          </a:xfrm>
-        </p:spPr>
-        <p:txBody>
-          <a:bodyPr/>
-          <a:lstStyle/>
-          <a:p>
-            <a:endParaRPr lang="en-IN" dirty="0" smtClean="0"/>
-          </a:p>
-          <a:p>
-            <a:r>
-              <a:rPr lang="en-IN" sz="2400" u="sng" dirty="0" smtClean="0">
-                <a:solidFill>
-                  <a:schemeClr val="bg1"/>
-                </a:solidFill>
-                <a:latin typeface="Verdana" panose="020B0604030504040204" pitchFamily="34" charset="0"/>
-                <a:ea typeface="Verdana" panose="020B0604030504040204" pitchFamily="34" charset="0"/>
-              </a:rPr>
-              <a:t>Tech Stacks and Packages</a:t>
-            </a:r>
-            <a:endParaRPr lang="en-IN" sz="1800" u="sng" dirty="0" smtClean="0">
-              <a:solidFill>
-                <a:schemeClr val="bg1"/>
-              </a:solidFill>
-              <a:latin typeface="Verdana" panose="020B0604030504040204" pitchFamily="34" charset="0"/>
-              <a:ea typeface="Verdana" panose="020B0604030504040204" pitchFamily="34" charset="0"/>
-            </a:endParaRPr>
-          </a:p>
-          <a:p>
-            <a:pPr marL="342900" indent="-342900">
-              <a:lnSpc>
-                <a:spcPct val="130000"/>
-              </a:lnSpc>
-              <a:buClrTx/>
-              <a:buFont typeface="Wingdings" panose="05000000000000000000" pitchFamily="2" charset="2"/>
-              <a:buChar char="v"/>
-            </a:pPr>
-            <a:r>
-              <a:rPr lang="en-IN" sz="1800" dirty="0" smtClean="0">
-                <a:solidFill>
-                  <a:schemeClr val="bg1"/>
-                </a:solidFill>
-                <a:latin typeface="Verdana" panose="020B0604030504040204" pitchFamily="34" charset="0"/>
-                <a:ea typeface="Verdana" panose="020B0604030504040204" pitchFamily="34" charset="0"/>
-              </a:rPr>
-              <a:t>HTML, CSS and </a:t>
-            </a:r>
-            <a:r>
-              <a:rPr lang="en-IN" sz="1800" dirty="0" err="1" smtClean="0">
-                <a:solidFill>
-                  <a:schemeClr val="bg1"/>
-                </a:solidFill>
-                <a:latin typeface="Verdana" panose="020B0604030504040204" pitchFamily="34" charset="0"/>
-                <a:ea typeface="Verdana" panose="020B0604030504040204" pitchFamily="34" charset="0"/>
-              </a:rPr>
-              <a:t>Javascript</a:t>
-            </a:r>
-            <a:endParaRPr lang="en-IN" sz="1800" dirty="0" smtClean="0">
-              <a:solidFill>
-                <a:schemeClr val="bg1"/>
-              </a:solidFill>
-              <a:latin typeface="Verdana" panose="020B0604030504040204" pitchFamily="34" charset="0"/>
-              <a:ea typeface="Verdana" panose="020B0604030504040204" pitchFamily="34" charset="0"/>
-            </a:endParaRPr>
-          </a:p>
-          <a:p>
-            <a:pPr marL="342900" indent="-342900">
-              <a:lnSpc>
-                <a:spcPct val="130000"/>
-              </a:lnSpc>
-              <a:buClrTx/>
-              <a:buFont typeface="Wingdings" panose="05000000000000000000" pitchFamily="2" charset="2"/>
-              <a:buChar char="v"/>
-            </a:pPr>
-            <a:r>
-              <a:rPr lang="en-IN" sz="1800" dirty="0" smtClean="0">
-                <a:solidFill>
-                  <a:schemeClr val="bg1"/>
-                </a:solidFill>
-                <a:latin typeface="Verdana" panose="020B0604030504040204" pitchFamily="34" charset="0"/>
-                <a:ea typeface="Verdana" panose="020B0604030504040204" pitchFamily="34" charset="0"/>
-              </a:rPr>
-              <a:t>Chrome Extension and PWA</a:t>
-            </a:r>
-          </a:p>
-          <a:p>
-            <a:pPr marL="342900" indent="-342900">
-              <a:lnSpc>
-                <a:spcPct val="130000"/>
-              </a:lnSpc>
-              <a:buClrTx/>
-              <a:buFont typeface="Wingdings" panose="05000000000000000000" pitchFamily="2" charset="2"/>
-              <a:buChar char="v"/>
-            </a:pPr>
-            <a:r>
-              <a:rPr lang="en-IN" sz="1800" dirty="0" smtClean="0">
-                <a:solidFill>
-                  <a:schemeClr val="bg1"/>
-                </a:solidFill>
-                <a:latin typeface="Verdana" panose="020B0604030504040204" pitchFamily="34" charset="0"/>
-                <a:ea typeface="Verdana" panose="020B0604030504040204" pitchFamily="34" charset="0"/>
-              </a:rPr>
-              <a:t>Socket.IO</a:t>
-            </a:r>
-          </a:p>
-          <a:p>
-            <a:pPr marL="342900" indent="-342900">
-              <a:lnSpc>
-                <a:spcPct val="130000"/>
-              </a:lnSpc>
-              <a:buClrTx/>
-              <a:buFont typeface="Wingdings" panose="05000000000000000000" pitchFamily="2" charset="2"/>
-              <a:buChar char="v"/>
-            </a:pPr>
-            <a:r>
-              <a:rPr lang="en-IN" sz="1800" dirty="0" smtClean="0">
-                <a:solidFill>
-                  <a:schemeClr val="bg1"/>
-                </a:solidFill>
-                <a:latin typeface="Verdana" panose="020B0604030504040204" pitchFamily="34" charset="0"/>
-                <a:ea typeface="Verdana" panose="020B0604030504040204" pitchFamily="34" charset="0"/>
-              </a:rPr>
-              <a:t>Node JS and Express JS for rendering views.</a:t>
-            </a:r>
-          </a:p>
-          <a:p>
-            <a:pPr marL="342900" indent="-342900">
-              <a:lnSpc>
-                <a:spcPct val="130000"/>
-              </a:lnSpc>
-              <a:buClrTx/>
-              <a:buFont typeface="Wingdings" panose="05000000000000000000" pitchFamily="2" charset="2"/>
-              <a:buChar char="v"/>
-            </a:pPr>
-            <a:r>
-              <a:rPr lang="en-IN" sz="1800" dirty="0" smtClean="0">
-                <a:solidFill>
-                  <a:schemeClr val="bg1"/>
-                </a:solidFill>
-                <a:latin typeface="Verdana" panose="020B0604030504040204" pitchFamily="34" charset="0"/>
-                <a:ea typeface="Verdana" panose="020B0604030504040204" pitchFamily="34" charset="0"/>
-              </a:rPr>
-              <a:t>Embedded </a:t>
-            </a:r>
-            <a:r>
-              <a:rPr lang="en-IN" sz="1800" dirty="0" err="1" smtClean="0">
-                <a:solidFill>
-                  <a:schemeClr val="bg1"/>
-                </a:solidFill>
-                <a:latin typeface="Verdana" panose="020B0604030504040204" pitchFamily="34" charset="0"/>
-                <a:ea typeface="Verdana" panose="020B0604030504040204" pitchFamily="34" charset="0"/>
-              </a:rPr>
-              <a:t>Javascript</a:t>
-            </a:r>
-            <a:r>
-              <a:rPr lang="en-IN" sz="1800" dirty="0" smtClean="0">
-                <a:solidFill>
-                  <a:schemeClr val="bg1"/>
-                </a:solidFill>
-                <a:latin typeface="Verdana" panose="020B0604030504040204" pitchFamily="34" charset="0"/>
-                <a:ea typeface="Verdana" panose="020B0604030504040204" pitchFamily="34" charset="0"/>
-              </a:rPr>
-              <a:t> EJS to embed Room Id in HTML</a:t>
-            </a:r>
-          </a:p>
-          <a:p>
-            <a:pPr marL="342900" indent="-342900">
-              <a:lnSpc>
-                <a:spcPct val="130000"/>
-              </a:lnSpc>
-              <a:buClrTx/>
-              <a:buFont typeface="Wingdings" panose="05000000000000000000" pitchFamily="2" charset="2"/>
-              <a:buChar char="v"/>
-            </a:pPr>
-            <a:r>
-              <a:rPr lang="en-IN" sz="1800" dirty="0" err="1" smtClean="0">
-                <a:solidFill>
-                  <a:schemeClr val="bg1"/>
-                </a:solidFill>
-                <a:latin typeface="Verdana" panose="020B0604030504040204" pitchFamily="34" charset="0"/>
-                <a:ea typeface="Verdana" panose="020B0604030504040204" pitchFamily="34" charset="0"/>
-              </a:rPr>
-              <a:t>Qrious</a:t>
-            </a:r>
-            <a:r>
-              <a:rPr lang="en-IN" sz="1800" dirty="0" smtClean="0">
-                <a:solidFill>
-                  <a:schemeClr val="bg1"/>
-                </a:solidFill>
-                <a:latin typeface="Verdana" panose="020B0604030504040204" pitchFamily="34" charset="0"/>
-                <a:ea typeface="Verdana" panose="020B0604030504040204" pitchFamily="34" charset="0"/>
-              </a:rPr>
-              <a:t> and JSQR to generate and scan QR Codes</a:t>
-            </a:r>
-          </a:p>
-          <a:p>
-            <a:pPr marL="342900" indent="-342900">
-              <a:lnSpc>
-                <a:spcPct val="130000"/>
-              </a:lnSpc>
-              <a:buClrTx/>
-              <a:buFont typeface="Wingdings" panose="05000000000000000000" pitchFamily="2" charset="2"/>
-              <a:buChar char="v"/>
-            </a:pPr>
-            <a:r>
-              <a:rPr lang="en-IN" sz="1800" dirty="0" smtClean="0">
-                <a:solidFill>
-                  <a:schemeClr val="bg1"/>
-                </a:solidFill>
-                <a:latin typeface="Verdana" panose="020B0604030504040204" pitchFamily="34" charset="0"/>
-                <a:ea typeface="Verdana" panose="020B0604030504040204" pitchFamily="34" charset="0"/>
-              </a:rPr>
-              <a:t>Font Awesome for Icons</a:t>
-            </a:r>
-            <a:endParaRPr lang="en-IN" sz="1800" dirty="0">
-              <a:solidFill>
-                <a:schemeClr val="bg1"/>
-              </a:solidFill>
-              <a:latin typeface="Verdana" panose="020B0604030504040204" pitchFamily="34" charset="0"/>
-              <a:ea typeface="Verdana" panose="020B0604030504040204" pitchFamily="34" charset="0"/>
-            </a:endParaRPr>
-          </a:p>
-        </p:txBody>
-      </p:sp>
-      <p:pic>
-        <p:nvPicPr>
-          <p:cNvPr id="4" name="Picture 2" descr="Node.js - Wikipedia"/>
-          <p:cNvPicPr>
-            <a:picLocks noChangeAspect="1" noChangeArrowheads="1"/>
-          </p:cNvPicPr>
-          <p:nvPr/>
-        </p:nvPicPr>
-        <p:blipFill>
-          <a:blip r:embed="rId2">
-            <a:extLst>
-              <a:ext uri="{28A0092B-C50C-407E-A947-70E740481C1C}">
-                <a14:useLocalDpi xmlns:a14="http://schemas.microsoft.com/office/drawing/2010/main" val="0"/>
-              </a:ext>
-            </a:extLst>
-          </a:blip>
-          <a:srcRect/>
-          <a:stretch>
-            <a:fillRect/>
-          </a:stretch>
-        </p:blipFill>
-        <p:spPr bwMode="auto">
-          <a:xfrm>
-            <a:off x="9462218" y="3816936"/>
-            <a:ext cx="2451108" cy="1121529"/>
-          </a:xfrm>
-          <a:prstGeom prst="rect">
-            <a:avLst/>
-          </a:prstGeom>
-          <a:noFill/>
-          <a:extLst>
-            <a:ext uri="{909E8E84-426E-40DD-AFC4-6F175D3DCCD1}">
-              <a14:hiddenFill xmlns:a14="http://schemas.microsoft.com/office/drawing/2010/main">
-                <a:solidFill>
-                  <a:srgbClr val="FFFFFF"/>
-                </a:solidFill>
-              </a14:hiddenFill>
-            </a:ext>
-          </a:extLst>
-        </p:spPr>
-      </p:pic>
-      <p:pic>
-        <p:nvPicPr>
-          <p:cNvPr id="5" name="Picture 4" descr="Express.js Tutorial for Beginners | Learn Express Fundamentals | Edureka"/>
-          <p:cNvPicPr>
-            <a:picLocks noChangeAspect="1" noChangeArrowheads="1"/>
-          </p:cNvPicPr>
-          <p:nvPr/>
-        </p:nvPicPr>
-        <p:blipFill rotWithShape="1">
-          <a:blip r:embed="rId3">
-            <a:extLst>
-              <a:ext uri="{28A0092B-C50C-407E-A947-70E740481C1C}">
-                <a14:useLocalDpi xmlns:a14="http://schemas.microsoft.com/office/drawing/2010/main" val="0"/>
-              </a:ext>
-            </a:extLst>
-          </a:blip>
-          <a:srcRect t="23293" r="30382" b="35564"/>
-          <a:stretch/>
-        </p:blipFill>
-        <p:spPr bwMode="auto">
-          <a:xfrm>
-            <a:off x="9250431" y="5182374"/>
-            <a:ext cx="2941570" cy="940527"/>
-          </a:xfrm>
-          <a:prstGeom prst="rect">
-            <a:avLst/>
-          </a:prstGeom>
-          <a:noFill/>
-          <a:extLst>
-            <a:ext uri="{909E8E84-426E-40DD-AFC4-6F175D3DCCD1}">
-              <a14:hiddenFill xmlns:a14="http://schemas.microsoft.com/office/drawing/2010/main">
-                <a:solidFill>
-                  <a:srgbClr val="FFFFFF"/>
-                </a:solidFill>
-              </a14:hiddenFill>
-            </a:ext>
-          </a:extLst>
-        </p:spPr>
-      </p:pic>
-      <p:pic>
-        <p:nvPicPr>
-          <p:cNvPr id="5132" name="Picture 12" descr="HTML5 logo and wordmark.svg"/>
-          <p:cNvPicPr>
-            <a:picLocks noChangeAspect="1" noChangeArrowheads="1"/>
-          </p:cNvPicPr>
-          <p:nvPr/>
-        </p:nvPicPr>
-        <p:blipFill>
-          <a:blip r:embed="rId4">
-            <a:extLst>
-              <a:ext uri="{28A0092B-C50C-407E-A947-70E740481C1C}">
-                <a14:useLocalDpi xmlns:a14="http://schemas.microsoft.com/office/drawing/2010/main" val="0"/>
-              </a:ext>
-            </a:extLst>
-          </a:blip>
-          <a:srcRect/>
-          <a:stretch>
-            <a:fillRect/>
-          </a:stretch>
-        </p:blipFill>
-        <p:spPr bwMode="auto">
-          <a:xfrm>
-            <a:off x="9250431" y="842151"/>
-            <a:ext cx="1339192" cy="1339192"/>
-          </a:xfrm>
-          <a:prstGeom prst="rect">
-            <a:avLst/>
-          </a:prstGeom>
-          <a:noFill/>
-          <a:extLst>
-            <a:ext uri="{909E8E84-426E-40DD-AFC4-6F175D3DCCD1}">
-              <a14:hiddenFill xmlns:a14="http://schemas.microsoft.com/office/drawing/2010/main">
-                <a:solidFill>
-                  <a:srgbClr val="FFFFFF"/>
-                </a:solidFill>
-              </a14:hiddenFill>
-            </a:ext>
-          </a:extLst>
-        </p:spPr>
-      </p:pic>
-      <p:pic>
-        <p:nvPicPr>
-          <p:cNvPr id="5142" name="Picture 22" descr="CSS3 logo and wordmark.svg"/>
-          <p:cNvPicPr>
-            <a:picLocks noChangeAspect="1" noChangeArrowheads="1"/>
-          </p:cNvPicPr>
-          <p:nvPr/>
-        </p:nvPicPr>
-        <p:blipFill>
-          <a:blip r:embed="rId5">
-            <a:extLst>
-              <a:ext uri="{28A0092B-C50C-407E-A947-70E740481C1C}">
-                <a14:useLocalDpi xmlns:a14="http://schemas.microsoft.com/office/drawing/2010/main" val="0"/>
-              </a:ext>
-            </a:extLst>
-          </a:blip>
-          <a:srcRect/>
-          <a:stretch>
-            <a:fillRect/>
-          </a:stretch>
-        </p:blipFill>
-        <p:spPr bwMode="auto">
-          <a:xfrm>
-            <a:off x="10960750" y="1428206"/>
-            <a:ext cx="961285" cy="1224094"/>
-          </a:xfrm>
-          <a:prstGeom prst="rect">
-            <a:avLst/>
-          </a:prstGeom>
-          <a:noFill/>
-          <a:extLst>
-            <a:ext uri="{909E8E84-426E-40DD-AFC4-6F175D3DCCD1}">
-              <a14:hiddenFill xmlns:a14="http://schemas.microsoft.com/office/drawing/2010/main">
-                <a:solidFill>
-                  <a:srgbClr val="FFFFFF"/>
-                </a:solidFill>
-              </a14:hiddenFill>
-            </a:ext>
-          </a:extLst>
-        </p:spPr>
-      </p:pic>
-      <p:pic>
-        <p:nvPicPr>
-          <p:cNvPr id="12" name="Picture 11"/>
-          <p:cNvPicPr>
-            <a:picLocks noChangeAspect="1"/>
-          </p:cNvPicPr>
-          <p:nvPr/>
-        </p:nvPicPr>
-        <p:blipFill>
-          <a:blip r:embed="rId6">
-            <a:extLst>
-              <a:ext uri="{28A0092B-C50C-407E-A947-70E740481C1C}">
-                <a14:useLocalDpi xmlns:a14="http://schemas.microsoft.com/office/drawing/2010/main" val="0"/>
-              </a:ext>
-            </a:extLst>
-          </a:blip>
-          <a:stretch>
-            <a:fillRect/>
-          </a:stretch>
-        </p:blipFill>
-        <p:spPr>
-          <a:xfrm>
-            <a:off x="9364008" y="2394858"/>
-            <a:ext cx="1800382" cy="1335558"/>
-          </a:xfrm>
-          <a:prstGeom prst="rect">
-            <a:avLst/>
-          </a:prstGeom>
-        </p:spPr>
-      </p:pic>
-    </p:spTree>
-    <p:extLst>
-      <p:ext uri="{BB962C8B-B14F-4D97-AF65-F5344CB8AC3E}">
-        <p14:creationId xmlns:p14="http://schemas.microsoft.com/office/powerpoint/2010/main" val="1770243359"/>
-      </p:ext>
-    </p:extLst>
-  </p:cSld>
-  <p:clrMapOvr>
-    <a:masterClrMapping/>
-  </p:clrMapOvr>
-</p:sld>
-</file>
-
-<file path=ppt/slides/slide2.xml><?xml version="1.0" encoding="utf-8"?>
-<p:sld xmlns:a="http://schemas.openxmlformats.org/drawingml/2006/main" xmlns:r="http://schemas.openxmlformats.org/officeDocument/2006/relationships" xmlns:p="http://schemas.openxmlformats.org/presentationml/2006/main">
-  <p:cSld>
-    <p:spTree>
-      <p:nvGrpSpPr>
-        <p:cNvPr id="1" name=""/>
-        <p:cNvGrpSpPr/>
-        <p:nvPr/>
-      </p:nvGrpSpPr>
-      <p:grpSpPr>
-        <a:xfrm>
-          <a:off x="0" y="0"/>
-          <a:ext cx="0" cy="0"/>
-          <a:chOff x="0" y="0"/>
-          <a:chExt cx="0" cy="0"/>
-        </a:xfrm>
-      </p:grpSpPr>
-      <p:sp>
-        <p:nvSpPr>
-          <p:cNvPr id="3" name="Subtitle 2"/>
-          <p:cNvSpPr>
-            <a:spLocks noGrp="1"/>
-          </p:cNvSpPr>
-          <p:nvPr>
-            <p:ph type="subTitle" idx="1"/>
-          </p:nvPr>
-        </p:nvSpPr>
-        <p:spPr>
-          <a:xfrm>
-            <a:off x="1100015" y="757645"/>
-            <a:ext cx="7315200" cy="5347064"/>
-          </a:xfrm>
-        </p:spPr>
-        <p:txBody>
-          <a:bodyPr>
-            <a:normAutofit/>
-          </a:bodyPr>
-          <a:lstStyle/>
-          <a:p>
-            <a:endParaRPr lang="en-IN" sz="1800" dirty="0" smtClean="0">
-              <a:latin typeface="Verdana" panose="020B0604030504040204" pitchFamily="34" charset="0"/>
-              <a:ea typeface="Verdana" panose="020B0604030504040204" pitchFamily="34" charset="0"/>
-            </a:endParaRPr>
-          </a:p>
-          <a:p>
-            <a:r>
-              <a:rPr lang="en-IN" sz="2400" u="sng" dirty="0" smtClean="0">
-                <a:solidFill>
-                  <a:schemeClr val="bg1"/>
-                </a:solidFill>
-                <a:latin typeface="Verdana" panose="020B0604030504040204" pitchFamily="34" charset="0"/>
-                <a:ea typeface="Verdana" panose="020B0604030504040204" pitchFamily="34" charset="0"/>
-              </a:rPr>
-              <a:t>Team Members</a:t>
-            </a:r>
-            <a:endParaRPr lang="en-IN" sz="1800" u="sng" dirty="0" smtClean="0">
-              <a:solidFill>
-                <a:schemeClr val="bg1"/>
-              </a:solidFill>
-              <a:latin typeface="Verdana" panose="020B0604030504040204" pitchFamily="34" charset="0"/>
-              <a:ea typeface="Verdana" panose="020B0604030504040204" pitchFamily="34" charset="0"/>
-            </a:endParaRPr>
-          </a:p>
-          <a:p>
-            <a:pPr marL="285750" indent="-285750" fontAlgn="base">
-              <a:buClr>
-                <a:schemeClr val="bg1"/>
-              </a:buClr>
-              <a:buFont typeface="Wingdings" panose="05000000000000000000" pitchFamily="2" charset="2"/>
-              <a:buChar char="v"/>
-            </a:pPr>
-            <a:r>
-              <a:rPr lang="en-IN" sz="1800" dirty="0">
-                <a:solidFill>
-                  <a:schemeClr val="bg1"/>
-                </a:solidFill>
-                <a:latin typeface="Verdana" panose="020B0604030504040204" pitchFamily="34" charset="0"/>
-                <a:ea typeface="Verdana" panose="020B0604030504040204" pitchFamily="34" charset="0"/>
-              </a:rPr>
-              <a:t>Mukul Jain (200001050)</a:t>
-            </a:r>
-          </a:p>
-          <a:p>
-            <a:pPr marL="285750" indent="-285750" fontAlgn="base">
-              <a:buClr>
-                <a:schemeClr val="bg1"/>
-              </a:buClr>
-              <a:buFont typeface="Wingdings" panose="05000000000000000000" pitchFamily="2" charset="2"/>
-              <a:buChar char="v"/>
-            </a:pPr>
-            <a:r>
-              <a:rPr lang="en-IN" sz="1800" dirty="0">
-                <a:solidFill>
-                  <a:schemeClr val="bg1"/>
-                </a:solidFill>
-                <a:latin typeface="Verdana" panose="020B0604030504040204" pitchFamily="34" charset="0"/>
-                <a:ea typeface="Verdana" panose="020B0604030504040204" pitchFamily="34" charset="0"/>
-              </a:rPr>
-              <a:t>Gaurav </a:t>
-            </a:r>
-            <a:r>
-              <a:rPr lang="en-IN" sz="1800" dirty="0" err="1">
-                <a:solidFill>
-                  <a:schemeClr val="bg1"/>
-                </a:solidFill>
-                <a:latin typeface="Verdana" panose="020B0604030504040204" pitchFamily="34" charset="0"/>
-                <a:ea typeface="Verdana" panose="020B0604030504040204" pitchFamily="34" charset="0"/>
-              </a:rPr>
-              <a:t>Khushpat</a:t>
-            </a:r>
-            <a:r>
-              <a:rPr lang="en-IN" sz="1800" dirty="0">
-                <a:solidFill>
-                  <a:schemeClr val="bg1"/>
-                </a:solidFill>
-                <a:latin typeface="Verdana" panose="020B0604030504040204" pitchFamily="34" charset="0"/>
-                <a:ea typeface="Verdana" panose="020B0604030504040204" pitchFamily="34" charset="0"/>
-              </a:rPr>
-              <a:t> Jain (200001023)</a:t>
-            </a:r>
-          </a:p>
-          <a:p>
-            <a:pPr marL="285750" indent="-285750" fontAlgn="base">
-              <a:buClr>
-                <a:schemeClr val="bg1"/>
-              </a:buClr>
-              <a:buFont typeface="Wingdings" panose="05000000000000000000" pitchFamily="2" charset="2"/>
-              <a:buChar char="v"/>
-            </a:pPr>
-            <a:r>
-              <a:rPr lang="en-IN" sz="1800" dirty="0" err="1">
-                <a:solidFill>
-                  <a:schemeClr val="bg1"/>
-                </a:solidFill>
-                <a:latin typeface="Verdana" panose="020B0604030504040204" pitchFamily="34" charset="0"/>
-                <a:ea typeface="Verdana" panose="020B0604030504040204" pitchFamily="34" charset="0"/>
-              </a:rPr>
-              <a:t>Vankayalapati</a:t>
-            </a:r>
-            <a:r>
-              <a:rPr lang="en-IN" sz="1800" dirty="0">
-                <a:solidFill>
-                  <a:schemeClr val="bg1"/>
-                </a:solidFill>
-                <a:latin typeface="Verdana" panose="020B0604030504040204" pitchFamily="34" charset="0"/>
-                <a:ea typeface="Verdana" panose="020B0604030504040204" pitchFamily="34" charset="0"/>
-              </a:rPr>
-              <a:t> Sai </a:t>
-            </a:r>
-            <a:r>
-              <a:rPr lang="en-IN" sz="1800" dirty="0" err="1">
-                <a:solidFill>
-                  <a:schemeClr val="bg1"/>
-                </a:solidFill>
-                <a:latin typeface="Verdana" panose="020B0604030504040204" pitchFamily="34" charset="0"/>
-                <a:ea typeface="Verdana" panose="020B0604030504040204" pitchFamily="34" charset="0"/>
-              </a:rPr>
-              <a:t>Venkata</a:t>
-            </a:r>
-            <a:r>
-              <a:rPr lang="en-IN" sz="1800" dirty="0">
-                <a:solidFill>
-                  <a:schemeClr val="bg1"/>
-                </a:solidFill>
-                <a:latin typeface="Verdana" panose="020B0604030504040204" pitchFamily="34" charset="0"/>
-                <a:ea typeface="Verdana" panose="020B0604030504040204" pitchFamily="34" charset="0"/>
-              </a:rPr>
-              <a:t> </a:t>
-            </a:r>
-            <a:r>
-              <a:rPr lang="en-IN" sz="1800" dirty="0" err="1">
-                <a:solidFill>
-                  <a:schemeClr val="bg1"/>
-                </a:solidFill>
-                <a:latin typeface="Verdana" panose="020B0604030504040204" pitchFamily="34" charset="0"/>
-                <a:ea typeface="Verdana" panose="020B0604030504040204" pitchFamily="34" charset="0"/>
-              </a:rPr>
-              <a:t>Satwik</a:t>
-            </a:r>
-            <a:r>
-              <a:rPr lang="en-IN" sz="1800" dirty="0">
-                <a:solidFill>
-                  <a:schemeClr val="bg1"/>
-                </a:solidFill>
-                <a:latin typeface="Verdana" panose="020B0604030504040204" pitchFamily="34" charset="0"/>
-                <a:ea typeface="Verdana" panose="020B0604030504040204" pitchFamily="34" charset="0"/>
-              </a:rPr>
-              <a:t> (200001077)</a:t>
-            </a:r>
-          </a:p>
-          <a:p>
-            <a:pPr marL="285750" indent="-285750" fontAlgn="base">
-              <a:buClr>
-                <a:schemeClr val="bg1"/>
-              </a:buClr>
-              <a:buFont typeface="Wingdings" panose="05000000000000000000" pitchFamily="2" charset="2"/>
-              <a:buChar char="v"/>
-            </a:pPr>
-            <a:r>
-              <a:rPr lang="en-IN" sz="1800" dirty="0" err="1">
-                <a:solidFill>
-                  <a:schemeClr val="bg1"/>
-                </a:solidFill>
-                <a:latin typeface="Verdana" panose="020B0604030504040204" pitchFamily="34" charset="0"/>
-                <a:ea typeface="Verdana" panose="020B0604030504040204" pitchFamily="34" charset="0"/>
-              </a:rPr>
-              <a:t>Nishit</a:t>
-            </a:r>
-            <a:r>
-              <a:rPr lang="en-IN" sz="1800" dirty="0">
-                <a:solidFill>
-                  <a:schemeClr val="bg1"/>
-                </a:solidFill>
-                <a:latin typeface="Verdana" panose="020B0604030504040204" pitchFamily="34" charset="0"/>
-                <a:ea typeface="Verdana" panose="020B0604030504040204" pitchFamily="34" charset="0"/>
-              </a:rPr>
-              <a:t> </a:t>
-            </a:r>
-            <a:r>
-              <a:rPr lang="en-IN" sz="1800" dirty="0" err="1">
-                <a:solidFill>
-                  <a:schemeClr val="bg1"/>
-                </a:solidFill>
-                <a:latin typeface="Verdana" panose="020B0604030504040204" pitchFamily="34" charset="0"/>
-                <a:ea typeface="Verdana" panose="020B0604030504040204" pitchFamily="34" charset="0"/>
-              </a:rPr>
-              <a:t>Sushil</a:t>
-            </a:r>
-            <a:r>
-              <a:rPr lang="en-IN" sz="1800" dirty="0">
-                <a:solidFill>
-                  <a:schemeClr val="bg1"/>
-                </a:solidFill>
-                <a:latin typeface="Verdana" panose="020B0604030504040204" pitchFamily="34" charset="0"/>
-                <a:ea typeface="Verdana" panose="020B0604030504040204" pitchFamily="34" charset="0"/>
-              </a:rPr>
-              <a:t> Singh (200001056</a:t>
-            </a:r>
-            <a:r>
-              <a:rPr lang="en-IN" sz="1800" dirty="0" smtClean="0">
-                <a:solidFill>
-                  <a:schemeClr val="bg1"/>
-                </a:solidFill>
-                <a:latin typeface="Verdana" panose="020B0604030504040204" pitchFamily="34" charset="0"/>
-                <a:ea typeface="Verdana" panose="020B0604030504040204" pitchFamily="34" charset="0"/>
-              </a:rPr>
-              <a:t>)</a:t>
-            </a:r>
-          </a:p>
-          <a:p>
-            <a:pPr fontAlgn="base">
-              <a:buClr>
-                <a:schemeClr val="bg1"/>
-              </a:buClr>
-            </a:pPr>
-            <a:endParaRPr lang="en-IN" sz="1800" dirty="0">
-              <a:solidFill>
-                <a:schemeClr val="bg1"/>
-              </a:solidFill>
-              <a:latin typeface="Verdana" panose="020B0604030504040204" pitchFamily="34" charset="0"/>
-              <a:ea typeface="Verdana" panose="020B0604030504040204" pitchFamily="34" charset="0"/>
-            </a:endParaRPr>
-          </a:p>
-          <a:p>
-            <a:r>
-              <a:rPr lang="en-IN" sz="2400" u="sng" dirty="0">
-                <a:solidFill>
-                  <a:schemeClr val="bg1"/>
-                </a:solidFill>
-                <a:latin typeface="Verdana" panose="020B0604030504040204" pitchFamily="34" charset="0"/>
-                <a:ea typeface="Verdana" panose="020B0604030504040204" pitchFamily="34" charset="0"/>
-              </a:rPr>
-              <a:t>Mentors</a:t>
-            </a:r>
-            <a:endParaRPr lang="en-IN" sz="1800" u="sng" dirty="0">
-              <a:solidFill>
-                <a:schemeClr val="bg1"/>
-              </a:solidFill>
-              <a:latin typeface="Verdana" panose="020B0604030504040204" pitchFamily="34" charset="0"/>
-              <a:ea typeface="Verdana" panose="020B0604030504040204" pitchFamily="34" charset="0"/>
-            </a:endParaRPr>
-          </a:p>
-          <a:p>
-            <a:pPr marL="285750" indent="-285750" fontAlgn="base">
-              <a:buClr>
-                <a:schemeClr val="bg1"/>
-              </a:buClr>
-              <a:buFont typeface="Wingdings" panose="05000000000000000000" pitchFamily="2" charset="2"/>
-              <a:buChar char="v"/>
-            </a:pPr>
-            <a:r>
-              <a:rPr lang="en-IN" sz="1800" dirty="0">
-                <a:solidFill>
-                  <a:schemeClr val="bg1"/>
-                </a:solidFill>
-                <a:latin typeface="Verdana" panose="020B0604030504040204" pitchFamily="34" charset="0"/>
-                <a:ea typeface="Verdana" panose="020B0604030504040204" pitchFamily="34" charset="0"/>
-              </a:rPr>
-              <a:t>Shaikh Ubaid (180001050)</a:t>
-            </a:r>
-          </a:p>
-          <a:p>
-            <a:pPr marL="285750" indent="-285750" fontAlgn="base">
-              <a:buClr>
-                <a:schemeClr val="bg1"/>
-              </a:buClr>
-              <a:buFont typeface="Wingdings" panose="05000000000000000000" pitchFamily="2" charset="2"/>
-              <a:buChar char="v"/>
-            </a:pPr>
-            <a:r>
-              <a:rPr lang="en-IN" sz="1800" dirty="0">
-                <a:solidFill>
-                  <a:schemeClr val="bg1"/>
-                </a:solidFill>
-                <a:latin typeface="Verdana" panose="020B0604030504040204" pitchFamily="34" charset="0"/>
-                <a:ea typeface="Verdana" panose="020B0604030504040204" pitchFamily="34" charset="0"/>
-              </a:rPr>
-              <a:t>Ashish Raj (190003013</a:t>
-            </a:r>
-            <a:r>
-              <a:rPr lang="en-IN" sz="1800" dirty="0" smtClean="0">
-                <a:solidFill>
-                  <a:schemeClr val="bg1"/>
-                </a:solidFill>
-                <a:latin typeface="Verdana" panose="020B0604030504040204" pitchFamily="34" charset="0"/>
-                <a:ea typeface="Verdana" panose="020B0604030504040204" pitchFamily="34" charset="0"/>
-              </a:rPr>
-              <a:t>)</a:t>
-            </a:r>
-            <a:endParaRPr lang="en-IN" sz="1800" dirty="0">
-              <a:solidFill>
-                <a:schemeClr val="bg1"/>
-              </a:solidFill>
-              <a:latin typeface="Verdana" panose="020B0604030504040204" pitchFamily="34" charset="0"/>
-              <a:ea typeface="Verdana" panose="020B0604030504040204" pitchFamily="34" charset="0"/>
-            </a:endParaRPr>
-          </a:p>
-        </p:txBody>
-      </p:sp>
-    </p:spTree>
-    <p:extLst>
-      <p:ext uri="{BB962C8B-B14F-4D97-AF65-F5344CB8AC3E}">
-        <p14:creationId xmlns:p14="http://schemas.microsoft.com/office/powerpoint/2010/main" val="1615714067"/>
-      </p:ext>
-    </p:extLst>
-  </p:cSld>
-  <p:clrMapOvr>
-    <a:masterClrMapping/>
-  </p:clrMapOvr>
-</p:sld>
-</file>
-
-<file path=ppt/slides/slide3.xml><?xml version="1.0" encoding="utf-8"?>
-<p:sld xmlns:a="http://schemas.openxmlformats.org/drawingml/2006/main" xmlns:r="http://schemas.openxmlformats.org/officeDocument/2006/relationships" xmlns:p="http://schemas.openxmlformats.org/presentationml/2006/main">
-  <p:cSld>
-    <p:spTree>
-      <p:nvGrpSpPr>
-        <p:cNvPr id="1" name=""/>
-        <p:cNvGrpSpPr/>
-        <p:nvPr/>
-      </p:nvGrpSpPr>
-      <p:grpSpPr>
-        <a:xfrm>
-          <a:off x="0" y="0"/>
-          <a:ext cx="0" cy="0"/>
-          <a:chOff x="0" y="0"/>
-          <a:chExt cx="0" cy="0"/>
-        </a:xfrm>
-      </p:grpSpPr>
-      <p:sp>
-        <p:nvSpPr>
-          <p:cNvPr id="3" name="Subtitle 2"/>
-          <p:cNvSpPr>
-            <a:spLocks noGrp="1"/>
-          </p:cNvSpPr>
-          <p:nvPr>
-            <p:ph type="subTitle" idx="1"/>
-          </p:nvPr>
-        </p:nvSpPr>
-        <p:spPr>
-          <a:xfrm>
-            <a:off x="1012928" y="770708"/>
-            <a:ext cx="7315200" cy="4750526"/>
-          </a:xfrm>
-        </p:spPr>
-        <p:txBody>
-          <a:bodyPr>
-            <a:normAutofit/>
-          </a:bodyPr>
-          <a:lstStyle/>
-          <a:p>
-            <a:pPr>
-              <a:lnSpc>
-                <a:spcPct val="150000"/>
-              </a:lnSpc>
-            </a:pPr>
-            <a:r>
-              <a:rPr lang="en-IN" sz="2400" u="sng" dirty="0" smtClean="0">
-                <a:solidFill>
-                  <a:schemeClr val="bg1"/>
-                </a:solidFill>
-                <a:latin typeface="Verdana" panose="020B0604030504040204" pitchFamily="34" charset="0"/>
-                <a:ea typeface="Verdana" panose="020B0604030504040204" pitchFamily="34" charset="0"/>
-              </a:rPr>
-              <a:t>Description</a:t>
-            </a:r>
-            <a:endParaRPr lang="en-IN" sz="2800" u="sng" dirty="0" smtClean="0">
-              <a:solidFill>
-                <a:schemeClr val="bg1"/>
-              </a:solidFill>
-              <a:latin typeface="Verdana" panose="020B0604030504040204" pitchFamily="34" charset="0"/>
-              <a:ea typeface="Verdana" panose="020B0604030504040204" pitchFamily="34" charset="0"/>
-            </a:endParaRPr>
-          </a:p>
-          <a:p>
-            <a:pPr>
-              <a:lnSpc>
-                <a:spcPct val="150000"/>
-              </a:lnSpc>
-            </a:pPr>
-            <a:r>
-              <a:rPr lang="en-US" sz="1800" dirty="0" smtClean="0">
-                <a:solidFill>
-                  <a:schemeClr val="bg1"/>
-                </a:solidFill>
-                <a:latin typeface="Verdana" panose="020B0604030504040204" pitchFamily="34" charset="0"/>
-                <a:ea typeface="Verdana" panose="020B0604030504040204" pitchFamily="34" charset="0"/>
-              </a:rPr>
-              <a:t>This </a:t>
-            </a:r>
-            <a:r>
               <a:rPr lang="en-US" sz="1800" dirty="0">
                 <a:solidFill>
                   <a:schemeClr val="bg1"/>
@@ -4546,1383 +3610,8 @@
                 <a:latin typeface="Verdana" panose="020B0604030504040204" pitchFamily="34" charset="0"/>
                 <a:ea typeface="Verdana" panose="020B0604030504040204" pitchFamily="34" charset="0"/>
               </a:rPr>
-              <a:t>Project gives you a Chrome Extension and a Progressive Web App (PWA) allowing you to control </a:t>
-            </a:r>
-            <a:r>
-              <a:rPr lang="en-US" sz="1800" dirty="0" err="1">
-                <a:solidFill>
-                  <a:schemeClr val="bg1"/>
-                </a:solidFill>
-                <a:latin typeface="Verdana" panose="020B0604030504040204" pitchFamily="34" charset="0"/>
-                <a:ea typeface="Verdana" panose="020B0604030504040204" pitchFamily="34" charset="0"/>
-              </a:rPr>
-              <a:t>Youtube</a:t>
-            </a:r>
-            <a:r>
-              <a:rPr lang="en-US" sz="1800" dirty="0">
-                <a:solidFill>
-                  <a:schemeClr val="bg1"/>
-                </a:solidFill>
-                <a:latin typeface="Verdana" panose="020B0604030504040204" pitchFamily="34" charset="0"/>
-                <a:ea typeface="Verdana" panose="020B0604030504040204" pitchFamily="34" charset="0"/>
-              </a:rPr>
-              <a:t> on your Desktop Browser from your Mobile's Browser. It enforces a 1-1 connection between the Browser Extension and the PWA. The Extension gets connected to the PWA using a QR Code which has to be scanned using the built-in QR Code Scanner in the PWA. This will land you on the Infinity Remote page that allows you to control the </a:t>
-            </a:r>
-            <a:r>
-              <a:rPr lang="en-US" sz="1800" dirty="0" err="1">
-                <a:solidFill>
-                  <a:schemeClr val="bg1"/>
-                </a:solidFill>
-                <a:latin typeface="Verdana" panose="020B0604030504040204" pitchFamily="34" charset="0"/>
-                <a:ea typeface="Verdana" panose="020B0604030504040204" pitchFamily="34" charset="0"/>
-              </a:rPr>
-              <a:t>Youtube</a:t>
-            </a:r>
-            <a:r>
-              <a:rPr lang="en-US" sz="1800" dirty="0">
-                <a:solidFill>
-                  <a:schemeClr val="bg1"/>
-                </a:solidFill>
-                <a:latin typeface="Verdana" panose="020B0604030504040204" pitchFamily="34" charset="0"/>
-                <a:ea typeface="Verdana" panose="020B0604030504040204" pitchFamily="34" charset="0"/>
-              </a:rPr>
-              <a:t>. Proper Instructions / Icons helps the User control the Utility</a:t>
-            </a:r>
-            <a:r>
-              <a:rPr lang="en-US" sz="1800" dirty="0" smtClean="0">
-                <a:solidFill>
-                  <a:schemeClr val="bg1"/>
-                </a:solidFill>
-                <a:latin typeface="Verdana" panose="020B0604030504040204" pitchFamily="34" charset="0"/>
-                <a:ea typeface="Verdana" panose="020B0604030504040204" pitchFamily="34" charset="0"/>
-              </a:rPr>
-              <a:t>.</a:t>
-            </a:r>
-            <a:endParaRPr lang="en-US" sz="1800" dirty="0">
-              <a:solidFill>
-                <a:schemeClr val="bg1"/>
-              </a:solidFill>
-              <a:latin typeface="Verdana" panose="020B0604030504040204" pitchFamily="34" charset="0"/>
-              <a:ea typeface="Verdana" panose="020B0604030504040204" pitchFamily="34" charset="0"/>
-            </a:endParaRPr>
-          </a:p>
-        </p:txBody>
-      </p:sp>
-    </p:spTree>
-    <p:extLst>
-      <p:ext uri="{BB962C8B-B14F-4D97-AF65-F5344CB8AC3E}">
-        <p14:creationId xmlns:p14="http://schemas.microsoft.com/office/powerpoint/2010/main" val="4228566591"/>
-      </p:ext>
-    </p:extLst>
-  </p:cSld>
-  <p:clrMapOvr>
-    <a:masterClrMapping/>
-  </p:clrMapOvr>
-</p:sld>
-</file>
-
-<file path=ppt/slides/slide4.xml><?xml version="1.0" encoding="utf-8"?>
-<p:sld xmlns:a="http://schemas.openxmlformats.org/drawingml/2006/main" xmlns:r="http://schemas.openxmlformats.org/officeDocument/2006/relationships" xmlns:p="http://schemas.openxmlformats.org/presentationml/2006/main">
-  <p:cSld>
-    <p:spTree>
-      <p:nvGrpSpPr>
-        <p:cNvPr id="1" name=""/>
-        <p:cNvGrpSpPr/>
-        <p:nvPr/>
-      </p:nvGrpSpPr>
-      <p:grpSpPr>
-        <a:xfrm>
-          <a:off x="0" y="0"/>
-          <a:ext cx="0" cy="0"/>
-          <a:chOff x="0" y="0"/>
-          <a:chExt cx="0" cy="0"/>
-        </a:xfrm>
-      </p:grpSpPr>
-      <p:sp>
-        <p:nvSpPr>
-          <p:cNvPr id="3" name="Subtitle 2"/>
-          <p:cNvSpPr>
-            <a:spLocks noGrp="1"/>
-          </p:cNvSpPr>
-          <p:nvPr>
-            <p:ph type="subTitle" idx="1"/>
-          </p:nvPr>
-        </p:nvSpPr>
-        <p:spPr>
-          <a:xfrm>
-            <a:off x="1100015" y="757646"/>
-            <a:ext cx="7315200" cy="4827000"/>
-          </a:xfrm>
-        </p:spPr>
-        <p:txBody>
-          <a:bodyPr>
-            <a:normAutofit/>
-          </a:bodyPr>
-          <a:lstStyle/>
-          <a:p>
-            <a:endParaRPr lang="en-IN" sz="2400" u="sng" dirty="0" smtClean="0">
-              <a:solidFill>
-                <a:schemeClr val="bg1"/>
-              </a:solidFill>
-              <a:latin typeface="Verdana" panose="020B0604030504040204" pitchFamily="34" charset="0"/>
-              <a:ea typeface="Verdana" panose="020B0604030504040204" pitchFamily="34" charset="0"/>
-            </a:endParaRPr>
-          </a:p>
-          <a:p>
-            <a:r>
-              <a:rPr lang="en-IN" sz="2400" u="sng" dirty="0" smtClean="0">
-                <a:solidFill>
-                  <a:schemeClr val="bg1"/>
-                </a:solidFill>
-                <a:latin typeface="Verdana" panose="020B0604030504040204" pitchFamily="34" charset="0"/>
-                <a:ea typeface="Verdana" panose="020B0604030504040204" pitchFamily="34" charset="0"/>
-              </a:rPr>
-              <a:t>Salient Features</a:t>
-            </a:r>
-            <a:endParaRPr lang="en-US" dirty="0">
-              <a:solidFill>
-                <a:schemeClr val="bg1"/>
-              </a:solidFill>
-              <a:latin typeface="Verdana" panose="020B0604030504040204" pitchFamily="34" charset="0"/>
-              <a:ea typeface="Verdana" panose="020B0604030504040204" pitchFamily="34" charset="0"/>
-            </a:endParaRPr>
-          </a:p>
-          <a:p>
-            <a:pPr marL="285750" indent="-285750" fontAlgn="base">
-              <a:lnSpc>
-                <a:spcPct val="130000"/>
-              </a:lnSpc>
-              <a:buClr>
-                <a:schemeClr val="bg1"/>
-              </a:buClr>
-              <a:buFont typeface="Wingdings" panose="05000000000000000000" pitchFamily="2" charset="2"/>
-              <a:buChar char="v"/>
-            </a:pPr>
-            <a:r>
-              <a:rPr lang="en-US" sz="1800" dirty="0">
-                <a:solidFill>
-                  <a:schemeClr val="bg1"/>
-                </a:solidFill>
-                <a:latin typeface="Verdana" panose="020B0604030504040204" pitchFamily="34" charset="0"/>
-                <a:ea typeface="Verdana" panose="020B0604030504040204" pitchFamily="34" charset="0"/>
-              </a:rPr>
-              <a:t>Connection via Internet </a:t>
-            </a:r>
-          </a:p>
-          <a:p>
-            <a:pPr marL="285750" indent="-285750" fontAlgn="base">
-              <a:lnSpc>
-                <a:spcPct val="130000"/>
-              </a:lnSpc>
-              <a:buClr>
-                <a:schemeClr val="bg1"/>
-              </a:buClr>
-              <a:buFont typeface="Wingdings" panose="05000000000000000000" pitchFamily="2" charset="2"/>
-              <a:buChar char="v"/>
-            </a:pPr>
-            <a:r>
-              <a:rPr lang="en-US" sz="1800" dirty="0">
-                <a:solidFill>
-                  <a:schemeClr val="bg1"/>
-                </a:solidFill>
-                <a:latin typeface="Verdana" panose="020B0604030504040204" pitchFamily="34" charset="0"/>
-                <a:ea typeface="Verdana" panose="020B0604030504040204" pitchFamily="34" charset="0"/>
-              </a:rPr>
-              <a:t>PWA for E</a:t>
-            </a:r>
-            <a:r>
-              <a:rPr lang="en-US" sz="1800" dirty="0" smtClean="0">
-                <a:solidFill>
-                  <a:schemeClr val="bg1"/>
-                </a:solidFill>
-                <a:latin typeface="Verdana" panose="020B0604030504040204" pitchFamily="34" charset="0"/>
-                <a:ea typeface="Verdana" panose="020B0604030504040204" pitchFamily="34" charset="0"/>
-              </a:rPr>
-              <a:t>asy Accessibility</a:t>
-            </a:r>
-            <a:endParaRPr lang="en-US" sz="1800" dirty="0">
-              <a:solidFill>
-                <a:schemeClr val="bg1"/>
-              </a:solidFill>
-              <a:latin typeface="Verdana" panose="020B0604030504040204" pitchFamily="34" charset="0"/>
-              <a:ea typeface="Verdana" panose="020B0604030504040204" pitchFamily="34" charset="0"/>
-            </a:endParaRPr>
-          </a:p>
-          <a:p>
-            <a:pPr marL="285750" indent="-285750" fontAlgn="base">
-              <a:lnSpc>
-                <a:spcPct val="130000"/>
-              </a:lnSpc>
-              <a:buClr>
-                <a:schemeClr val="bg1"/>
-              </a:buClr>
-              <a:buFont typeface="Wingdings" panose="05000000000000000000" pitchFamily="2" charset="2"/>
-              <a:buChar char="v"/>
-            </a:pPr>
-            <a:r>
-              <a:rPr lang="en-US" sz="1800" dirty="0">
-                <a:solidFill>
-                  <a:schemeClr val="bg1"/>
-                </a:solidFill>
-                <a:latin typeface="Verdana" panose="020B0604030504040204" pitchFamily="34" charset="0"/>
-                <a:ea typeface="Verdana" panose="020B0604030504040204" pitchFamily="34" charset="0"/>
-              </a:rPr>
-              <a:t>Selection </a:t>
-            </a:r>
-            <a:r>
-              <a:rPr lang="en-US" sz="1800" dirty="0" smtClean="0">
-                <a:solidFill>
-                  <a:schemeClr val="bg1"/>
-                </a:solidFill>
-                <a:latin typeface="Verdana" panose="020B0604030504040204" pitchFamily="34" charset="0"/>
-                <a:ea typeface="Verdana" panose="020B0604030504040204" pitchFamily="34" charset="0"/>
-              </a:rPr>
-              <a:t>and Navigation</a:t>
-            </a:r>
-            <a:endParaRPr lang="en-US" sz="1800" dirty="0">
-              <a:solidFill>
-                <a:schemeClr val="bg1"/>
-              </a:solidFill>
-              <a:latin typeface="Verdana" panose="020B0604030504040204" pitchFamily="34" charset="0"/>
-              <a:ea typeface="Verdana" panose="020B0604030504040204" pitchFamily="34" charset="0"/>
-            </a:endParaRPr>
-          </a:p>
-          <a:p>
-            <a:pPr marL="285750" indent="-285750" fontAlgn="base">
-              <a:lnSpc>
-                <a:spcPct val="130000"/>
-              </a:lnSpc>
-              <a:buClr>
-                <a:schemeClr val="bg1"/>
-              </a:buClr>
-              <a:buFont typeface="Wingdings" panose="05000000000000000000" pitchFamily="2" charset="2"/>
-              <a:buChar char="v"/>
-            </a:pPr>
-            <a:r>
-              <a:rPr lang="en-US" sz="1800" dirty="0">
-                <a:solidFill>
-                  <a:schemeClr val="bg1"/>
-                </a:solidFill>
-                <a:latin typeface="Verdana" panose="020B0604030504040204" pitchFamily="34" charset="0"/>
-                <a:ea typeface="Verdana" panose="020B0604030504040204" pitchFamily="34" charset="0"/>
-              </a:rPr>
-              <a:t>Playback </a:t>
-            </a:r>
-            <a:r>
-              <a:rPr lang="en-US" sz="1800" dirty="0" smtClean="0">
-                <a:solidFill>
-                  <a:schemeClr val="bg1"/>
-                </a:solidFill>
-                <a:latin typeface="Verdana" panose="020B0604030504040204" pitchFamily="34" charset="0"/>
-                <a:ea typeface="Verdana" panose="020B0604030504040204" pitchFamily="34" charset="0"/>
-              </a:rPr>
-              <a:t>Controls</a:t>
-            </a:r>
-            <a:endParaRPr lang="en-US" sz="1800" dirty="0">
-              <a:solidFill>
-                <a:schemeClr val="bg1"/>
-              </a:solidFill>
-              <a:latin typeface="Verdana" panose="020B0604030504040204" pitchFamily="34" charset="0"/>
-              <a:ea typeface="Verdana" panose="020B0604030504040204" pitchFamily="34" charset="0"/>
-            </a:endParaRPr>
-          </a:p>
-          <a:p>
-            <a:pPr marL="285750" indent="-285750" fontAlgn="base">
-              <a:lnSpc>
-                <a:spcPct val="130000"/>
-              </a:lnSpc>
-              <a:buClr>
-                <a:schemeClr val="bg1"/>
-              </a:buClr>
-              <a:buFont typeface="Wingdings" panose="05000000000000000000" pitchFamily="2" charset="2"/>
-              <a:buChar char="v"/>
-            </a:pPr>
-            <a:r>
-              <a:rPr lang="en-US" sz="1800" dirty="0">
-                <a:solidFill>
-                  <a:schemeClr val="bg1"/>
-                </a:solidFill>
-                <a:latin typeface="Verdana" panose="020B0604030504040204" pitchFamily="34" charset="0"/>
-                <a:ea typeface="Verdana" panose="020B0604030504040204" pitchFamily="34" charset="0"/>
-              </a:rPr>
-              <a:t>Skipping of </a:t>
-            </a:r>
-            <a:r>
-              <a:rPr lang="en-US" sz="1800" dirty="0" smtClean="0">
-                <a:solidFill>
-                  <a:schemeClr val="bg1"/>
-                </a:solidFill>
-                <a:latin typeface="Verdana" panose="020B0604030504040204" pitchFamily="34" charset="0"/>
-                <a:ea typeface="Verdana" panose="020B0604030504040204" pitchFamily="34" charset="0"/>
-              </a:rPr>
-              <a:t>Advertisements</a:t>
-            </a:r>
-            <a:endParaRPr lang="en-US" sz="1800" dirty="0">
-              <a:solidFill>
-                <a:schemeClr val="bg1"/>
-              </a:solidFill>
-              <a:latin typeface="Verdana" panose="020B0604030504040204" pitchFamily="34" charset="0"/>
-              <a:ea typeface="Verdana" panose="020B0604030504040204" pitchFamily="34" charset="0"/>
-            </a:endParaRPr>
-          </a:p>
-          <a:p>
-            <a:pPr marL="285750" indent="-285750" fontAlgn="base">
-              <a:lnSpc>
-                <a:spcPct val="130000"/>
-              </a:lnSpc>
-              <a:buClr>
-                <a:schemeClr val="bg1"/>
-              </a:buClr>
-              <a:buFont typeface="Wingdings" panose="05000000000000000000" pitchFamily="2" charset="2"/>
-              <a:buChar char="v"/>
-            </a:pPr>
-            <a:r>
-              <a:rPr lang="en-US" sz="1800" dirty="0" smtClean="0">
-                <a:solidFill>
-                  <a:schemeClr val="bg1"/>
-                </a:solidFill>
-                <a:latin typeface="Verdana" panose="020B0604030504040204" pitchFamily="34" charset="0"/>
-                <a:ea typeface="Verdana" panose="020B0604030504040204" pitchFamily="34" charset="0"/>
-              </a:rPr>
-              <a:t>Instructions and Error Pages</a:t>
-            </a:r>
-            <a:endParaRPr lang="en-US" sz="1800" dirty="0">
-              <a:solidFill>
-                <a:schemeClr val="bg1"/>
-              </a:solidFill>
-              <a:latin typeface="Verdana" panose="020B0604030504040204" pitchFamily="34" charset="0"/>
-              <a:ea typeface="Verdana" panose="020B0604030504040204" pitchFamily="34" charset="0"/>
-            </a:endParaRPr>
-          </a:p>
-        </p:txBody>
-      </p:sp>
-    </p:spTree>
-    <p:extLst>
-      <p:ext uri="{BB962C8B-B14F-4D97-AF65-F5344CB8AC3E}">
-        <p14:creationId xmlns:p14="http://schemas.microsoft.com/office/powerpoint/2010/main" val="355356462"/>
-      </p:ext>
-    </p:extLst>
-  </p:cSld>
-  <p:clrMapOvr>
-    <a:masterClrMapping/>
-  </p:clrMapOvr>
-</p:sld>
-</file>
-
-<file path=ppt/slides/slide5.xml><?xml version="1.0" encoding="utf-8"?>
-<p:sld xmlns:a="http://schemas.openxmlformats.org/drawingml/2006/main" xmlns:r="http://schemas.openxmlformats.org/officeDocument/2006/relationships" xmlns:p="http://schemas.openxmlformats.org/presentationml/2006/main">
-  <p:cSld>
-    <p:spTree>
-      <p:nvGrpSpPr>
-        <p:cNvPr id="1" name=""/>
-        <p:cNvGrpSpPr/>
-        <p:nvPr/>
-      </p:nvGrpSpPr>
-      <p:grpSpPr>
-        <a:xfrm>
-          <a:off x="0" y="0"/>
-          <a:ext cx="0" cy="0"/>
-          <a:chOff x="0" y="0"/>
-          <a:chExt cx="0" cy="0"/>
-        </a:xfrm>
-      </p:grpSpPr>
-      <p:sp>
-        <p:nvSpPr>
-          <p:cNvPr id="3" name="Subtitle 2"/>
-          <p:cNvSpPr>
-            <a:spLocks noGrp="1"/>
-          </p:cNvSpPr>
-          <p:nvPr>
-            <p:ph type="subTitle" idx="1"/>
-          </p:nvPr>
-        </p:nvSpPr>
-        <p:spPr>
-          <a:xfrm>
-            <a:off x="1100015" y="757645"/>
-            <a:ext cx="7315200" cy="5660571"/>
-          </a:xfrm>
-        </p:spPr>
-        <p:txBody>
-          <a:bodyPr>
-            <a:normAutofit/>
-          </a:bodyPr>
-          <a:lstStyle/>
-          <a:p>
-            <a:endParaRPr lang="en-US" sz="2400" u="sng" dirty="0" smtClean="0">
-              <a:solidFill>
-                <a:schemeClr val="bg1"/>
-              </a:solidFill>
-              <a:latin typeface="Verdana" panose="020B0604030504040204" pitchFamily="34" charset="0"/>
-              <a:ea typeface="Verdana" panose="020B0604030504040204" pitchFamily="34" charset="0"/>
-            </a:endParaRPr>
-          </a:p>
-          <a:p>
-            <a:r>
-              <a:rPr lang="en-US" sz="2400" u="sng" dirty="0" smtClean="0">
-                <a:solidFill>
-                  <a:schemeClr val="bg1"/>
-                </a:solidFill>
-                <a:latin typeface="Verdana" panose="020B0604030504040204" pitchFamily="34" charset="0"/>
-                <a:ea typeface="Verdana" panose="020B0604030504040204" pitchFamily="34" charset="0"/>
-              </a:rPr>
-              <a:t>1-1 Connection </a:t>
-            </a:r>
-            <a:r>
-              <a:rPr lang="en-US" sz="2400" u="sng" dirty="0" smtClean="0">
-                <a:solidFill>
-                  <a:schemeClr val="bg1"/>
-                </a:solidFill>
-                <a:latin typeface="Verdana" panose="020B0604030504040204" pitchFamily="34" charset="0"/>
-                <a:ea typeface="Verdana" panose="020B0604030504040204" pitchFamily="34" charset="0"/>
-              </a:rPr>
-              <a:t>via Internet</a:t>
-            </a:r>
-            <a:endParaRPr lang="en-US" sz="1800" u="sng" dirty="0" smtClean="0">
-              <a:solidFill>
-                <a:schemeClr val="bg1"/>
-              </a:solidFill>
-              <a:latin typeface="Verdana" panose="020B0604030504040204" pitchFamily="34" charset="0"/>
-              <a:ea typeface="Verdana" panose="020B0604030504040204" pitchFamily="34" charset="0"/>
-            </a:endParaRPr>
-          </a:p>
-          <a:p>
-            <a:pPr marL="285750" indent="-285750" fontAlgn="base">
-              <a:lnSpc>
-                <a:spcPct val="130000"/>
-              </a:lnSpc>
-              <a:buClr>
-                <a:schemeClr val="bg1"/>
-              </a:buClr>
-              <a:buFont typeface="Wingdings" panose="05000000000000000000" pitchFamily="2" charset="2"/>
-              <a:buChar char="v"/>
-            </a:pPr>
-            <a:r>
-              <a:rPr lang="en-US" sz="1800" dirty="0" smtClean="0">
-                <a:solidFill>
-                  <a:schemeClr val="bg1"/>
-                </a:solidFill>
-                <a:latin typeface="Verdana" panose="020B0604030504040204" pitchFamily="34" charset="0"/>
-                <a:ea typeface="Verdana" panose="020B0604030504040204" pitchFamily="34" charset="0"/>
-              </a:rPr>
-              <a:t>Socket Programming is used to communicate between PWA and the Extension, making the connection live and persistent.</a:t>
-            </a:r>
-          </a:p>
-          <a:p>
-            <a:pPr marL="285750" indent="-285750" fontAlgn="base">
-              <a:lnSpc>
-                <a:spcPct val="130000"/>
-              </a:lnSpc>
-              <a:buClr>
-                <a:schemeClr val="bg1"/>
-              </a:buClr>
-              <a:buFont typeface="Wingdings" panose="05000000000000000000" pitchFamily="2" charset="2"/>
-              <a:buChar char="v"/>
-            </a:pPr>
-            <a:r>
-              <a:rPr lang="en-US" sz="1800" dirty="0" smtClean="0">
-                <a:solidFill>
-                  <a:schemeClr val="bg1"/>
-                </a:solidFill>
-                <a:latin typeface="Verdana" panose="020B0604030504040204" pitchFamily="34" charset="0"/>
-                <a:ea typeface="Verdana" panose="020B0604030504040204" pitchFamily="34" charset="0"/>
-              </a:rPr>
-              <a:t>A room gets created in the server whenever a User opens the </a:t>
-            </a:r>
-            <a:r>
-              <a:rPr lang="en-US" sz="1800" dirty="0">
-                <a:solidFill>
-                  <a:schemeClr val="bg1"/>
-                </a:solidFill>
-                <a:latin typeface="Verdana" panose="020B0604030504040204" pitchFamily="34" charset="0"/>
-                <a:ea typeface="Verdana" panose="020B0604030504040204" pitchFamily="34" charset="0"/>
-              </a:rPr>
-              <a:t>C</a:t>
-            </a:r>
-            <a:r>
-              <a:rPr lang="en-US" sz="1800" dirty="0" smtClean="0">
-                <a:solidFill>
-                  <a:schemeClr val="bg1"/>
-                </a:solidFill>
-                <a:latin typeface="Verdana" panose="020B0604030504040204" pitchFamily="34" charset="0"/>
-                <a:ea typeface="Verdana" panose="020B0604030504040204" pitchFamily="34" charset="0"/>
-              </a:rPr>
-              <a:t>hrome browser in the PC and the same room Id gets reflected in the QR code. The User scans this QR code to join the same room. </a:t>
-            </a:r>
-            <a:endParaRPr lang="en-US" sz="1800" dirty="0" smtClean="0">
-              <a:solidFill>
-                <a:schemeClr val="bg1"/>
-              </a:solidFill>
-              <a:latin typeface="Verdana" panose="020B0604030504040204" pitchFamily="34" charset="0"/>
-              <a:ea typeface="Verdana" panose="020B0604030504040204" pitchFamily="34" charset="0"/>
-            </a:endParaRPr>
-          </a:p>
-          <a:p>
-            <a:pPr marL="285750" indent="-285750" fontAlgn="base">
-              <a:lnSpc>
-                <a:spcPct val="130000"/>
-              </a:lnSpc>
-              <a:buClr>
-                <a:schemeClr val="bg1"/>
-              </a:buClr>
-              <a:buFont typeface="Wingdings" panose="05000000000000000000" pitchFamily="2" charset="2"/>
-              <a:buChar char="v"/>
-            </a:pPr>
-            <a:r>
-              <a:rPr lang="en-US" sz="1800" dirty="0" smtClean="0">
-                <a:solidFill>
-                  <a:schemeClr val="bg1"/>
-                </a:solidFill>
-                <a:latin typeface="Verdana" panose="020B0604030504040204" pitchFamily="34" charset="0"/>
-                <a:ea typeface="Verdana" panose="020B0604030504040204" pitchFamily="34" charset="0"/>
-              </a:rPr>
-              <a:t>The socket enforces a 1-1 connection, any other connection to the same socket are redirected to appropriate error page and further instructions are displayed.</a:t>
-            </a:r>
-            <a:endParaRPr lang="en-US" sz="1800" dirty="0" smtClean="0">
-              <a:solidFill>
-                <a:schemeClr val="bg1"/>
-              </a:solidFill>
-              <a:latin typeface="Verdana" panose="020B0604030504040204" pitchFamily="34" charset="0"/>
-              <a:ea typeface="Verdana" panose="020B0604030504040204" pitchFamily="34" charset="0"/>
-            </a:endParaRPr>
-          </a:p>
-        </p:txBody>
-      </p:sp>
-      <p:pic>
-        <p:nvPicPr>
-          <p:cNvPr id="4" name="Picture 3"/>
-          <p:cNvPicPr>
-            <a:picLocks noChangeAspect="1"/>
-          </p:cNvPicPr>
-          <p:nvPr/>
-        </p:nvPicPr>
-        <p:blipFill>
-          <a:blip r:embed="rId2"/>
-          <a:stretch>
-            <a:fillRect/>
-          </a:stretch>
-        </p:blipFill>
-        <p:spPr>
-          <a:xfrm>
-            <a:off x="8133805" y="923109"/>
-            <a:ext cx="837463" cy="837463"/>
-          </a:xfrm>
-          <a:prstGeom prst="ellipse">
-            <a:avLst/>
-          </a:prstGeom>
-          <a:ln>
-            <a:noFill/>
-          </a:ln>
-          <a:effectLst>
-            <a:softEdge rad="112500"/>
-          </a:effectLst>
-        </p:spPr>
-      </p:pic>
-    </p:spTree>
-    <p:extLst>
-      <p:ext uri="{BB962C8B-B14F-4D97-AF65-F5344CB8AC3E}">
-        <p14:creationId xmlns:p14="http://schemas.microsoft.com/office/powerpoint/2010/main" val="2484622259"/>
-      </p:ext>
-    </p:extLst>
-  </p:cSld>
-  <p:clrMapOvr>
-    <a:masterClrMapping/>
-  </p:clrMapOvr>
-</p:sld>
-</file>
-
-<file path=ppt/slides/slide6.xml><?xml version="1.0" encoding="utf-8"?>
-<p:sld xmlns:a="http://schemas.openxmlformats.org/drawingml/2006/main" xmlns:r="http://schemas.openxmlformats.org/officeDocument/2006/relationships" xmlns:p="http://schemas.openxmlformats.org/presentationml/2006/main">
-  <p:cSld>
-    <p:spTree>
-      <p:nvGrpSpPr>
-        <p:cNvPr id="1" name=""/>
-        <p:cNvGrpSpPr/>
-        <p:nvPr/>
-      </p:nvGrpSpPr>
-      <p:grpSpPr>
-        <a:xfrm>
-          <a:off x="0" y="0"/>
-          <a:ext cx="0" cy="0"/>
-          <a:chOff x="0" y="0"/>
-          <a:chExt cx="0" cy="0"/>
-        </a:xfrm>
-      </p:grpSpPr>
-      <p:sp>
-        <p:nvSpPr>
-          <p:cNvPr id="3" name="Subtitle 2"/>
-          <p:cNvSpPr>
-            <a:spLocks noGrp="1"/>
-          </p:cNvSpPr>
-          <p:nvPr>
-            <p:ph type="subTitle" idx="1"/>
-          </p:nvPr>
-        </p:nvSpPr>
-        <p:spPr>
-          <a:xfrm>
-            <a:off x="1100015" y="766354"/>
-            <a:ext cx="7315200" cy="4818292"/>
-          </a:xfrm>
-        </p:spPr>
-        <p:txBody>
-          <a:bodyPr>
-            <a:normAutofit fontScale="92500"/>
-          </a:bodyPr>
-          <a:lstStyle/>
-          <a:p>
-            <a:endParaRPr lang="en-US" sz="1900" i="1" dirty="0" smtClean="0">
-              <a:solidFill>
-                <a:srgbClr val="FF0000"/>
-              </a:solidFill>
-            </a:endParaRPr>
-          </a:p>
-          <a:p>
-            <a:r>
-              <a:rPr lang="en-US" i="1" dirty="0" smtClean="0">
-                <a:solidFill>
-                  <a:srgbClr val="FF0000"/>
-                </a:solidFill>
-              </a:rPr>
-              <a:t>PWA </a:t>
-            </a:r>
-            <a:r>
-              <a:rPr lang="en-US" i="1" dirty="0">
-                <a:solidFill>
-                  <a:srgbClr val="FF0000"/>
-                </a:solidFill>
-              </a:rPr>
-              <a:t>for easy accessibility</a:t>
-            </a:r>
-            <a:endParaRPr lang="en-US" dirty="0">
-              <a:solidFill>
-                <a:srgbClr val="FF0000"/>
-              </a:solidFill>
-            </a:endParaRPr>
-          </a:p>
-          <a:p>
-            <a:pPr fontAlgn="base"/>
-            <a:r>
-              <a:rPr lang="en-US" dirty="0"/>
-              <a:t/>
-            </a:r>
-            <a:br>
-              <a:rPr lang="en-US" dirty="0"/>
-            </a:br>
-            <a:r>
-              <a:rPr lang="en-US" dirty="0"/>
-              <a:t>PWA(Progressive Web App) provides a similar experience as a native app.</a:t>
-            </a:r>
-          </a:p>
-          <a:p>
-            <a:pPr fontAlgn="base"/>
-            <a:r>
-              <a:rPr lang="en-US" dirty="0"/>
-              <a:t>It can be downloaded as an application. The icon appears on the home screen and can be used as a native app.</a:t>
-            </a:r>
-          </a:p>
-          <a:p>
-            <a:pPr fontAlgn="base"/>
-            <a:r>
-              <a:rPr lang="en-US" dirty="0"/>
-              <a:t>It is also </a:t>
-            </a:r>
-            <a:r>
-              <a:rPr lang="en-US" dirty="0" err="1"/>
-              <a:t>responsive,i.e</a:t>
-            </a:r>
-            <a:r>
-              <a:rPr lang="en-US" dirty="0"/>
-              <a:t>., it adjusts to various screen sizes of mobile, tablets, etc.</a:t>
-            </a:r>
-          </a:p>
-          <a:p>
-            <a:pPr fontAlgn="base"/>
-            <a:r>
-              <a:rPr lang="en-US" dirty="0"/>
-              <a:t>It works offline using the data </a:t>
-            </a:r>
-            <a:r>
-              <a:rPr lang="en-US" dirty="0" err="1"/>
-              <a:t>catched</a:t>
-            </a:r>
-            <a:r>
-              <a:rPr lang="en-US" dirty="0"/>
-              <a:t> from the last user interaction.</a:t>
-            </a:r>
-          </a:p>
-          <a:p>
-            <a:pPr fontAlgn="base"/>
-            <a:r>
-              <a:rPr lang="en-US" dirty="0"/>
-              <a:t>No </a:t>
-            </a:r>
-            <a:r>
-              <a:rPr lang="en-US" dirty="0" err="1"/>
-              <a:t>authorisations</a:t>
-            </a:r>
-            <a:r>
-              <a:rPr lang="en-US" dirty="0"/>
-              <a:t> are needed as in case of a native app.</a:t>
-            </a:r>
-          </a:p>
-          <a:p>
-            <a:r>
-              <a:rPr lang="en-US" dirty="0"/>
-              <a:t/>
-            </a:r>
-            <a:br>
-              <a:rPr lang="en-US" dirty="0"/>
-            </a:br>
-            <a:endParaRPr lang="en-IN" dirty="0"/>
-          </a:p>
-        </p:txBody>
-      </p:sp>
-      <p:pic>
-        <p:nvPicPr>
-          <p:cNvPr id="4102" name="Picture 6" descr="Progressive web application - Wikipedia"/>
-          <p:cNvPicPr>
-            <a:picLocks noChangeAspect="1" noChangeArrowheads="1"/>
-          </p:cNvPicPr>
-          <p:nvPr/>
-        </p:nvPicPr>
-        <p:blipFill>
-          <a:blip r:embed="rId2">
-            <a:extLst>
-              <a:ext uri="{28A0092B-C50C-407E-A947-70E740481C1C}">
-                <a14:useLocalDpi xmlns:a14="http://schemas.microsoft.com/office/drawing/2010/main" val="0"/>
-              </a:ext>
-            </a:extLst>
-          </a:blip>
-          <a:srcRect/>
-          <a:stretch>
-            <a:fillRect/>
-          </a:stretch>
-        </p:blipFill>
-        <p:spPr bwMode="auto">
-          <a:xfrm>
-            <a:off x="7089974" y="968513"/>
-            <a:ext cx="1890907" cy="712242"/>
-          </a:xfrm>
-          <a:prstGeom prst="rect">
-            <a:avLst/>
-          </a:prstGeom>
-          <a:noFill/>
-          <a:extLst>
-            <a:ext uri="{909E8E84-426E-40DD-AFC4-6F175D3DCCD1}">
-              <a14:hiddenFill xmlns:a14="http://schemas.microsoft.com/office/drawing/2010/main">
-                <a:solidFill>
-                  <a:srgbClr val="FFFFFF"/>
-                </a:solidFill>
-              </a14:hiddenFill>
-            </a:ext>
-          </a:extLst>
-        </p:spPr>
-      </p:pic>
-    </p:spTree>
-    <p:extLst>
-      <p:ext uri="{BB962C8B-B14F-4D97-AF65-F5344CB8AC3E}">
-        <p14:creationId xmlns:p14="http://schemas.microsoft.com/office/powerpoint/2010/main" val="147151976"/>
-      </p:ext>
-    </p:extLst>
-  </p:cSld>
-  <p:clrMapOvr>
-    <a:masterClrMapping/>
-  </p:clrMapOvr>
-</p:sld>
-</file>
-
-<file path=ppt/slides/slide7.xml><?xml version="1.0" encoding="utf-8"?>
-<p:sld xmlns:a="http://schemas.openxmlformats.org/drawingml/2006/main" xmlns:r="http://schemas.openxmlformats.org/officeDocument/2006/relationships" xmlns:p="http://schemas.openxmlformats.org/presentationml/2006/main">
-  <p:cSld>
-    <p:spTree>
-      <p:nvGrpSpPr>
-        <p:cNvPr id="1" name=""/>
-        <p:cNvGrpSpPr/>
-        <p:nvPr/>
-      </p:nvGrpSpPr>
-      <p:grpSpPr>
-        <a:xfrm>
-          <a:off x="0" y="0"/>
-          <a:ext cx="0" cy="0"/>
-          <a:chOff x="0" y="0"/>
-          <a:chExt cx="0" cy="0"/>
-        </a:xfrm>
-      </p:grpSpPr>
-      <p:sp>
-        <p:nvSpPr>
-          <p:cNvPr id="3" name="Subtitle 2"/>
-          <p:cNvSpPr>
-            <a:spLocks noGrp="1"/>
-          </p:cNvSpPr>
-          <p:nvPr>
-            <p:ph type="subTitle" idx="1"/>
-          </p:nvPr>
-        </p:nvSpPr>
-        <p:spPr>
-          <a:xfrm>
-            <a:off x="1100015" y="766354"/>
-            <a:ext cx="7315200" cy="6091646"/>
-          </a:xfrm>
-        </p:spPr>
-        <p:txBody>
-          <a:bodyPr>
-            <a:normAutofit/>
-          </a:bodyPr>
-          <a:lstStyle/>
-          <a:p>
-            <a:pPr>
-              <a:lnSpc>
-                <a:spcPct val="100000"/>
-              </a:lnSpc>
-            </a:pPr>
-            <a:endParaRPr lang="en-US" sz="1800" dirty="0">
-              <a:solidFill>
-                <a:schemeClr val="bg1"/>
-              </a:solidFill>
-              <a:latin typeface="Verdana" panose="020B0604030504040204" pitchFamily="34" charset="0"/>
-              <a:ea typeface="Verdana" panose="020B0604030504040204" pitchFamily="34" charset="0"/>
-            </a:endParaRPr>
-          </a:p>
-          <a:p>
-            <a:pPr>
-              <a:lnSpc>
-                <a:spcPct val="130000"/>
-              </a:lnSpc>
-            </a:pPr>
-            <a:r>
-              <a:rPr lang="en-US" sz="2400" u="sng" dirty="0" smtClean="0">
-                <a:solidFill>
-                  <a:schemeClr val="bg1"/>
-                </a:solidFill>
-                <a:latin typeface="Verdana" panose="020B0604030504040204" pitchFamily="34" charset="0"/>
-                <a:ea typeface="Verdana" panose="020B0604030504040204" pitchFamily="34" charset="0"/>
-              </a:rPr>
-              <a:t>Selection and Navigation</a:t>
-            </a:r>
-            <a:r>
-              <a:rPr lang="en-US" sz="2400" dirty="0">
-                <a:solidFill>
-                  <a:schemeClr val="bg1"/>
-                </a:solidFill>
-                <a:latin typeface="Verdana" panose="020B0604030504040204" pitchFamily="34" charset="0"/>
-                <a:ea typeface="Verdana" panose="020B0604030504040204" pitchFamily="34" charset="0"/>
-              </a:rPr>
-              <a:t> </a:t>
-            </a:r>
-          </a:p>
-          <a:p>
-            <a:pPr marL="285750" indent="-285750">
-              <a:lnSpc>
-                <a:spcPct val="130000"/>
-              </a:lnSpc>
-              <a:buClrTx/>
-              <a:buFont typeface="Wingdings" panose="05000000000000000000" pitchFamily="2" charset="2"/>
-              <a:buChar char="v"/>
-            </a:pPr>
-            <a:r>
-              <a:rPr lang="en-US" sz="1800" dirty="0">
-                <a:solidFill>
-                  <a:schemeClr val="bg1"/>
-                </a:solidFill>
-                <a:latin typeface="Verdana" panose="020B0604030504040204" pitchFamily="34" charset="0"/>
-                <a:ea typeface="Verdana" panose="020B0604030504040204" pitchFamily="34" charset="0"/>
-              </a:rPr>
-              <a:t>The </a:t>
-            </a:r>
-            <a:r>
-              <a:rPr lang="en-US" sz="1800" dirty="0" smtClean="0">
-                <a:solidFill>
-                  <a:schemeClr val="bg1"/>
-                </a:solidFill>
-                <a:latin typeface="Verdana" panose="020B0604030504040204" pitchFamily="34" charset="0"/>
-                <a:ea typeface="Verdana" panose="020B0604030504040204" pitchFamily="34" charset="0"/>
-              </a:rPr>
-              <a:t>User can identify the focused-video by the blue-highlight line and navigate through the videos using the arrow buttons on the remote.</a:t>
-            </a:r>
-          </a:p>
-          <a:p>
-            <a:pPr marL="285750" indent="-285750">
-              <a:lnSpc>
-                <a:spcPct val="130000"/>
-              </a:lnSpc>
-              <a:buClrTx/>
-              <a:buFont typeface="Wingdings" panose="05000000000000000000" pitchFamily="2" charset="2"/>
-              <a:buChar char="v"/>
-            </a:pPr>
-            <a:r>
-              <a:rPr lang="en-US" sz="1800" dirty="0" smtClean="0">
-                <a:solidFill>
-                  <a:schemeClr val="bg1"/>
-                </a:solidFill>
-                <a:latin typeface="Verdana" panose="020B0604030504040204" pitchFamily="34" charset="0"/>
-                <a:ea typeface="Verdana" panose="020B0604030504040204" pitchFamily="34" charset="0"/>
-              </a:rPr>
-              <a:t>A </a:t>
-            </a:r>
-            <a:r>
-              <a:rPr lang="en-US" sz="1800" dirty="0" err="1">
-                <a:solidFill>
-                  <a:schemeClr val="bg1"/>
-                </a:solidFill>
-                <a:latin typeface="Verdana" panose="020B0604030504040204" pitchFamily="34" charset="0"/>
-                <a:ea typeface="Verdana" panose="020B0604030504040204" pitchFamily="34" charset="0"/>
-              </a:rPr>
-              <a:t>J</a:t>
-            </a:r>
-            <a:r>
-              <a:rPr lang="en-US" sz="1800" dirty="0" err="1" smtClean="0">
-                <a:solidFill>
-                  <a:schemeClr val="bg1"/>
-                </a:solidFill>
-                <a:latin typeface="Verdana" panose="020B0604030504040204" pitchFamily="34" charset="0"/>
-                <a:ea typeface="Verdana" panose="020B0604030504040204" pitchFamily="34" charset="0"/>
-              </a:rPr>
-              <a:t>avascript</a:t>
-            </a:r>
-            <a:r>
-              <a:rPr lang="en-US" sz="1800" dirty="0" smtClean="0">
-                <a:solidFill>
-                  <a:schemeClr val="bg1"/>
-                </a:solidFill>
-                <a:latin typeface="Verdana" panose="020B0604030504040204" pitchFamily="34" charset="0"/>
-                <a:ea typeface="Verdana" panose="020B0604030504040204" pitchFamily="34" charset="0"/>
-              </a:rPr>
-              <a:t> code is behind this process, it dispatches various keyboard events. These keyboard events remove and add the highlight as per the response received.</a:t>
-            </a:r>
-          </a:p>
-          <a:p>
-            <a:pPr marL="285750" indent="-285750">
-              <a:lnSpc>
-                <a:spcPct val="130000"/>
-              </a:lnSpc>
-              <a:buClrTx/>
-              <a:buFont typeface="Wingdings" panose="05000000000000000000" pitchFamily="2" charset="2"/>
-              <a:buChar char="v"/>
-            </a:pPr>
-            <a:r>
-              <a:rPr lang="en-US" sz="1800" dirty="0" smtClean="0">
-                <a:solidFill>
-                  <a:schemeClr val="bg1"/>
-                </a:solidFill>
-                <a:latin typeface="Verdana" panose="020B0604030504040204" pitchFamily="34" charset="0"/>
-                <a:ea typeface="Verdana" panose="020B0604030504040204" pitchFamily="34" charset="0"/>
-              </a:rPr>
-              <a:t>The </a:t>
-            </a:r>
-            <a:r>
-              <a:rPr lang="en-US" sz="1800" dirty="0">
-                <a:solidFill>
-                  <a:schemeClr val="bg1"/>
-                </a:solidFill>
-                <a:latin typeface="Verdana" panose="020B0604030504040204" pitchFamily="34" charset="0"/>
-                <a:ea typeface="Verdana" panose="020B0604030504040204" pitchFamily="34" charset="0"/>
-              </a:rPr>
-              <a:t>U</a:t>
-            </a:r>
-            <a:r>
-              <a:rPr lang="en-US" sz="1800" dirty="0" smtClean="0">
-                <a:solidFill>
-                  <a:schemeClr val="bg1"/>
-                </a:solidFill>
-                <a:latin typeface="Verdana" panose="020B0604030504040204" pitchFamily="34" charset="0"/>
-                <a:ea typeface="Verdana" panose="020B0604030504040204" pitchFamily="34" charset="0"/>
-              </a:rPr>
-              <a:t>ser </a:t>
-            </a:r>
-            <a:r>
-              <a:rPr lang="en-US" sz="1800" dirty="0">
-                <a:solidFill>
-                  <a:schemeClr val="bg1"/>
-                </a:solidFill>
-                <a:latin typeface="Verdana" panose="020B0604030504040204" pitchFamily="34" charset="0"/>
-                <a:ea typeface="Verdana" panose="020B0604030504040204" pitchFamily="34" charset="0"/>
-              </a:rPr>
-              <a:t>can select videos </a:t>
-            </a:r>
-            <a:r>
-              <a:rPr lang="en-US" sz="1800" dirty="0" smtClean="0">
-                <a:solidFill>
-                  <a:schemeClr val="bg1"/>
-                </a:solidFill>
-                <a:latin typeface="Verdana" panose="020B0604030504040204" pitchFamily="34" charset="0"/>
-                <a:ea typeface="Verdana" panose="020B0604030504040204" pitchFamily="34" charset="0"/>
-              </a:rPr>
-              <a:t>on the Home </a:t>
-            </a:r>
-            <a:r>
-              <a:rPr lang="en-US" sz="1800" dirty="0">
-                <a:solidFill>
-                  <a:schemeClr val="bg1"/>
-                </a:solidFill>
-                <a:latin typeface="Verdana" panose="020B0604030504040204" pitchFamily="34" charset="0"/>
-                <a:ea typeface="Verdana" panose="020B0604030504040204" pitchFamily="34" charset="0"/>
-              </a:rPr>
-              <a:t>page, </a:t>
-            </a:r>
-            <a:r>
-              <a:rPr lang="en-US" sz="1800" dirty="0" smtClean="0">
-                <a:solidFill>
-                  <a:schemeClr val="bg1"/>
-                </a:solidFill>
-                <a:latin typeface="Verdana" panose="020B0604030504040204" pitchFamily="34" charset="0"/>
-                <a:ea typeface="Verdana" panose="020B0604030504040204" pitchFamily="34" charset="0"/>
-              </a:rPr>
-              <a:t>Search Result screen and Video Mode Screen by </a:t>
-            </a:r>
-            <a:r>
-              <a:rPr lang="en-US" sz="1800" dirty="0">
-                <a:solidFill>
-                  <a:schemeClr val="bg1"/>
-                </a:solidFill>
-                <a:latin typeface="Verdana" panose="020B0604030504040204" pitchFamily="34" charset="0"/>
-                <a:ea typeface="Verdana" panose="020B0604030504040204" pitchFamily="34" charset="0"/>
-              </a:rPr>
-              <a:t>pressing S</a:t>
-            </a:r>
-            <a:r>
-              <a:rPr lang="en-US" sz="1800" dirty="0" smtClean="0">
-                <a:solidFill>
-                  <a:schemeClr val="bg1"/>
-                </a:solidFill>
-                <a:latin typeface="Verdana" panose="020B0604030504040204" pitchFamily="34" charset="0"/>
-                <a:ea typeface="Verdana" panose="020B0604030504040204" pitchFamily="34" charset="0"/>
-              </a:rPr>
-              <a:t>elect button on </a:t>
-            </a:r>
-            <a:r>
-              <a:rPr lang="en-US" sz="1800" dirty="0">
-                <a:solidFill>
-                  <a:schemeClr val="bg1"/>
-                </a:solidFill>
-                <a:latin typeface="Verdana" panose="020B0604030504040204" pitchFamily="34" charset="0"/>
-                <a:ea typeface="Verdana" panose="020B0604030504040204" pitchFamily="34" charset="0"/>
-              </a:rPr>
-              <a:t>the </a:t>
-            </a:r>
-            <a:r>
-              <a:rPr lang="en-US" sz="1800" dirty="0" smtClean="0">
-                <a:solidFill>
-                  <a:schemeClr val="bg1"/>
-                </a:solidFill>
-                <a:latin typeface="Verdana" panose="020B0604030504040204" pitchFamily="34" charset="0"/>
-                <a:ea typeface="Verdana" panose="020B0604030504040204" pitchFamily="34" charset="0"/>
-              </a:rPr>
-              <a:t>remote.</a:t>
-            </a:r>
-            <a:r>
-              <a:rPr lang="en-US" sz="1800" dirty="0">
-                <a:solidFill>
-                  <a:schemeClr val="bg1"/>
-                </a:solidFill>
-                <a:latin typeface="Verdana" panose="020B0604030504040204" pitchFamily="34" charset="0"/>
-                <a:ea typeface="Verdana" panose="020B0604030504040204" pitchFamily="34" charset="0"/>
-              </a:rPr>
-              <a:t/>
-            </a:r>
-            <a:br>
-              <a:rPr lang="en-US" sz="1800" dirty="0">
-                <a:solidFill>
-                  <a:schemeClr val="bg1"/>
-                </a:solidFill>
-                <a:latin typeface="Verdana" panose="020B0604030504040204" pitchFamily="34" charset="0"/>
-                <a:ea typeface="Verdana" panose="020B0604030504040204" pitchFamily="34" charset="0"/>
-              </a:rPr>
-            </a:br>
-            <a:endParaRPr lang="en-IN" sz="1800" dirty="0">
-              <a:solidFill>
-                <a:schemeClr val="bg1"/>
-              </a:solidFill>
-              <a:latin typeface="Verdana" panose="020B0604030504040204" pitchFamily="34" charset="0"/>
-              <a:ea typeface="Verdana" panose="020B0604030504040204" pitchFamily="34" charset="0"/>
-            </a:endParaRPr>
-          </a:p>
-        </p:txBody>
-      </p:sp>
-    </p:spTree>
-    <p:extLst>
-      <p:ext uri="{BB962C8B-B14F-4D97-AF65-F5344CB8AC3E}">
-        <p14:creationId xmlns:p14="http://schemas.microsoft.com/office/powerpoint/2010/main" val="1785502920"/>
-      </p:ext>
-    </p:extLst>
-  </p:cSld>
-  <p:clrMapOvr>
-    <a:masterClrMapping/>
-  </p:clrMapOvr>
-</p:sld>
-</file>
-
-<file path=ppt/slides/slide8.xml><?xml version="1.0" encoding="utf-8"?>
-<p:sld xmlns:a="http://schemas.openxmlformats.org/drawingml/2006/main" xmlns:r="http://schemas.openxmlformats.org/officeDocument/2006/relationships" xmlns:p="http://schemas.openxmlformats.org/presentationml/2006/main">
-  <p:cSld>
-    <p:spTree>
-      <p:nvGrpSpPr>
-        <p:cNvPr id="1" name=""/>
-        <p:cNvGrpSpPr/>
-        <p:nvPr/>
-      </p:nvGrpSpPr>
-      <p:grpSpPr>
-        <a:xfrm>
-          <a:off x="0" y="0"/>
-          <a:ext cx="0" cy="0"/>
-          <a:chOff x="0" y="0"/>
-          <a:chExt cx="0" cy="0"/>
-        </a:xfrm>
-      </p:grpSpPr>
-      <p:sp>
-        <p:nvSpPr>
-          <p:cNvPr id="3" name="Subtitle 2"/>
-          <p:cNvSpPr>
-            <a:spLocks noGrp="1"/>
-          </p:cNvSpPr>
-          <p:nvPr>
-            <p:ph type="subTitle" idx="1"/>
-          </p:nvPr>
-        </p:nvSpPr>
-        <p:spPr>
-          <a:xfrm>
-            <a:off x="1100015" y="766354"/>
-            <a:ext cx="7315200" cy="4818292"/>
-          </a:xfrm>
-        </p:spPr>
-        <p:txBody>
-          <a:bodyPr/>
-          <a:lstStyle/>
-          <a:p>
-            <a:endParaRPr lang="en-IN" sz="2400" u="sng" dirty="0" smtClean="0">
-              <a:solidFill>
-                <a:schemeClr val="bg1"/>
-              </a:solidFill>
-              <a:latin typeface="Verdana" panose="020B0604030504040204" pitchFamily="34" charset="0"/>
-              <a:ea typeface="Verdana" panose="020B0604030504040204" pitchFamily="34" charset="0"/>
-            </a:endParaRPr>
-          </a:p>
-          <a:p>
-            <a:r>
-              <a:rPr lang="en-IN" sz="2400" u="sng" dirty="0" smtClean="0">
-                <a:solidFill>
-                  <a:schemeClr val="bg1"/>
-                </a:solidFill>
-                <a:latin typeface="Verdana" panose="020B0604030504040204" pitchFamily="34" charset="0"/>
-                <a:ea typeface="Verdana" panose="020B0604030504040204" pitchFamily="34" charset="0"/>
-              </a:rPr>
-              <a:t>Playback Controls</a:t>
-            </a:r>
-            <a:endParaRPr lang="en-IN" sz="2400" u="sng" dirty="0">
-              <a:solidFill>
-                <a:schemeClr val="bg1"/>
-              </a:solidFill>
-              <a:latin typeface="Verdana" panose="020B0604030504040204" pitchFamily="34" charset="0"/>
-              <a:ea typeface="Verdana" panose="020B0604030504040204" pitchFamily="34" charset="0"/>
-            </a:endParaRPr>
-          </a:p>
-          <a:p>
-            <a:pPr marL="285750" indent="-285750">
-              <a:lnSpc>
-                <a:spcPct val="130000"/>
-              </a:lnSpc>
-              <a:buClrTx/>
-              <a:buFont typeface="Wingdings" panose="05000000000000000000" pitchFamily="2" charset="2"/>
-              <a:buChar char="v"/>
-            </a:pPr>
-            <a:r>
-              <a:rPr lang="en-IN" sz="1800" dirty="0" smtClean="0">
-                <a:solidFill>
-                  <a:schemeClr val="bg1"/>
-                </a:solidFill>
-                <a:latin typeface="Verdana" panose="020B0604030504040204" pitchFamily="34" charset="0"/>
-                <a:ea typeface="Verdana" panose="020B0604030504040204" pitchFamily="34" charset="0"/>
-              </a:rPr>
-              <a:t>The User can control the video using various features provided in the remote.</a:t>
-            </a:r>
-          </a:p>
-          <a:p>
-            <a:pPr marL="285750" indent="-285750">
-              <a:lnSpc>
-                <a:spcPct val="130000"/>
-              </a:lnSpc>
-              <a:buClrTx/>
-              <a:buFont typeface="Wingdings" panose="05000000000000000000" pitchFamily="2" charset="2"/>
-              <a:buChar char="v"/>
-            </a:pPr>
-            <a:r>
-              <a:rPr lang="en-IN" sz="1800" dirty="0" smtClean="0">
-                <a:solidFill>
-                  <a:schemeClr val="bg1"/>
-                </a:solidFill>
-                <a:latin typeface="Verdana" panose="020B0604030504040204" pitchFamily="34" charset="0"/>
-                <a:ea typeface="Verdana" panose="020B0604030504040204" pitchFamily="34" charset="0"/>
-              </a:rPr>
-              <a:t>These features include, Play-Pause, Fast-Forward, Playback Rate, Volume Up-Down, Mute-Unmute, Captions, Theatre Mode, Previous Video and Next Video.</a:t>
-            </a:r>
-          </a:p>
-          <a:p>
-            <a:pPr marL="285750" indent="-285750">
-              <a:lnSpc>
-                <a:spcPct val="130000"/>
-              </a:lnSpc>
-              <a:buClrTx/>
-              <a:buFont typeface="Wingdings" panose="05000000000000000000" pitchFamily="2" charset="2"/>
-              <a:buChar char="v"/>
-            </a:pPr>
-            <a:r>
-              <a:rPr lang="en-IN" sz="1800" dirty="0" smtClean="0">
-                <a:solidFill>
-                  <a:schemeClr val="bg1"/>
-                </a:solidFill>
-                <a:latin typeface="Verdana" panose="020B0604030504040204" pitchFamily="34" charset="0"/>
-                <a:ea typeface="Verdana" panose="020B0604030504040204" pitchFamily="34" charset="0"/>
-              </a:rPr>
-              <a:t>These features can be accessed by pressing the respective buttons on the remote, which can be identified using the intuitive icons.</a:t>
-            </a:r>
-            <a:endParaRPr lang="en-IN" dirty="0">
-              <a:solidFill>
-                <a:schemeClr val="bg1"/>
-              </a:solidFill>
-              <a:latin typeface="Verdana" panose="020B0604030504040204" pitchFamily="34" charset="0"/>
-              <a:ea typeface="Verdana" panose="020B0604030504040204" pitchFamily="34" charset="0"/>
-            </a:endParaRPr>
-          </a:p>
-        </p:txBody>
-      </p:sp>
-    </p:spTree>
-    <p:extLst>
-      <p:ext uri="{BB962C8B-B14F-4D97-AF65-F5344CB8AC3E}">
-        <p14:creationId xmlns:p14="http://schemas.microsoft.com/office/powerpoint/2010/main" val="849817965"/>
-      </p:ext>
-    </p:extLst>
-  </p:cSld>
-  <p:clrMapOvr>
-    <a:masterClrMapping/>
-  </p:clrMapOvr>
-</p:sld>
-</file>
-
-<file path=ppt/slides/slide9.xml><?xml version="1.0" encoding="utf-8"?>
-<p:sld xmlns:a="http://schemas.openxmlformats.org/drawingml/2006/main" xmlns:r="http://schemas.openxmlformats.org/officeDocument/2006/relationships" xmlns:p="http://schemas.openxmlformats.org/presentationml/2006/main">
-  <p:cSld>
-    <p:spTree>
-      <p:nvGrpSpPr>
-        <p:cNvPr id="1" name=""/>
-        <p:cNvGrpSpPr/>
-        <p:nvPr/>
-      </p:nvGrpSpPr>
-      <p:grpSpPr>
-        <a:xfrm>
-          <a:off x="0" y="0"/>
-          <a:ext cx="0" cy="0"/>
-          <a:chOff x="0" y="0"/>
-          <a:chExt cx="0" cy="0"/>
-        </a:xfrm>
-      </p:grpSpPr>
-      <p:sp>
-        <p:nvSpPr>
-          <p:cNvPr id="3" name="Subtitle 2"/>
-          <p:cNvSpPr>
-            <a:spLocks noGrp="1"/>
-          </p:cNvSpPr>
-          <p:nvPr>
-            <p:ph type="subTitle" idx="1"/>
-          </p:nvPr>
-        </p:nvSpPr>
-        <p:spPr>
-          <a:xfrm>
-            <a:off x="1100015" y="757645"/>
-            <a:ext cx="7315200" cy="5991497"/>
-          </a:xfrm>
-        </p:spPr>
-        <p:txBody>
-          <a:bodyPr>
-            <a:normAutofit/>
-          </a:bodyPr>
-          <a:lstStyle/>
-          <a:p>
-            <a:endParaRPr lang="en-IN" dirty="0" smtClean="0">
-              <a:solidFill>
-                <a:schemeClr val="bg1"/>
-              </a:solidFill>
-            </a:endParaRPr>
-          </a:p>
-          <a:p>
-            <a:r>
-              <a:rPr lang="en-IN" sz="2400" u="sng" dirty="0">
-                <a:solidFill>
-                  <a:schemeClr val="bg1"/>
-                </a:solidFill>
-                <a:latin typeface="Verdana" panose="020B0604030504040204" pitchFamily="34" charset="0"/>
-                <a:ea typeface="Verdana" panose="020B0604030504040204" pitchFamily="34" charset="0"/>
-              </a:rPr>
-              <a:t>Instructions and Error </a:t>
-            </a:r>
-            <a:r>
-              <a:rPr lang="en-IN" sz="2400" u="sng" dirty="0" smtClean="0">
-                <a:solidFill>
-                  <a:schemeClr val="bg1"/>
-                </a:solidFill>
-                <a:latin typeface="Verdana" panose="020B0604030504040204" pitchFamily="34" charset="0"/>
-                <a:ea typeface="Verdana" panose="020B0604030504040204" pitchFamily="34" charset="0"/>
-              </a:rPr>
-              <a:t>Pages</a:t>
-            </a:r>
-            <a:endParaRPr lang="en-IN" sz="1800" u="sng" dirty="0" smtClean="0">
-              <a:solidFill>
-                <a:schemeClr val="bg1"/>
-              </a:solidFill>
-              <a:latin typeface="Verdana" panose="020B0604030504040204" pitchFamily="34" charset="0"/>
-              <a:ea typeface="Verdana" panose="020B0604030504040204" pitchFamily="34" charset="0"/>
-            </a:endParaRPr>
-          </a:p>
-          <a:p>
-            <a:pPr marL="285750" indent="-285750">
-              <a:lnSpc>
-                <a:spcPct val="130000"/>
-              </a:lnSpc>
-              <a:buClrTx/>
-              <a:buFont typeface="Wingdings" panose="05000000000000000000" pitchFamily="2" charset="2"/>
-              <a:buChar char="v"/>
-            </a:pPr>
-            <a:r>
-              <a:rPr lang="en-US" sz="1800" dirty="0">
-                <a:solidFill>
-                  <a:schemeClr val="bg1"/>
-                </a:solidFill>
-                <a:latin typeface="Verdana" panose="020B0604030504040204" pitchFamily="34" charset="0"/>
-                <a:ea typeface="Verdana" panose="020B0604030504040204" pitchFamily="34" charset="0"/>
-              </a:rPr>
-              <a:t>The User is guided along the path of the design flow using various instructions provided at different pain-points which enables the user to have a continuous flow and smooth user experience.</a:t>
-            </a:r>
-            <a:endParaRPr lang="en-US" sz="1800" dirty="0">
-              <a:solidFill>
-                <a:schemeClr val="bg1"/>
-              </a:solidFill>
-              <a:latin typeface="Verdana" panose="020B0604030504040204" pitchFamily="34" charset="0"/>
-              <a:ea typeface="Verdana" panose="020B0604030504040204" pitchFamily="34" charset="0"/>
-            </a:endParaRPr>
-          </a:p>
-          <a:p>
-            <a:pPr marL="285750" indent="-285750">
-              <a:lnSpc>
-                <a:spcPct val="130000"/>
-              </a:lnSpc>
-              <a:buClrTx/>
-              <a:buFont typeface="Wingdings" panose="05000000000000000000" pitchFamily="2" charset="2"/>
-              <a:buChar char="v"/>
-            </a:pPr>
-            <a:r>
-              <a:rPr lang="en-US" sz="1800" dirty="0">
-                <a:solidFill>
-                  <a:schemeClr val="bg1"/>
-                </a:solidFill>
-                <a:latin typeface="Verdana" panose="020B0604030504040204" pitchFamily="34" charset="0"/>
-                <a:ea typeface="Verdana" panose="020B0604030504040204" pitchFamily="34" charset="0"/>
-              </a:rPr>
               <a:t>A few error pages have also been provided to the User to guide him/her. These pages not only convey information about the issue but also redirect the User back to the appropriate path for the User to continue in.</a:t>
             </a:r>
-            <a:endParaRPr lang="en-US" sz="1800" dirty="0">
-              <a:solidFill>
-                <a:schemeClr val="bg1"/>
-              </a:solidFill>
-              <a:latin typeface="Verdana" panose="020B0604030504040204" pitchFamily="34" charset="0"/>
-              <a:ea typeface="Verdana" panose="020B0604030504040204" pitchFamily="34" charset="0"/>
-            </a:endParaRPr>
           </a:p>
           <a:p>
             <a:pPr marL="285750" indent="-285750">
@@ -6029,6 +3718,2910 @@
     <p:extLst>
       <p:ext uri="{BB962C8B-B14F-4D97-AF65-F5344CB8AC3E}">
         <p14:creationId xmlns:p14="http://schemas.microsoft.com/office/powerpoint/2010/main" val="3117870993"/>
+      </p:ext>
+    </p:extLst>
+  </p:cSld>
+  <p:clrMapOvr>
+    <a:masterClrMapping/>
+  </p:clrMapOvr>
+</p:sld>
+</file>
+
+<file path=ppt/slides/slide11.xml><?xml version="1.0" encoding="utf-8"?>
+<p:sld xmlns:a="http://schemas.openxmlformats.org/drawingml/2006/main" xmlns:r="http://schemas.openxmlformats.org/officeDocument/2006/relationships" xmlns:p="http://schemas.openxmlformats.org/presentationml/2006/main">
+  <p:cSld>
+    <p:spTree>
+      <p:nvGrpSpPr>
+        <p:cNvPr id="1" name=""/>
+        <p:cNvGrpSpPr/>
+        <p:nvPr/>
+      </p:nvGrpSpPr>
+      <p:grpSpPr>
+        <a:xfrm>
+          <a:off x="0" y="0"/>
+          <a:ext cx="0" cy="0"/>
+          <a:chOff x="0" y="0"/>
+          <a:chExt cx="0" cy="0"/>
+        </a:xfrm>
+      </p:grpSpPr>
+      <p:sp>
+        <p:nvSpPr>
+          <p:cNvPr id="3" name="Subtitle 2"/>
+          <p:cNvSpPr>
+            <a:spLocks noGrp="1"/>
+          </p:cNvSpPr>
+          <p:nvPr>
+            <p:ph type="subTitle" idx="1"/>
+          </p:nvPr>
+        </p:nvSpPr>
+        <p:spPr>
+          <a:xfrm>
+            <a:off x="1100015" y="748937"/>
+            <a:ext cx="7315200" cy="4835709"/>
+          </a:xfrm>
+        </p:spPr>
+        <p:txBody>
+          <a:bodyPr/>
+          <a:lstStyle/>
+          <a:p>
+            <a:endParaRPr lang="en-IN" dirty="0"/>
+          </a:p>
+          <a:p>
+            <a:r>
+              <a:rPr lang="en-IN" sz="2400" u="sng" dirty="0" smtClean="0">
+                <a:solidFill>
+                  <a:schemeClr val="bg1"/>
+                </a:solidFill>
+                <a:latin typeface="Verdana" panose="020B0604030504040204" pitchFamily="34" charset="0"/>
+                <a:ea typeface="Verdana" panose="020B0604030504040204" pitchFamily="34" charset="0"/>
+              </a:rPr>
+              <a:t>Skipping of Advertisements</a:t>
+            </a:r>
+            <a:endParaRPr lang="en-IN" sz="1800" u="sng" dirty="0" smtClean="0">
+              <a:solidFill>
+                <a:schemeClr val="bg1"/>
+              </a:solidFill>
+              <a:latin typeface="Verdana" panose="020B0604030504040204" pitchFamily="34" charset="0"/>
+              <a:ea typeface="Verdana" panose="020B0604030504040204" pitchFamily="34" charset="0"/>
+            </a:endParaRPr>
+          </a:p>
+          <a:p>
+            <a:pPr marL="285750" indent="-285750">
+              <a:lnSpc>
+                <a:spcPct val="130000"/>
+              </a:lnSpc>
+              <a:buClrTx/>
+              <a:buFont typeface="Wingdings" panose="05000000000000000000" pitchFamily="2" charset="2"/>
+              <a:buChar char="v"/>
+            </a:pPr>
+            <a:r>
+              <a:rPr lang="en-IN" sz="1800" dirty="0" smtClean="0">
+                <a:solidFill>
+                  <a:schemeClr val="bg1"/>
+                </a:solidFill>
+                <a:latin typeface="Verdana" panose="020B0604030504040204" pitchFamily="34" charset="0"/>
+                <a:ea typeface="Verdana" panose="020B0604030504040204" pitchFamily="34" charset="0"/>
+              </a:rPr>
+              <a:t>Ads maybe one of the most annoying items on a user’s list.</a:t>
+            </a:r>
+          </a:p>
+          <a:p>
+            <a:pPr marL="285750" indent="-285750">
+              <a:lnSpc>
+                <a:spcPct val="130000"/>
+              </a:lnSpc>
+              <a:buClrTx/>
+              <a:buFont typeface="Wingdings" panose="05000000000000000000" pitchFamily="2" charset="2"/>
+              <a:buChar char="v"/>
+            </a:pPr>
+            <a:r>
+              <a:rPr lang="en-IN" sz="1800" dirty="0" smtClean="0">
+                <a:solidFill>
+                  <a:schemeClr val="bg1"/>
+                </a:solidFill>
+                <a:latin typeface="Verdana" panose="020B0604030504040204" pitchFamily="34" charset="0"/>
+                <a:ea typeface="Verdana" panose="020B0604030504040204" pitchFamily="34" charset="0"/>
+              </a:rPr>
+              <a:t>We have minimised these ads using </a:t>
+            </a:r>
+            <a:r>
+              <a:rPr lang="en-IN" sz="1800" dirty="0" err="1" smtClean="0">
+                <a:solidFill>
+                  <a:schemeClr val="bg1"/>
+                </a:solidFill>
+                <a:latin typeface="Verdana" panose="020B0604030504040204" pitchFamily="34" charset="0"/>
+                <a:ea typeface="Verdana" panose="020B0604030504040204" pitchFamily="34" charset="0"/>
+              </a:rPr>
+              <a:t>Javascript</a:t>
+            </a:r>
+            <a:r>
+              <a:rPr lang="en-IN" sz="1800" dirty="0" smtClean="0">
+                <a:solidFill>
+                  <a:schemeClr val="bg1"/>
+                </a:solidFill>
+                <a:latin typeface="Verdana" panose="020B0604030504040204" pitchFamily="34" charset="0"/>
+                <a:ea typeface="Verdana" panose="020B0604030504040204" pitchFamily="34" charset="0"/>
+              </a:rPr>
+              <a:t> code. All the skippable ads are already removed from the user’s path. </a:t>
+            </a:r>
+          </a:p>
+          <a:p>
+            <a:pPr marL="285750" indent="-285750">
+              <a:lnSpc>
+                <a:spcPct val="130000"/>
+              </a:lnSpc>
+              <a:buClrTx/>
+              <a:buFont typeface="Wingdings" panose="05000000000000000000" pitchFamily="2" charset="2"/>
+              <a:buChar char="v"/>
+            </a:pPr>
+            <a:r>
+              <a:rPr lang="en-IN" sz="1800" dirty="0" smtClean="0">
+                <a:solidFill>
+                  <a:schemeClr val="bg1"/>
+                </a:solidFill>
+                <a:latin typeface="Verdana" panose="020B0604030504040204" pitchFamily="34" charset="0"/>
+                <a:ea typeface="Verdana" panose="020B0604030504040204" pitchFamily="34" charset="0"/>
+              </a:rPr>
+              <a:t>Although, we still recommend the user to use an ad-blocker for the best user experience.</a:t>
+            </a:r>
+          </a:p>
+        </p:txBody>
+      </p:sp>
+    </p:spTree>
+    <p:extLst>
+      <p:ext uri="{BB962C8B-B14F-4D97-AF65-F5344CB8AC3E}">
+        <p14:creationId xmlns:p14="http://schemas.microsoft.com/office/powerpoint/2010/main" val="434146061"/>
+      </p:ext>
+    </p:extLst>
+  </p:cSld>
+  <p:clrMapOvr>
+    <a:masterClrMapping/>
+  </p:clrMapOvr>
+</p:sld>
+</file>
+
+<file path=ppt/slides/slide12.xml><?xml version="1.0" encoding="utf-8"?>
+<p:sld xmlns:a="http://schemas.openxmlformats.org/drawingml/2006/main" xmlns:r="http://schemas.openxmlformats.org/officeDocument/2006/relationships" xmlns:p="http://schemas.openxmlformats.org/presentationml/2006/main">
+  <p:cSld>
+    <p:spTree>
+      <p:nvGrpSpPr>
+        <p:cNvPr id="1" name=""/>
+        <p:cNvGrpSpPr/>
+        <p:nvPr/>
+      </p:nvGrpSpPr>
+      <p:grpSpPr>
+        <a:xfrm>
+          <a:off x="0" y="0"/>
+          <a:ext cx="0" cy="0"/>
+          <a:chOff x="0" y="0"/>
+          <a:chExt cx="0" cy="0"/>
+        </a:xfrm>
+      </p:grpSpPr>
+      <p:sp>
+        <p:nvSpPr>
+          <p:cNvPr id="3" name="Subtitle 2"/>
+          <p:cNvSpPr>
+            <a:spLocks noGrp="1"/>
+          </p:cNvSpPr>
+          <p:nvPr>
+            <p:ph type="subTitle" idx="1"/>
+          </p:nvPr>
+        </p:nvSpPr>
+        <p:spPr>
+          <a:xfrm>
+            <a:off x="1100015" y="766354"/>
+            <a:ext cx="7315200" cy="5477692"/>
+          </a:xfrm>
+        </p:spPr>
+        <p:txBody>
+          <a:bodyPr>
+            <a:normAutofit/>
+          </a:bodyPr>
+          <a:lstStyle/>
+          <a:p>
+            <a:endParaRPr lang="en-US" dirty="0" smtClean="0"/>
+          </a:p>
+          <a:p>
+            <a:r>
+              <a:rPr lang="en-IN" sz="2400" u="sng" dirty="0" smtClean="0">
+                <a:solidFill>
+                  <a:schemeClr val="bg1"/>
+                </a:solidFill>
+                <a:latin typeface="Verdana" panose="020B0604030504040204" pitchFamily="34" charset="0"/>
+                <a:ea typeface="Verdana" panose="020B0604030504040204" pitchFamily="34" charset="0"/>
+              </a:rPr>
+              <a:t>Unique Selling Proposition (USP).</a:t>
+            </a:r>
+            <a:endParaRPr lang="en-IN" sz="1800" u="sng" dirty="0" smtClean="0">
+              <a:solidFill>
+                <a:schemeClr val="bg1"/>
+              </a:solidFill>
+              <a:latin typeface="Verdana" panose="020B0604030504040204" pitchFamily="34" charset="0"/>
+              <a:ea typeface="Verdana" panose="020B0604030504040204" pitchFamily="34" charset="0"/>
+            </a:endParaRPr>
+          </a:p>
+          <a:p>
+            <a:pPr marL="285750" indent="-285750">
+              <a:lnSpc>
+                <a:spcPct val="130000"/>
+              </a:lnSpc>
+              <a:buClrTx/>
+              <a:buFont typeface="Wingdings" panose="05000000000000000000" pitchFamily="2" charset="2"/>
+              <a:buChar char="v"/>
+            </a:pPr>
+            <a:r>
+              <a:rPr lang="en-US" sz="1800" dirty="0" smtClean="0">
+                <a:solidFill>
+                  <a:schemeClr val="bg1"/>
+                </a:solidFill>
+                <a:latin typeface="Verdana" panose="020B0604030504040204" pitchFamily="34" charset="0"/>
+                <a:ea typeface="Verdana" panose="020B0604030504040204" pitchFamily="34" charset="0"/>
+              </a:rPr>
+              <a:t>This project is </a:t>
+            </a:r>
+            <a:r>
+              <a:rPr lang="en-US" sz="1800" dirty="0">
+                <a:solidFill>
+                  <a:schemeClr val="bg1"/>
+                </a:solidFill>
+                <a:latin typeface="Verdana" panose="020B0604030504040204" pitchFamily="34" charset="0"/>
+                <a:ea typeface="Verdana" panose="020B0604030504040204" pitchFamily="34" charset="0"/>
+              </a:rPr>
+              <a:t>one of its kind. </a:t>
+            </a:r>
+            <a:r>
+              <a:rPr lang="en-US" sz="1800" dirty="0" smtClean="0">
+                <a:solidFill>
+                  <a:schemeClr val="bg1"/>
+                </a:solidFill>
+                <a:latin typeface="Verdana" panose="020B0604030504040204" pitchFamily="34" charset="0"/>
+                <a:ea typeface="Verdana" panose="020B0604030504040204" pitchFamily="34" charset="0"/>
+              </a:rPr>
+              <a:t>Currently, in the market </a:t>
+            </a:r>
+            <a:r>
+              <a:rPr lang="en-US" sz="1800" dirty="0">
+                <a:solidFill>
+                  <a:schemeClr val="bg1"/>
+                </a:solidFill>
+                <a:latin typeface="Verdana" panose="020B0604030504040204" pitchFamily="34" charset="0"/>
+                <a:ea typeface="Verdana" panose="020B0604030504040204" pitchFamily="34" charset="0"/>
+              </a:rPr>
+              <a:t>there’s no </a:t>
+            </a:r>
+            <a:r>
+              <a:rPr lang="en-US" sz="1800" dirty="0" smtClean="0">
+                <a:solidFill>
+                  <a:schemeClr val="bg1"/>
+                </a:solidFill>
+                <a:latin typeface="Verdana" panose="020B0604030504040204" pitchFamily="34" charset="0"/>
+                <a:ea typeface="Verdana" panose="020B0604030504040204" pitchFamily="34" charset="0"/>
+              </a:rPr>
+              <a:t>Extension </a:t>
+            </a:r>
+            <a:r>
+              <a:rPr lang="en-US" sz="1800" dirty="0">
+                <a:solidFill>
+                  <a:schemeClr val="bg1"/>
+                </a:solidFill>
+                <a:latin typeface="Verdana" panose="020B0604030504040204" pitchFamily="34" charset="0"/>
+                <a:ea typeface="Verdana" panose="020B0604030504040204" pitchFamily="34" charset="0"/>
+              </a:rPr>
+              <a:t>through which one can control </a:t>
+            </a:r>
+            <a:r>
+              <a:rPr lang="en-US" sz="1800" dirty="0" err="1">
+                <a:solidFill>
+                  <a:schemeClr val="bg1"/>
+                </a:solidFill>
+                <a:latin typeface="Verdana" panose="020B0604030504040204" pitchFamily="34" charset="0"/>
+                <a:ea typeface="Verdana" panose="020B0604030504040204" pitchFamily="34" charset="0"/>
+              </a:rPr>
+              <a:t>Y</a:t>
+            </a:r>
+            <a:r>
+              <a:rPr lang="en-US" sz="1800" dirty="0" err="1" smtClean="0">
+                <a:solidFill>
+                  <a:schemeClr val="bg1"/>
+                </a:solidFill>
+                <a:latin typeface="Verdana" panose="020B0604030504040204" pitchFamily="34" charset="0"/>
+                <a:ea typeface="Verdana" panose="020B0604030504040204" pitchFamily="34" charset="0"/>
+              </a:rPr>
+              <a:t>outube</a:t>
+            </a:r>
+            <a:r>
+              <a:rPr lang="en-US" sz="1800" dirty="0" smtClean="0">
+                <a:solidFill>
+                  <a:schemeClr val="bg1"/>
+                </a:solidFill>
+                <a:latin typeface="Verdana" panose="020B0604030504040204" pitchFamily="34" charset="0"/>
+                <a:ea typeface="Verdana" panose="020B0604030504040204" pitchFamily="34" charset="0"/>
+              </a:rPr>
+              <a:t> remotely. </a:t>
+            </a:r>
+          </a:p>
+          <a:p>
+            <a:pPr marL="285750" indent="-285750">
+              <a:lnSpc>
+                <a:spcPct val="130000"/>
+              </a:lnSpc>
+              <a:buClrTx/>
+              <a:buFont typeface="Wingdings" panose="05000000000000000000" pitchFamily="2" charset="2"/>
+              <a:buChar char="v"/>
+            </a:pPr>
+            <a:r>
+              <a:rPr lang="en-US" sz="1800" dirty="0" smtClean="0">
+                <a:solidFill>
+                  <a:schemeClr val="bg1"/>
+                </a:solidFill>
+                <a:latin typeface="Verdana" panose="020B0604030504040204" pitchFamily="34" charset="0"/>
+                <a:ea typeface="Verdana" panose="020B0604030504040204" pitchFamily="34" charset="0"/>
+              </a:rPr>
+              <a:t>Through this, one </a:t>
+            </a:r>
+            <a:r>
+              <a:rPr lang="en-US" sz="1800" dirty="0">
+                <a:solidFill>
+                  <a:schemeClr val="bg1"/>
+                </a:solidFill>
+                <a:latin typeface="Verdana" panose="020B0604030504040204" pitchFamily="34" charset="0"/>
+                <a:ea typeface="Verdana" panose="020B0604030504040204" pitchFamily="34" charset="0"/>
+              </a:rPr>
+              <a:t>can sit back and control </a:t>
+            </a:r>
+            <a:r>
+              <a:rPr lang="en-US" sz="1800" dirty="0" smtClean="0">
+                <a:solidFill>
+                  <a:schemeClr val="bg1"/>
+                </a:solidFill>
+                <a:latin typeface="Verdana" panose="020B0604030504040204" pitchFamily="34" charset="0"/>
+                <a:ea typeface="Verdana" panose="020B0604030504040204" pitchFamily="34" charset="0"/>
+              </a:rPr>
+              <a:t>their </a:t>
+            </a:r>
+            <a:r>
+              <a:rPr lang="en-US" sz="1800" dirty="0" err="1">
+                <a:solidFill>
+                  <a:schemeClr val="bg1"/>
+                </a:solidFill>
+                <a:latin typeface="Verdana" panose="020B0604030504040204" pitchFamily="34" charset="0"/>
+                <a:ea typeface="Verdana" panose="020B0604030504040204" pitchFamily="34" charset="0"/>
+              </a:rPr>
+              <a:t>Youtube</a:t>
+            </a:r>
+            <a:r>
+              <a:rPr lang="en-US" sz="1800" dirty="0">
+                <a:solidFill>
+                  <a:schemeClr val="bg1"/>
+                </a:solidFill>
+                <a:latin typeface="Verdana" panose="020B0604030504040204" pitchFamily="34" charset="0"/>
+                <a:ea typeface="Verdana" panose="020B0604030504040204" pitchFamily="34" charset="0"/>
+              </a:rPr>
+              <a:t> from their phone and still enjoy the experience of </a:t>
+            </a:r>
+            <a:r>
+              <a:rPr lang="en-US" sz="1800" dirty="0" smtClean="0">
+                <a:solidFill>
+                  <a:schemeClr val="bg1"/>
+                </a:solidFill>
+                <a:latin typeface="Verdana" panose="020B0604030504040204" pitchFamily="34" charset="0"/>
+                <a:ea typeface="Verdana" panose="020B0604030504040204" pitchFamily="34" charset="0"/>
+              </a:rPr>
+              <a:t>the </a:t>
+            </a:r>
+            <a:r>
+              <a:rPr lang="en-US" sz="1800" dirty="0">
+                <a:solidFill>
+                  <a:schemeClr val="bg1"/>
+                </a:solidFill>
+                <a:latin typeface="Verdana" panose="020B0604030504040204" pitchFamily="34" charset="0"/>
+                <a:ea typeface="Verdana" panose="020B0604030504040204" pitchFamily="34" charset="0"/>
+              </a:rPr>
+              <a:t>big screen view</a:t>
+            </a:r>
+            <a:r>
+              <a:rPr lang="en-US" sz="1800" dirty="0" smtClean="0">
+                <a:solidFill>
+                  <a:schemeClr val="bg1"/>
+                </a:solidFill>
+                <a:latin typeface="Verdana" panose="020B0604030504040204" pitchFamily="34" charset="0"/>
+                <a:ea typeface="Verdana" panose="020B0604030504040204" pitchFamily="34" charset="0"/>
+              </a:rPr>
+              <a:t>. </a:t>
+            </a:r>
+          </a:p>
+          <a:p>
+            <a:pPr marL="285750" indent="-285750">
+              <a:lnSpc>
+                <a:spcPct val="130000"/>
+              </a:lnSpc>
+              <a:buClrTx/>
+              <a:buFont typeface="Wingdings" panose="05000000000000000000" pitchFamily="2" charset="2"/>
+              <a:buChar char="v"/>
+            </a:pPr>
+            <a:r>
+              <a:rPr lang="en-US" sz="1800" dirty="0" smtClean="0">
+                <a:solidFill>
+                  <a:schemeClr val="bg1"/>
+                </a:solidFill>
+                <a:latin typeface="Verdana" panose="020B0604030504040204" pitchFamily="34" charset="0"/>
+                <a:ea typeface="Verdana" panose="020B0604030504040204" pitchFamily="34" charset="0"/>
+              </a:rPr>
+              <a:t>Even you can control my screen through your mobile, and that’s what we are going to demonstrate in this demonstration.</a:t>
+            </a:r>
+            <a:r>
+              <a:rPr lang="en-US" dirty="0"/>
+              <a:t/>
+            </a:r>
+            <a:br>
+              <a:rPr lang="en-US" dirty="0"/>
+            </a:br>
+            <a:endParaRPr lang="en-IN" dirty="0"/>
+          </a:p>
+        </p:txBody>
+      </p:sp>
+    </p:spTree>
+    <p:extLst>
+      <p:ext uri="{BB962C8B-B14F-4D97-AF65-F5344CB8AC3E}">
+        <p14:creationId xmlns:p14="http://schemas.microsoft.com/office/powerpoint/2010/main" val="810567064"/>
+      </p:ext>
+    </p:extLst>
+  </p:cSld>
+  <p:clrMapOvr>
+    <a:masterClrMapping/>
+  </p:clrMapOvr>
+</p:sld>
+</file>
+
+<file path=ppt/slides/slide13.xml><?xml version="1.0" encoding="utf-8"?>
+<p:sld xmlns:a="http://schemas.openxmlformats.org/drawingml/2006/main" xmlns:r="http://schemas.openxmlformats.org/officeDocument/2006/relationships" xmlns:p="http://schemas.openxmlformats.org/presentationml/2006/main">
+  <p:cSld>
+    <p:spTree>
+      <p:nvGrpSpPr>
+        <p:cNvPr id="1" name=""/>
+        <p:cNvGrpSpPr/>
+        <p:nvPr/>
+      </p:nvGrpSpPr>
+      <p:grpSpPr>
+        <a:xfrm>
+          <a:off x="0" y="0"/>
+          <a:ext cx="0" cy="0"/>
+          <a:chOff x="0" y="0"/>
+          <a:chExt cx="0" cy="0"/>
+        </a:xfrm>
+      </p:grpSpPr>
+      <p:sp>
+        <p:nvSpPr>
+          <p:cNvPr id="3" name="Subtitle 2"/>
+          <p:cNvSpPr>
+            <a:spLocks noGrp="1"/>
+          </p:cNvSpPr>
+          <p:nvPr>
+            <p:ph type="subTitle" idx="1"/>
+          </p:nvPr>
+        </p:nvSpPr>
+        <p:spPr>
+          <a:xfrm>
+            <a:off x="1100015" y="766354"/>
+            <a:ext cx="7315200" cy="5477692"/>
+          </a:xfrm>
+        </p:spPr>
+        <p:txBody>
+          <a:bodyPr>
+            <a:normAutofit/>
+          </a:bodyPr>
+          <a:lstStyle/>
+          <a:p>
+            <a:endParaRPr lang="en-US" dirty="0" smtClean="0"/>
+          </a:p>
+          <a:p>
+            <a:r>
+              <a:rPr lang="en-IN" sz="2400" u="sng" dirty="0" smtClean="0">
+                <a:solidFill>
+                  <a:schemeClr val="bg1"/>
+                </a:solidFill>
+                <a:latin typeface="Verdana" panose="020B0604030504040204" pitchFamily="34" charset="0"/>
+                <a:ea typeface="Verdana" panose="020B0604030504040204" pitchFamily="34" charset="0"/>
+              </a:rPr>
+              <a:t>Unique Selling Proposition (USP).</a:t>
+            </a:r>
+            <a:endParaRPr lang="en-IN" sz="1800" u="sng" dirty="0" smtClean="0">
+              <a:solidFill>
+                <a:schemeClr val="bg1"/>
+              </a:solidFill>
+              <a:latin typeface="Verdana" panose="020B0604030504040204" pitchFamily="34" charset="0"/>
+              <a:ea typeface="Verdana" panose="020B0604030504040204" pitchFamily="34" charset="0"/>
+            </a:endParaRPr>
+          </a:p>
+          <a:p>
+            <a:pPr marL="285750" indent="-285750">
+              <a:lnSpc>
+                <a:spcPct val="130000"/>
+              </a:lnSpc>
+              <a:buClrTx/>
+              <a:buFont typeface="Wingdings" panose="05000000000000000000" pitchFamily="2" charset="2"/>
+              <a:buChar char="v"/>
+            </a:pPr>
+            <a:r>
+              <a:rPr lang="en-US" sz="1800" dirty="0" smtClean="0">
+                <a:solidFill>
+                  <a:schemeClr val="bg1"/>
+                </a:solidFill>
+                <a:latin typeface="Verdana" panose="020B0604030504040204" pitchFamily="34" charset="0"/>
+                <a:ea typeface="Verdana" panose="020B0604030504040204" pitchFamily="34" charset="0"/>
+              </a:rPr>
+              <a:t>This remote has more reach because its available for everyone connected to internet.</a:t>
+            </a:r>
+          </a:p>
+          <a:p>
+            <a:pPr marL="285750" indent="-285750">
+              <a:lnSpc>
+                <a:spcPct val="130000"/>
+              </a:lnSpc>
+              <a:buClrTx/>
+              <a:buFont typeface="Wingdings" panose="05000000000000000000" pitchFamily="2" charset="2"/>
+              <a:buChar char="v"/>
+            </a:pPr>
+            <a:r>
+              <a:rPr lang="en-US" sz="1800" dirty="0" smtClean="0">
+                <a:solidFill>
+                  <a:schemeClr val="bg1"/>
+                </a:solidFill>
+                <a:latin typeface="Verdana" panose="020B0604030504040204" pitchFamily="34" charset="0"/>
+                <a:ea typeface="Verdana" panose="020B0604030504040204" pitchFamily="34" charset="0"/>
+              </a:rPr>
+              <a:t>This </a:t>
+            </a:r>
+            <a:r>
+              <a:rPr lang="en-US" sz="1800" dirty="0">
+                <a:solidFill>
+                  <a:schemeClr val="bg1"/>
+                </a:solidFill>
+                <a:latin typeface="Verdana" panose="020B0604030504040204" pitchFamily="34" charset="0"/>
+                <a:ea typeface="Verdana" panose="020B0604030504040204" pitchFamily="34" charset="0"/>
+              </a:rPr>
+              <a:t>can be of great help to those people who want to connect their laptop  to big screen via HDMI port to enjoy their streaming on big screen without having to  control on laptop</a:t>
+            </a:r>
+            <a:r>
+              <a:rPr lang="en-US" dirty="0"/>
+              <a:t>.</a:t>
+            </a:r>
+            <a:endParaRPr lang="en-US" dirty="0"/>
+          </a:p>
+          <a:p>
+            <a:r>
+              <a:rPr lang="en-US" dirty="0"/>
+              <a:t/>
+            </a:r>
+            <a:br>
+              <a:rPr lang="en-US" dirty="0"/>
+            </a:br>
+            <a:r>
+              <a:rPr lang="en-US" dirty="0" smtClean="0"/>
+              <a:t/>
+            </a:r>
+            <a:br>
+              <a:rPr lang="en-US" dirty="0" smtClean="0"/>
+            </a:br>
+            <a:endParaRPr lang="en-IN" dirty="0"/>
+          </a:p>
+        </p:txBody>
+      </p:sp>
+    </p:spTree>
+    <p:extLst>
+      <p:ext uri="{BB962C8B-B14F-4D97-AF65-F5344CB8AC3E}">
+        <p14:creationId xmlns:p14="http://schemas.microsoft.com/office/powerpoint/2010/main" val="4211595321"/>
+      </p:ext>
+    </p:extLst>
+  </p:cSld>
+  <p:clrMapOvr>
+    <a:masterClrMapping/>
+  </p:clrMapOvr>
+</p:sld>
+</file>
+
+<file path=ppt/slides/slide14.xml><?xml version="1.0" encoding="utf-8"?>
+<p:sld xmlns:a="http://schemas.openxmlformats.org/drawingml/2006/main" xmlns:r="http://schemas.openxmlformats.org/officeDocument/2006/relationships" xmlns:p="http://schemas.openxmlformats.org/presentationml/2006/main">
+  <p:cSld>
+    <p:spTree>
+      <p:nvGrpSpPr>
+        <p:cNvPr id="1" name=""/>
+        <p:cNvGrpSpPr/>
+        <p:nvPr/>
+      </p:nvGrpSpPr>
+      <p:grpSpPr>
+        <a:xfrm>
+          <a:off x="0" y="0"/>
+          <a:ext cx="0" cy="0"/>
+          <a:chOff x="0" y="0"/>
+          <a:chExt cx="0" cy="0"/>
+        </a:xfrm>
+      </p:grpSpPr>
+      <p:sp>
+        <p:nvSpPr>
+          <p:cNvPr id="3" name="Subtitle 2"/>
+          <p:cNvSpPr>
+            <a:spLocks noGrp="1"/>
+          </p:cNvSpPr>
+          <p:nvPr>
+            <p:ph type="subTitle" idx="1"/>
+          </p:nvPr>
+        </p:nvSpPr>
+        <p:spPr>
+          <a:xfrm>
+            <a:off x="1100015" y="775063"/>
+            <a:ext cx="7315200" cy="4809583"/>
+          </a:xfrm>
+        </p:spPr>
+        <p:txBody>
+          <a:bodyPr/>
+          <a:lstStyle/>
+          <a:p>
+            <a:endParaRPr lang="en-IN" dirty="0" smtClean="0"/>
+          </a:p>
+          <a:p>
+            <a:r>
+              <a:rPr lang="en-IN" sz="2400" u="sng" dirty="0" smtClean="0">
+                <a:solidFill>
+                  <a:schemeClr val="bg1"/>
+                </a:solidFill>
+                <a:latin typeface="Verdana" panose="020B0604030504040204" pitchFamily="34" charset="0"/>
+                <a:ea typeface="Verdana" panose="020B0604030504040204" pitchFamily="34" charset="0"/>
+              </a:rPr>
+              <a:t>Conclusion</a:t>
+            </a:r>
+          </a:p>
+          <a:p>
+            <a:pPr>
+              <a:lnSpc>
+                <a:spcPct val="130000"/>
+              </a:lnSpc>
+            </a:pPr>
+            <a:r>
+              <a:rPr lang="en-IN" sz="1800" dirty="0" smtClean="0">
+                <a:solidFill>
+                  <a:schemeClr val="bg1"/>
+                </a:solidFill>
+                <a:latin typeface="Verdana" panose="020B0604030504040204" pitchFamily="34" charset="0"/>
+                <a:ea typeface="Verdana" panose="020B0604030504040204" pitchFamily="34" charset="0"/>
+              </a:rPr>
+              <a:t>We are proud that we have written the whole code from scratch. </a:t>
+            </a:r>
+            <a:endParaRPr lang="en-IN" sz="1800" dirty="0">
+              <a:solidFill>
+                <a:schemeClr val="bg1"/>
+              </a:solidFill>
+              <a:latin typeface="Verdana" panose="020B0604030504040204" pitchFamily="34" charset="0"/>
+              <a:ea typeface="Verdana" panose="020B0604030504040204" pitchFamily="34" charset="0"/>
+            </a:endParaRPr>
+          </a:p>
+        </p:txBody>
+      </p:sp>
+    </p:spTree>
+    <p:extLst>
+      <p:ext uri="{BB962C8B-B14F-4D97-AF65-F5344CB8AC3E}">
+        <p14:creationId xmlns:p14="http://schemas.microsoft.com/office/powerpoint/2010/main" val="1837155326"/>
+      </p:ext>
+    </p:extLst>
+  </p:cSld>
+  <p:clrMapOvr>
+    <a:masterClrMapping/>
+  </p:clrMapOvr>
+</p:sld>
+</file>
+
+<file path=ppt/slides/slide2.xml><?xml version="1.0" encoding="utf-8"?>
+<p:sld xmlns:a="http://schemas.openxmlformats.org/drawingml/2006/main" xmlns:r="http://schemas.openxmlformats.org/officeDocument/2006/relationships" xmlns:p="http://schemas.openxmlformats.org/presentationml/2006/main">
+  <p:cSld>
+    <p:spTree>
+      <p:nvGrpSpPr>
+        <p:cNvPr id="1" name=""/>
+        <p:cNvGrpSpPr/>
+        <p:nvPr/>
+      </p:nvGrpSpPr>
+      <p:grpSpPr>
+        <a:xfrm>
+          <a:off x="0" y="0"/>
+          <a:ext cx="0" cy="0"/>
+          <a:chOff x="0" y="0"/>
+          <a:chExt cx="0" cy="0"/>
+        </a:xfrm>
+      </p:grpSpPr>
+      <p:sp>
+        <p:nvSpPr>
+          <p:cNvPr id="3" name="Subtitle 2"/>
+          <p:cNvSpPr>
+            <a:spLocks noGrp="1"/>
+          </p:cNvSpPr>
+          <p:nvPr>
+            <p:ph type="subTitle" idx="1"/>
+          </p:nvPr>
+        </p:nvSpPr>
+        <p:spPr>
+          <a:xfrm>
+            <a:off x="1100015" y="757645"/>
+            <a:ext cx="7315200" cy="5347064"/>
+          </a:xfrm>
+        </p:spPr>
+        <p:txBody>
+          <a:bodyPr>
+            <a:normAutofit/>
+          </a:bodyPr>
+          <a:lstStyle/>
+          <a:p>
+            <a:endParaRPr lang="en-IN" sz="1800" dirty="0" smtClean="0">
+              <a:latin typeface="Verdana" panose="020B0604030504040204" pitchFamily="34" charset="0"/>
+              <a:ea typeface="Verdana" panose="020B0604030504040204" pitchFamily="34" charset="0"/>
+            </a:endParaRPr>
+          </a:p>
+          <a:p>
+            <a:r>
+              <a:rPr lang="en-IN" sz="2400" u="sng" dirty="0" smtClean="0">
+                <a:solidFill>
+                  <a:schemeClr val="bg1"/>
+                </a:solidFill>
+                <a:latin typeface="Verdana" panose="020B0604030504040204" pitchFamily="34" charset="0"/>
+                <a:ea typeface="Verdana" panose="020B0604030504040204" pitchFamily="34" charset="0"/>
+              </a:rPr>
+              <a:t>Team Members</a:t>
+            </a:r>
+            <a:endParaRPr lang="en-IN" sz="1800" u="sng" dirty="0" smtClean="0">
+              <a:solidFill>
+                <a:schemeClr val="bg1"/>
+              </a:solidFill>
+              <a:latin typeface="Verdana" panose="020B0604030504040204" pitchFamily="34" charset="0"/>
+              <a:ea typeface="Verdana" panose="020B0604030504040204" pitchFamily="34" charset="0"/>
+            </a:endParaRPr>
+          </a:p>
+          <a:p>
+            <a:pPr marL="285750" indent="-285750" fontAlgn="base">
+              <a:buClr>
+                <a:schemeClr val="bg1"/>
+              </a:buClr>
+              <a:buFont typeface="Wingdings" panose="05000000000000000000" pitchFamily="2" charset="2"/>
+              <a:buChar char="v"/>
+            </a:pPr>
+            <a:r>
+              <a:rPr lang="en-IN" sz="1800" dirty="0">
+                <a:solidFill>
+                  <a:schemeClr val="bg1"/>
+                </a:solidFill>
+                <a:latin typeface="Verdana" panose="020B0604030504040204" pitchFamily="34" charset="0"/>
+                <a:ea typeface="Verdana" panose="020B0604030504040204" pitchFamily="34" charset="0"/>
+              </a:rPr>
+              <a:t>Mukul Jain (200001050)</a:t>
+            </a:r>
+          </a:p>
+          <a:p>
+            <a:pPr marL="285750" indent="-285750" fontAlgn="base">
+              <a:buClr>
+                <a:schemeClr val="bg1"/>
+              </a:buClr>
+              <a:buFont typeface="Wingdings" panose="05000000000000000000" pitchFamily="2" charset="2"/>
+              <a:buChar char="v"/>
+            </a:pPr>
+            <a:r>
+              <a:rPr lang="en-IN" sz="1800" dirty="0">
+                <a:solidFill>
+                  <a:schemeClr val="bg1"/>
+                </a:solidFill>
+                <a:latin typeface="Verdana" panose="020B0604030504040204" pitchFamily="34" charset="0"/>
+                <a:ea typeface="Verdana" panose="020B0604030504040204" pitchFamily="34" charset="0"/>
+              </a:rPr>
+              <a:t>Gaurav </a:t>
+            </a:r>
+            <a:r>
+              <a:rPr lang="en-IN" sz="1800" dirty="0" err="1">
+                <a:solidFill>
+                  <a:schemeClr val="bg1"/>
+                </a:solidFill>
+                <a:latin typeface="Verdana" panose="020B0604030504040204" pitchFamily="34" charset="0"/>
+                <a:ea typeface="Verdana" panose="020B0604030504040204" pitchFamily="34" charset="0"/>
+              </a:rPr>
+              <a:t>Khushpat</a:t>
+            </a:r>
+            <a:r>
+              <a:rPr lang="en-IN" sz="1800" dirty="0">
+                <a:solidFill>
+                  <a:schemeClr val="bg1"/>
+                </a:solidFill>
+                <a:latin typeface="Verdana" panose="020B0604030504040204" pitchFamily="34" charset="0"/>
+                <a:ea typeface="Verdana" panose="020B0604030504040204" pitchFamily="34" charset="0"/>
+              </a:rPr>
+              <a:t> Jain (200001023)</a:t>
+            </a:r>
+          </a:p>
+          <a:p>
+            <a:pPr marL="285750" indent="-285750" fontAlgn="base">
+              <a:buClr>
+                <a:schemeClr val="bg1"/>
+              </a:buClr>
+              <a:buFont typeface="Wingdings" panose="05000000000000000000" pitchFamily="2" charset="2"/>
+              <a:buChar char="v"/>
+            </a:pPr>
+            <a:r>
+              <a:rPr lang="en-IN" sz="1800" dirty="0" err="1">
+                <a:solidFill>
+                  <a:schemeClr val="bg1"/>
+                </a:solidFill>
+                <a:latin typeface="Verdana" panose="020B0604030504040204" pitchFamily="34" charset="0"/>
+                <a:ea typeface="Verdana" panose="020B0604030504040204" pitchFamily="34" charset="0"/>
+              </a:rPr>
+              <a:t>Vankayalapati</a:t>
+            </a:r>
+            <a:r>
+              <a:rPr lang="en-IN" sz="1800" dirty="0">
+                <a:solidFill>
+                  <a:schemeClr val="bg1"/>
+                </a:solidFill>
+                <a:latin typeface="Verdana" panose="020B0604030504040204" pitchFamily="34" charset="0"/>
+                <a:ea typeface="Verdana" panose="020B0604030504040204" pitchFamily="34" charset="0"/>
+              </a:rPr>
+              <a:t> Sai </a:t>
+            </a:r>
+            <a:r>
+              <a:rPr lang="en-IN" sz="1800" dirty="0" err="1">
+                <a:solidFill>
+                  <a:schemeClr val="bg1"/>
+                </a:solidFill>
+                <a:latin typeface="Verdana" panose="020B0604030504040204" pitchFamily="34" charset="0"/>
+                <a:ea typeface="Verdana" panose="020B0604030504040204" pitchFamily="34" charset="0"/>
+              </a:rPr>
+              <a:t>Venkata</a:t>
+            </a:r>
+            <a:r>
+              <a:rPr lang="en-IN" sz="1800" dirty="0">
+                <a:solidFill>
+                  <a:schemeClr val="bg1"/>
+                </a:solidFill>
+                <a:latin typeface="Verdana" panose="020B0604030504040204" pitchFamily="34" charset="0"/>
+                <a:ea typeface="Verdana" panose="020B0604030504040204" pitchFamily="34" charset="0"/>
+              </a:rPr>
+              <a:t> </a:t>
+            </a:r>
+            <a:r>
+              <a:rPr lang="en-IN" sz="1800" dirty="0" err="1">
+                <a:solidFill>
+                  <a:schemeClr val="bg1"/>
+                </a:solidFill>
+                <a:latin typeface="Verdana" panose="020B0604030504040204" pitchFamily="34" charset="0"/>
+                <a:ea typeface="Verdana" panose="020B0604030504040204" pitchFamily="34" charset="0"/>
+              </a:rPr>
+              <a:t>Satwik</a:t>
+            </a:r>
+            <a:r>
+              <a:rPr lang="en-IN" sz="1800" dirty="0">
+                <a:solidFill>
+                  <a:schemeClr val="bg1"/>
+                </a:solidFill>
+                <a:latin typeface="Verdana" panose="020B0604030504040204" pitchFamily="34" charset="0"/>
+                <a:ea typeface="Verdana" panose="020B0604030504040204" pitchFamily="34" charset="0"/>
+              </a:rPr>
+              <a:t> (200001077)</a:t>
+            </a:r>
+          </a:p>
+          <a:p>
+            <a:pPr marL="285750" indent="-285750" fontAlgn="base">
+              <a:buClr>
+                <a:schemeClr val="bg1"/>
+              </a:buClr>
+              <a:buFont typeface="Wingdings" panose="05000000000000000000" pitchFamily="2" charset="2"/>
+              <a:buChar char="v"/>
+            </a:pPr>
+            <a:r>
+              <a:rPr lang="en-IN" sz="1800" dirty="0" err="1">
+                <a:solidFill>
+                  <a:schemeClr val="bg1"/>
+                </a:solidFill>
+                <a:latin typeface="Verdana" panose="020B0604030504040204" pitchFamily="34" charset="0"/>
+                <a:ea typeface="Verdana" panose="020B0604030504040204" pitchFamily="34" charset="0"/>
+              </a:rPr>
+              <a:t>Nishit</a:t>
+            </a:r>
+            <a:r>
+              <a:rPr lang="en-IN" sz="1800" dirty="0">
+                <a:solidFill>
+                  <a:schemeClr val="bg1"/>
+                </a:solidFill>
+                <a:latin typeface="Verdana" panose="020B0604030504040204" pitchFamily="34" charset="0"/>
+                <a:ea typeface="Verdana" panose="020B0604030504040204" pitchFamily="34" charset="0"/>
+              </a:rPr>
+              <a:t> </a:t>
+            </a:r>
+            <a:r>
+              <a:rPr lang="en-IN" sz="1800" dirty="0" err="1">
+                <a:solidFill>
+                  <a:schemeClr val="bg1"/>
+                </a:solidFill>
+                <a:latin typeface="Verdana" panose="020B0604030504040204" pitchFamily="34" charset="0"/>
+                <a:ea typeface="Verdana" panose="020B0604030504040204" pitchFamily="34" charset="0"/>
+              </a:rPr>
+              <a:t>Sushil</a:t>
+            </a:r>
+            <a:r>
+              <a:rPr lang="en-IN" sz="1800" dirty="0">
+                <a:solidFill>
+                  <a:schemeClr val="bg1"/>
+                </a:solidFill>
+                <a:latin typeface="Verdana" panose="020B0604030504040204" pitchFamily="34" charset="0"/>
+                <a:ea typeface="Verdana" panose="020B0604030504040204" pitchFamily="34" charset="0"/>
+              </a:rPr>
+              <a:t> Singh (200001056</a:t>
+            </a:r>
+            <a:r>
+              <a:rPr lang="en-IN" sz="1800" dirty="0" smtClean="0">
+                <a:solidFill>
+                  <a:schemeClr val="bg1"/>
+                </a:solidFill>
+                <a:latin typeface="Verdana" panose="020B0604030504040204" pitchFamily="34" charset="0"/>
+                <a:ea typeface="Verdana" panose="020B0604030504040204" pitchFamily="34" charset="0"/>
+              </a:rPr>
+              <a:t>)</a:t>
+            </a:r>
+          </a:p>
+          <a:p>
+            <a:pPr fontAlgn="base">
+              <a:buClr>
+                <a:schemeClr val="bg1"/>
+              </a:buClr>
+            </a:pPr>
+            <a:endParaRPr lang="en-IN" sz="1800" dirty="0">
+              <a:solidFill>
+                <a:schemeClr val="bg1"/>
+              </a:solidFill>
+              <a:latin typeface="Verdana" panose="020B0604030504040204" pitchFamily="34" charset="0"/>
+              <a:ea typeface="Verdana" panose="020B0604030504040204" pitchFamily="34" charset="0"/>
+            </a:endParaRPr>
+          </a:p>
+          <a:p>
+            <a:r>
+              <a:rPr lang="en-IN" sz="2400" u="sng" dirty="0">
+                <a:solidFill>
+                  <a:schemeClr val="bg1"/>
+                </a:solidFill>
+                <a:latin typeface="Verdana" panose="020B0604030504040204" pitchFamily="34" charset="0"/>
+                <a:ea typeface="Verdana" panose="020B0604030504040204" pitchFamily="34" charset="0"/>
+              </a:rPr>
+              <a:t>Mentors</a:t>
+            </a:r>
+            <a:endParaRPr lang="en-IN" sz="1800" u="sng" dirty="0">
+              <a:solidFill>
+                <a:schemeClr val="bg1"/>
+              </a:solidFill>
+              <a:latin typeface="Verdana" panose="020B0604030504040204" pitchFamily="34" charset="0"/>
+              <a:ea typeface="Verdana" panose="020B0604030504040204" pitchFamily="34" charset="0"/>
+            </a:endParaRPr>
+          </a:p>
+          <a:p>
+            <a:pPr marL="285750" indent="-285750" fontAlgn="base">
+              <a:buClr>
+                <a:schemeClr val="bg1"/>
+              </a:buClr>
+              <a:buFont typeface="Wingdings" panose="05000000000000000000" pitchFamily="2" charset="2"/>
+              <a:buChar char="v"/>
+            </a:pPr>
+            <a:r>
+              <a:rPr lang="en-IN" sz="1800" dirty="0">
+                <a:solidFill>
+                  <a:schemeClr val="bg1"/>
+                </a:solidFill>
+                <a:latin typeface="Verdana" panose="020B0604030504040204" pitchFamily="34" charset="0"/>
+                <a:ea typeface="Verdana" panose="020B0604030504040204" pitchFamily="34" charset="0"/>
+              </a:rPr>
+              <a:t>Shaikh Ubaid (180001050)</a:t>
+            </a:r>
+          </a:p>
+          <a:p>
+            <a:pPr marL="285750" indent="-285750" fontAlgn="base">
+              <a:buClr>
+                <a:schemeClr val="bg1"/>
+              </a:buClr>
+              <a:buFont typeface="Wingdings" panose="05000000000000000000" pitchFamily="2" charset="2"/>
+              <a:buChar char="v"/>
+            </a:pPr>
+            <a:r>
+              <a:rPr lang="en-IN" sz="1800" dirty="0">
+                <a:solidFill>
+                  <a:schemeClr val="bg1"/>
+                </a:solidFill>
+                <a:latin typeface="Verdana" panose="020B0604030504040204" pitchFamily="34" charset="0"/>
+                <a:ea typeface="Verdana" panose="020B0604030504040204" pitchFamily="34" charset="0"/>
+              </a:rPr>
+              <a:t>Ashish Raj (190003013</a:t>
+            </a:r>
+            <a:r>
+              <a:rPr lang="en-IN" sz="1800" dirty="0" smtClean="0">
+                <a:solidFill>
+                  <a:schemeClr val="bg1"/>
+                </a:solidFill>
+                <a:latin typeface="Verdana" panose="020B0604030504040204" pitchFamily="34" charset="0"/>
+                <a:ea typeface="Verdana" panose="020B0604030504040204" pitchFamily="34" charset="0"/>
+              </a:rPr>
+              <a:t>)</a:t>
+            </a:r>
+            <a:endParaRPr lang="en-IN" sz="1800" dirty="0">
+              <a:solidFill>
+                <a:schemeClr val="bg1"/>
+              </a:solidFill>
+              <a:latin typeface="Verdana" panose="020B0604030504040204" pitchFamily="34" charset="0"/>
+              <a:ea typeface="Verdana" panose="020B0604030504040204" pitchFamily="34" charset="0"/>
+            </a:endParaRPr>
+          </a:p>
+        </p:txBody>
+      </p:sp>
+      <p:pic>
+        <p:nvPicPr>
+          <p:cNvPr id="1028" name="Picture 4" descr="Team Member Icons - Download Free Vector Icons | Noun Project"/>
+          <p:cNvPicPr>
+            <a:picLocks noChangeAspect="1" noChangeArrowheads="1"/>
+          </p:cNvPicPr>
+          <p:nvPr/>
+        </p:nvPicPr>
+        <p:blipFill>
+          <a:blip r:embed="rId2">
+            <a:extLst>
+              <a:ext uri="{28A0092B-C50C-407E-A947-70E740481C1C}">
+                <a14:useLocalDpi xmlns:a14="http://schemas.microsoft.com/office/drawing/2010/main" val="0"/>
+              </a:ext>
+            </a:extLst>
+          </a:blip>
+          <a:srcRect/>
+          <a:stretch>
+            <a:fillRect/>
+          </a:stretch>
+        </p:blipFill>
+        <p:spPr bwMode="auto">
+          <a:xfrm>
+            <a:off x="9761129" y="1759132"/>
+            <a:ext cx="1905000" cy="1905000"/>
+          </a:xfrm>
+          <a:prstGeom prst="rect">
+            <a:avLst/>
+          </a:prstGeom>
+          <a:noFill/>
+          <a:extLst>
+            <a:ext uri="{909E8E84-426E-40DD-AFC4-6F175D3DCCD1}">
+              <a14:hiddenFill xmlns:a14="http://schemas.microsoft.com/office/drawing/2010/main">
+                <a:solidFill>
+                  <a:srgbClr val="FFFFFF"/>
+                </a:solidFill>
+              </a14:hiddenFill>
+            </a:ext>
+          </a:extLst>
+        </p:spPr>
+      </p:pic>
+    </p:spTree>
+    <p:extLst>
+      <p:ext uri="{BB962C8B-B14F-4D97-AF65-F5344CB8AC3E}">
+        <p14:creationId xmlns:p14="http://schemas.microsoft.com/office/powerpoint/2010/main" val="1615714067"/>
+      </p:ext>
+    </p:extLst>
+  </p:cSld>
+  <p:clrMapOvr>
+    <a:masterClrMapping/>
+  </p:clrMapOvr>
+  <p:timing>
+    <p:tnLst>
+      <p:par>
+        <p:cTn id="1" dur="indefinite" restart="never" nodeType="tmRoot"/>
+      </p:par>
+    </p:tnLst>
+  </p:timing>
+</p:sld>
+</file>
+
+<file path=ppt/slides/slide3.xml><?xml version="1.0" encoding="utf-8"?>
+<p:sld xmlns:a="http://schemas.openxmlformats.org/drawingml/2006/main" xmlns:r="http://schemas.openxmlformats.org/officeDocument/2006/relationships" xmlns:p="http://schemas.openxmlformats.org/presentationml/2006/main">
+  <p:cSld>
+    <p:spTree>
+      <p:nvGrpSpPr>
+        <p:cNvPr id="1" name=""/>
+        <p:cNvGrpSpPr/>
+        <p:nvPr/>
+      </p:nvGrpSpPr>
+      <p:grpSpPr>
+        <a:xfrm>
+          <a:off x="0" y="0"/>
+          <a:ext cx="0" cy="0"/>
+          <a:chOff x="0" y="0"/>
+          <a:chExt cx="0" cy="0"/>
+        </a:xfrm>
+      </p:grpSpPr>
+      <p:sp>
+        <p:nvSpPr>
+          <p:cNvPr id="3" name="Subtitle 2"/>
+          <p:cNvSpPr>
+            <a:spLocks noGrp="1"/>
+          </p:cNvSpPr>
+          <p:nvPr>
+            <p:ph type="subTitle" idx="1"/>
+          </p:nvPr>
+        </p:nvSpPr>
+        <p:spPr>
+          <a:xfrm>
+            <a:off x="1012928" y="770708"/>
+            <a:ext cx="7315200" cy="4750526"/>
+          </a:xfrm>
+        </p:spPr>
+        <p:txBody>
+          <a:bodyPr>
+            <a:normAutofit/>
+          </a:bodyPr>
+          <a:lstStyle/>
+          <a:p>
+            <a:pPr>
+              <a:lnSpc>
+                <a:spcPct val="150000"/>
+              </a:lnSpc>
+            </a:pPr>
+            <a:r>
+              <a:rPr lang="en-IN" sz="2400" u="sng" dirty="0" smtClean="0">
+                <a:solidFill>
+                  <a:schemeClr val="bg1"/>
+                </a:solidFill>
+                <a:latin typeface="Verdana" panose="020B0604030504040204" pitchFamily="34" charset="0"/>
+                <a:ea typeface="Verdana" panose="020B0604030504040204" pitchFamily="34" charset="0"/>
+              </a:rPr>
+              <a:t>Description</a:t>
+            </a:r>
+            <a:endParaRPr lang="en-IN" sz="2800" u="sng" dirty="0" smtClean="0">
+              <a:solidFill>
+                <a:schemeClr val="bg1"/>
+              </a:solidFill>
+              <a:latin typeface="Verdana" panose="020B0604030504040204" pitchFamily="34" charset="0"/>
+              <a:ea typeface="Verdana" panose="020B0604030504040204" pitchFamily="34" charset="0"/>
+            </a:endParaRPr>
+          </a:p>
+          <a:p>
+            <a:pPr>
+              <a:lnSpc>
+                <a:spcPct val="150000"/>
+              </a:lnSpc>
+            </a:pPr>
+            <a:r>
+              <a:rPr lang="en-US" sz="1800" dirty="0" smtClean="0">
+                <a:solidFill>
+                  <a:schemeClr val="bg1"/>
+                </a:solidFill>
+                <a:latin typeface="Verdana" panose="020B0604030504040204" pitchFamily="34" charset="0"/>
+                <a:ea typeface="Verdana" panose="020B0604030504040204" pitchFamily="34" charset="0"/>
+              </a:rPr>
+              <a:t>This </a:t>
+            </a:r>
+            <a:r>
+              <a:rPr lang="en-US" sz="1800" dirty="0">
+                <a:solidFill>
+                  <a:schemeClr val="bg1"/>
+                </a:solidFill>
+                <a:latin typeface="Verdana" panose="020B0604030504040204" pitchFamily="34" charset="0"/>
+                <a:ea typeface="Verdana" panose="020B0604030504040204" pitchFamily="34" charset="0"/>
+              </a:rPr>
+              <a:t>Project gives you a Chrome Extension and a Progressive Web App (PWA) allowing you to control </a:t>
+            </a:r>
+            <a:r>
+              <a:rPr lang="en-US" sz="1800" dirty="0" err="1">
+                <a:solidFill>
+                  <a:schemeClr val="bg1"/>
+                </a:solidFill>
+                <a:latin typeface="Verdana" panose="020B0604030504040204" pitchFamily="34" charset="0"/>
+                <a:ea typeface="Verdana" panose="020B0604030504040204" pitchFamily="34" charset="0"/>
+              </a:rPr>
+              <a:t>Youtube</a:t>
+            </a:r>
+            <a:r>
+              <a:rPr lang="en-US" sz="1800" dirty="0">
+                <a:solidFill>
+                  <a:schemeClr val="bg1"/>
+                </a:solidFill>
+                <a:latin typeface="Verdana" panose="020B0604030504040204" pitchFamily="34" charset="0"/>
+                <a:ea typeface="Verdana" panose="020B0604030504040204" pitchFamily="34" charset="0"/>
+              </a:rPr>
+              <a:t> on your Desktop Browser from your Mobile's Browser. It enforces a 1-1 connection between the Browser Extension and the PWA. The Extension gets connected to the PWA using a QR Code which has to be scanned using the built-in QR Code Scanner in the PWA. This will land you on the Infinity Remote page that allows you to control the </a:t>
+            </a:r>
+            <a:r>
+              <a:rPr lang="en-US" sz="1800" dirty="0" err="1">
+                <a:solidFill>
+                  <a:schemeClr val="bg1"/>
+                </a:solidFill>
+                <a:latin typeface="Verdana" panose="020B0604030504040204" pitchFamily="34" charset="0"/>
+                <a:ea typeface="Verdana" panose="020B0604030504040204" pitchFamily="34" charset="0"/>
+              </a:rPr>
+              <a:t>Youtube</a:t>
+            </a:r>
+            <a:r>
+              <a:rPr lang="en-US" sz="1800" dirty="0">
+                <a:solidFill>
+                  <a:schemeClr val="bg1"/>
+                </a:solidFill>
+                <a:latin typeface="Verdana" panose="020B0604030504040204" pitchFamily="34" charset="0"/>
+                <a:ea typeface="Verdana" panose="020B0604030504040204" pitchFamily="34" charset="0"/>
+              </a:rPr>
+              <a:t>. Proper Instructions / Icons helps the User control the Utility</a:t>
+            </a:r>
+            <a:r>
+              <a:rPr lang="en-US" sz="1800" dirty="0" smtClean="0">
+                <a:solidFill>
+                  <a:schemeClr val="bg1"/>
+                </a:solidFill>
+                <a:latin typeface="Verdana" panose="020B0604030504040204" pitchFamily="34" charset="0"/>
+                <a:ea typeface="Verdana" panose="020B0604030504040204" pitchFamily="34" charset="0"/>
+              </a:rPr>
+              <a:t>.</a:t>
+            </a:r>
+            <a:endParaRPr lang="en-US" sz="1800" dirty="0">
+              <a:solidFill>
+                <a:schemeClr val="bg1"/>
+              </a:solidFill>
+              <a:latin typeface="Verdana" panose="020B0604030504040204" pitchFamily="34" charset="0"/>
+              <a:ea typeface="Verdana" panose="020B0604030504040204" pitchFamily="34" charset="0"/>
+            </a:endParaRPr>
+          </a:p>
+        </p:txBody>
+      </p:sp>
+      <p:pic>
+        <p:nvPicPr>
+          <p:cNvPr id="2" name="Picture 1"/>
+          <p:cNvPicPr>
+            <a:picLocks noChangeAspect="1"/>
+          </p:cNvPicPr>
+          <p:nvPr/>
+        </p:nvPicPr>
+        <p:blipFill rotWithShape="1">
+          <a:blip r:embed="rId2">
+            <a:extLst>
+              <a:ext uri="{28A0092B-C50C-407E-A947-70E740481C1C}">
+                <a14:useLocalDpi xmlns:a14="http://schemas.microsoft.com/office/drawing/2010/main" val="0"/>
+              </a:ext>
+            </a:extLst>
+          </a:blip>
+          <a:srcRect l="18081" t="26667" r="20994"/>
+          <a:stretch/>
+        </p:blipFill>
+        <p:spPr>
+          <a:xfrm>
+            <a:off x="9274629" y="770708"/>
+            <a:ext cx="2917371" cy="5334001"/>
+          </a:xfrm>
+          <a:prstGeom prst="rect">
+            <a:avLst/>
+          </a:prstGeom>
+        </p:spPr>
+      </p:pic>
+    </p:spTree>
+    <p:extLst>
+      <p:ext uri="{BB962C8B-B14F-4D97-AF65-F5344CB8AC3E}">
+        <p14:creationId xmlns:p14="http://schemas.microsoft.com/office/powerpoint/2010/main" val="4228566591"/>
+      </p:ext>
+    </p:extLst>
+  </p:cSld>
+  <p:clrMapOvr>
+    <a:masterClrMapping/>
+  </p:clrMapOvr>
+  <p:timing>
+    <p:tnLst>
+      <p:par>
+        <p:cTn id="1" dur="indefinite" restart="never" nodeType="tmRoot"/>
+      </p:par>
+    </p:tnLst>
+  </p:timing>
+</p:sld>
+</file>
+
+<file path=ppt/slides/slide4.xml><?xml version="1.0" encoding="utf-8"?>
+<p:sld xmlns:a="http://schemas.openxmlformats.org/drawingml/2006/main" xmlns:r="http://schemas.openxmlformats.org/officeDocument/2006/relationships" xmlns:p="http://schemas.openxmlformats.org/presentationml/2006/main">
+  <p:cSld>
+    <p:spTree>
+      <p:nvGrpSpPr>
+        <p:cNvPr id="1" name=""/>
+        <p:cNvGrpSpPr/>
+        <p:nvPr/>
+      </p:nvGrpSpPr>
+      <p:grpSpPr>
+        <a:xfrm>
+          <a:off x="0" y="0"/>
+          <a:ext cx="0" cy="0"/>
+          <a:chOff x="0" y="0"/>
+          <a:chExt cx="0" cy="0"/>
+        </a:xfrm>
+      </p:grpSpPr>
+      <p:sp>
+        <p:nvSpPr>
+          <p:cNvPr id="3" name="Subtitle 2"/>
+          <p:cNvSpPr>
+            <a:spLocks noGrp="1"/>
+          </p:cNvSpPr>
+          <p:nvPr>
+            <p:ph type="subTitle" idx="1"/>
+          </p:nvPr>
+        </p:nvSpPr>
+        <p:spPr>
+          <a:xfrm>
+            <a:off x="1100015" y="748937"/>
+            <a:ext cx="7315200" cy="4835709"/>
+          </a:xfrm>
+        </p:spPr>
+        <p:txBody>
+          <a:bodyPr/>
+          <a:lstStyle/>
+          <a:p>
+            <a:endParaRPr lang="en-IN" dirty="0" smtClean="0"/>
+          </a:p>
+          <a:p>
+            <a:r>
+              <a:rPr lang="en-IN" sz="2400" u="sng" dirty="0" smtClean="0">
+                <a:solidFill>
+                  <a:schemeClr val="bg1"/>
+                </a:solidFill>
+                <a:latin typeface="Verdana" panose="020B0604030504040204" pitchFamily="34" charset="0"/>
+                <a:ea typeface="Verdana" panose="020B0604030504040204" pitchFamily="34" charset="0"/>
+              </a:rPr>
+              <a:t>Tech Stacks and Packages</a:t>
+            </a:r>
+            <a:endParaRPr lang="en-IN" sz="1800" u="sng" dirty="0" smtClean="0">
+              <a:solidFill>
+                <a:schemeClr val="bg1"/>
+              </a:solidFill>
+              <a:latin typeface="Verdana" panose="020B0604030504040204" pitchFamily="34" charset="0"/>
+              <a:ea typeface="Verdana" panose="020B0604030504040204" pitchFamily="34" charset="0"/>
+            </a:endParaRPr>
+          </a:p>
+          <a:p>
+            <a:pPr marL="342900" indent="-342900">
+              <a:lnSpc>
+                <a:spcPct val="130000"/>
+              </a:lnSpc>
+              <a:buClrTx/>
+              <a:buFont typeface="Wingdings" panose="05000000000000000000" pitchFamily="2" charset="2"/>
+              <a:buChar char="v"/>
+            </a:pPr>
+            <a:r>
+              <a:rPr lang="en-IN" sz="1800" dirty="0" smtClean="0">
+                <a:solidFill>
+                  <a:schemeClr val="bg1"/>
+                </a:solidFill>
+                <a:latin typeface="Verdana" panose="020B0604030504040204" pitchFamily="34" charset="0"/>
+                <a:ea typeface="Verdana" panose="020B0604030504040204" pitchFamily="34" charset="0"/>
+              </a:rPr>
+              <a:t>HTML, CSS and </a:t>
+            </a:r>
+            <a:r>
+              <a:rPr lang="en-IN" sz="1800" dirty="0" err="1" smtClean="0">
+                <a:solidFill>
+                  <a:schemeClr val="bg1"/>
+                </a:solidFill>
+                <a:latin typeface="Verdana" panose="020B0604030504040204" pitchFamily="34" charset="0"/>
+                <a:ea typeface="Verdana" panose="020B0604030504040204" pitchFamily="34" charset="0"/>
+              </a:rPr>
+              <a:t>Javascript</a:t>
+            </a:r>
+            <a:endParaRPr lang="en-IN" sz="1800" dirty="0" smtClean="0">
+              <a:solidFill>
+                <a:schemeClr val="bg1"/>
+              </a:solidFill>
+              <a:latin typeface="Verdana" panose="020B0604030504040204" pitchFamily="34" charset="0"/>
+              <a:ea typeface="Verdana" panose="020B0604030504040204" pitchFamily="34" charset="0"/>
+            </a:endParaRPr>
+          </a:p>
+          <a:p>
+            <a:pPr marL="342900" indent="-342900">
+              <a:lnSpc>
+                <a:spcPct val="130000"/>
+              </a:lnSpc>
+              <a:buClrTx/>
+              <a:buFont typeface="Wingdings" panose="05000000000000000000" pitchFamily="2" charset="2"/>
+              <a:buChar char="v"/>
+            </a:pPr>
+            <a:r>
+              <a:rPr lang="en-IN" sz="1800" dirty="0" smtClean="0">
+                <a:solidFill>
+                  <a:schemeClr val="bg1"/>
+                </a:solidFill>
+                <a:latin typeface="Verdana" panose="020B0604030504040204" pitchFamily="34" charset="0"/>
+                <a:ea typeface="Verdana" panose="020B0604030504040204" pitchFamily="34" charset="0"/>
+              </a:rPr>
+              <a:t>Chrome Extension and PWA</a:t>
+            </a:r>
+          </a:p>
+          <a:p>
+            <a:pPr marL="342900" indent="-342900">
+              <a:lnSpc>
+                <a:spcPct val="130000"/>
+              </a:lnSpc>
+              <a:buClrTx/>
+              <a:buFont typeface="Wingdings" panose="05000000000000000000" pitchFamily="2" charset="2"/>
+              <a:buChar char="v"/>
+            </a:pPr>
+            <a:r>
+              <a:rPr lang="en-IN" sz="1800" dirty="0" smtClean="0">
+                <a:solidFill>
+                  <a:schemeClr val="bg1"/>
+                </a:solidFill>
+                <a:latin typeface="Verdana" panose="020B0604030504040204" pitchFamily="34" charset="0"/>
+                <a:ea typeface="Verdana" panose="020B0604030504040204" pitchFamily="34" charset="0"/>
+              </a:rPr>
+              <a:t>Socket.IO </a:t>
+            </a:r>
+            <a:endParaRPr lang="en-IN" sz="1800" dirty="0" smtClean="0">
+              <a:solidFill>
+                <a:schemeClr val="bg1"/>
+              </a:solidFill>
+              <a:latin typeface="Verdana" panose="020B0604030504040204" pitchFamily="34" charset="0"/>
+              <a:ea typeface="Verdana" panose="020B0604030504040204" pitchFamily="34" charset="0"/>
+            </a:endParaRPr>
+          </a:p>
+          <a:p>
+            <a:pPr marL="342900" indent="-342900">
+              <a:lnSpc>
+                <a:spcPct val="130000"/>
+              </a:lnSpc>
+              <a:buClrTx/>
+              <a:buFont typeface="Wingdings" panose="05000000000000000000" pitchFamily="2" charset="2"/>
+              <a:buChar char="v"/>
+            </a:pPr>
+            <a:r>
+              <a:rPr lang="en-IN" sz="1800" dirty="0" smtClean="0">
+                <a:solidFill>
+                  <a:schemeClr val="bg1"/>
+                </a:solidFill>
+                <a:latin typeface="Verdana" panose="020B0604030504040204" pitchFamily="34" charset="0"/>
+                <a:ea typeface="Verdana" panose="020B0604030504040204" pitchFamily="34" charset="0"/>
+              </a:rPr>
+              <a:t>Node JS and Express JS for rendering views.</a:t>
+            </a:r>
+          </a:p>
+          <a:p>
+            <a:pPr marL="342900" indent="-342900">
+              <a:lnSpc>
+                <a:spcPct val="130000"/>
+              </a:lnSpc>
+              <a:buClrTx/>
+              <a:buFont typeface="Wingdings" panose="05000000000000000000" pitchFamily="2" charset="2"/>
+              <a:buChar char="v"/>
+            </a:pPr>
+            <a:r>
+              <a:rPr lang="en-IN" sz="1800" dirty="0" smtClean="0">
+                <a:solidFill>
+                  <a:schemeClr val="bg1"/>
+                </a:solidFill>
+                <a:latin typeface="Verdana" panose="020B0604030504040204" pitchFamily="34" charset="0"/>
+                <a:ea typeface="Verdana" panose="020B0604030504040204" pitchFamily="34" charset="0"/>
+              </a:rPr>
+              <a:t>Embedded </a:t>
+            </a:r>
+            <a:r>
+              <a:rPr lang="en-IN" sz="1800" dirty="0" err="1" smtClean="0">
+                <a:solidFill>
+                  <a:schemeClr val="bg1"/>
+                </a:solidFill>
+                <a:latin typeface="Verdana" panose="020B0604030504040204" pitchFamily="34" charset="0"/>
+                <a:ea typeface="Verdana" panose="020B0604030504040204" pitchFamily="34" charset="0"/>
+              </a:rPr>
+              <a:t>Javascript</a:t>
+            </a:r>
+            <a:r>
+              <a:rPr lang="en-IN" sz="1800" dirty="0" smtClean="0">
+                <a:solidFill>
+                  <a:schemeClr val="bg1"/>
+                </a:solidFill>
+                <a:latin typeface="Verdana" panose="020B0604030504040204" pitchFamily="34" charset="0"/>
+                <a:ea typeface="Verdana" panose="020B0604030504040204" pitchFamily="34" charset="0"/>
+              </a:rPr>
+              <a:t> EJS to embed Room Id in HTML</a:t>
+            </a:r>
+          </a:p>
+          <a:p>
+            <a:pPr marL="342900" indent="-342900">
+              <a:lnSpc>
+                <a:spcPct val="130000"/>
+              </a:lnSpc>
+              <a:buClrTx/>
+              <a:buFont typeface="Wingdings" panose="05000000000000000000" pitchFamily="2" charset="2"/>
+              <a:buChar char="v"/>
+            </a:pPr>
+            <a:r>
+              <a:rPr lang="en-IN" sz="1800" dirty="0" err="1" smtClean="0">
+                <a:solidFill>
+                  <a:schemeClr val="bg1"/>
+                </a:solidFill>
+                <a:latin typeface="Verdana" panose="020B0604030504040204" pitchFamily="34" charset="0"/>
+                <a:ea typeface="Verdana" panose="020B0604030504040204" pitchFamily="34" charset="0"/>
+              </a:rPr>
+              <a:t>Qrious</a:t>
+            </a:r>
+            <a:r>
+              <a:rPr lang="en-IN" sz="1800" dirty="0" smtClean="0">
+                <a:solidFill>
+                  <a:schemeClr val="bg1"/>
+                </a:solidFill>
+                <a:latin typeface="Verdana" panose="020B0604030504040204" pitchFamily="34" charset="0"/>
+                <a:ea typeface="Verdana" panose="020B0604030504040204" pitchFamily="34" charset="0"/>
+              </a:rPr>
+              <a:t> and JSQR to generate and scan QR Codes</a:t>
+            </a:r>
+          </a:p>
+          <a:p>
+            <a:pPr marL="342900" indent="-342900">
+              <a:lnSpc>
+                <a:spcPct val="130000"/>
+              </a:lnSpc>
+              <a:buClrTx/>
+              <a:buFont typeface="Wingdings" panose="05000000000000000000" pitchFamily="2" charset="2"/>
+              <a:buChar char="v"/>
+            </a:pPr>
+            <a:r>
+              <a:rPr lang="en-IN" sz="1800" dirty="0" smtClean="0">
+                <a:solidFill>
+                  <a:schemeClr val="bg1"/>
+                </a:solidFill>
+                <a:latin typeface="Verdana" panose="020B0604030504040204" pitchFamily="34" charset="0"/>
+                <a:ea typeface="Verdana" panose="020B0604030504040204" pitchFamily="34" charset="0"/>
+              </a:rPr>
+              <a:t>Font Awesome for Icons</a:t>
+            </a:r>
+            <a:endParaRPr lang="en-IN" sz="1800" dirty="0">
+              <a:solidFill>
+                <a:schemeClr val="bg1"/>
+              </a:solidFill>
+              <a:latin typeface="Verdana" panose="020B0604030504040204" pitchFamily="34" charset="0"/>
+              <a:ea typeface="Verdana" panose="020B0604030504040204" pitchFamily="34" charset="0"/>
+            </a:endParaRPr>
+          </a:p>
+        </p:txBody>
+      </p:sp>
+      <p:pic>
+        <p:nvPicPr>
+          <p:cNvPr id="4" name="Picture 2" descr="Node.js - Wikipedia"/>
+          <p:cNvPicPr>
+            <a:picLocks noChangeAspect="1" noChangeArrowheads="1"/>
+          </p:cNvPicPr>
+          <p:nvPr/>
+        </p:nvPicPr>
+        <p:blipFill>
+          <a:blip r:embed="rId2">
+            <a:extLst>
+              <a:ext uri="{28A0092B-C50C-407E-A947-70E740481C1C}">
+                <a14:useLocalDpi xmlns:a14="http://schemas.microsoft.com/office/drawing/2010/main" val="0"/>
+              </a:ext>
+            </a:extLst>
+          </a:blip>
+          <a:srcRect/>
+          <a:stretch>
+            <a:fillRect/>
+          </a:stretch>
+        </p:blipFill>
+        <p:spPr bwMode="auto">
+          <a:xfrm>
+            <a:off x="9920027" y="3895630"/>
+            <a:ext cx="1637212" cy="1121529"/>
+          </a:xfrm>
+          <a:prstGeom prst="rect">
+            <a:avLst/>
+          </a:prstGeom>
+          <a:noFill/>
+          <a:extLst>
+            <a:ext uri="{909E8E84-426E-40DD-AFC4-6F175D3DCCD1}">
+              <a14:hiddenFill xmlns:a14="http://schemas.microsoft.com/office/drawing/2010/main">
+                <a:solidFill>
+                  <a:srgbClr val="FFFFFF"/>
+                </a:solidFill>
+              </a14:hiddenFill>
+            </a:ext>
+          </a:extLst>
+        </p:spPr>
+      </p:pic>
+      <p:pic>
+        <p:nvPicPr>
+          <p:cNvPr id="5" name="Picture 4" descr="Express.js Tutorial for Beginners | Learn Express Fundamentals | Edureka"/>
+          <p:cNvPicPr>
+            <a:picLocks noChangeAspect="1" noChangeArrowheads="1"/>
+          </p:cNvPicPr>
+          <p:nvPr/>
+        </p:nvPicPr>
+        <p:blipFill rotWithShape="1">
+          <a:blip r:embed="rId3">
+            <a:extLst>
+              <a:ext uri="{28A0092B-C50C-407E-A947-70E740481C1C}">
+                <a14:useLocalDpi xmlns:a14="http://schemas.microsoft.com/office/drawing/2010/main" val="0"/>
+              </a:ext>
+            </a:extLst>
+          </a:blip>
+          <a:srcRect t="23293" r="30382" b="35564"/>
+          <a:stretch/>
+        </p:blipFill>
+        <p:spPr bwMode="auto">
+          <a:xfrm>
+            <a:off x="9250431" y="5182374"/>
+            <a:ext cx="2941570" cy="940527"/>
+          </a:xfrm>
+          <a:prstGeom prst="rect">
+            <a:avLst/>
+          </a:prstGeom>
+          <a:noFill/>
+          <a:extLst>
+            <a:ext uri="{909E8E84-426E-40DD-AFC4-6F175D3DCCD1}">
+              <a14:hiddenFill xmlns:a14="http://schemas.microsoft.com/office/drawing/2010/main">
+                <a:solidFill>
+                  <a:srgbClr val="FFFFFF"/>
+                </a:solidFill>
+              </a14:hiddenFill>
+            </a:ext>
+          </a:extLst>
+        </p:spPr>
+      </p:pic>
+      <p:pic>
+        <p:nvPicPr>
+          <p:cNvPr id="5132" name="Picture 12" descr="HTML5 logo and wordmark.svg"/>
+          <p:cNvPicPr>
+            <a:picLocks noChangeAspect="1" noChangeArrowheads="1"/>
+          </p:cNvPicPr>
+          <p:nvPr/>
+        </p:nvPicPr>
+        <p:blipFill>
+          <a:blip r:embed="rId4">
+            <a:extLst>
+              <a:ext uri="{28A0092B-C50C-407E-A947-70E740481C1C}">
+                <a14:useLocalDpi xmlns:a14="http://schemas.microsoft.com/office/drawing/2010/main" val="0"/>
+              </a:ext>
+            </a:extLst>
+          </a:blip>
+          <a:srcRect/>
+          <a:stretch>
+            <a:fillRect/>
+          </a:stretch>
+        </p:blipFill>
+        <p:spPr bwMode="auto">
+          <a:xfrm>
+            <a:off x="9250431" y="925621"/>
+            <a:ext cx="1082443" cy="1082443"/>
+          </a:xfrm>
+          <a:prstGeom prst="rect">
+            <a:avLst/>
+          </a:prstGeom>
+          <a:noFill/>
+          <a:extLst>
+            <a:ext uri="{909E8E84-426E-40DD-AFC4-6F175D3DCCD1}">
+              <a14:hiddenFill xmlns:a14="http://schemas.microsoft.com/office/drawing/2010/main">
+                <a:solidFill>
+                  <a:srgbClr val="FFFFFF"/>
+                </a:solidFill>
+              </a14:hiddenFill>
+            </a:ext>
+          </a:extLst>
+        </p:spPr>
+      </p:pic>
+      <p:pic>
+        <p:nvPicPr>
+          <p:cNvPr id="5142" name="Picture 22" descr="CSS3 logo and wordmark.svg"/>
+          <p:cNvPicPr>
+            <a:picLocks noChangeAspect="1" noChangeArrowheads="1"/>
+          </p:cNvPicPr>
+          <p:nvPr/>
+        </p:nvPicPr>
+        <p:blipFill>
+          <a:blip r:embed="rId5">
+            <a:extLst>
+              <a:ext uri="{28A0092B-C50C-407E-A947-70E740481C1C}">
+                <a14:useLocalDpi xmlns:a14="http://schemas.microsoft.com/office/drawing/2010/main" val="0"/>
+              </a:ext>
+            </a:extLst>
+          </a:blip>
+          <a:srcRect/>
+          <a:stretch>
+            <a:fillRect/>
+          </a:stretch>
+        </p:blipFill>
+        <p:spPr bwMode="auto">
+          <a:xfrm>
+            <a:off x="10985448" y="925621"/>
+            <a:ext cx="827503" cy="1082443"/>
+          </a:xfrm>
+          <a:prstGeom prst="rect">
+            <a:avLst/>
+          </a:prstGeom>
+          <a:noFill/>
+          <a:extLst>
+            <a:ext uri="{909E8E84-426E-40DD-AFC4-6F175D3DCCD1}">
+              <a14:hiddenFill xmlns:a14="http://schemas.microsoft.com/office/drawing/2010/main">
+                <a:solidFill>
+                  <a:srgbClr val="FFFFFF"/>
+                </a:solidFill>
+              </a14:hiddenFill>
+            </a:ext>
+          </a:extLst>
+        </p:spPr>
+      </p:pic>
+      <p:pic>
+        <p:nvPicPr>
+          <p:cNvPr id="12" name="Picture 11"/>
+          <p:cNvPicPr>
+            <a:picLocks noChangeAspect="1"/>
+          </p:cNvPicPr>
+          <p:nvPr/>
+        </p:nvPicPr>
+        <p:blipFill>
+          <a:blip r:embed="rId6">
+            <a:extLst>
+              <a:ext uri="{28A0092B-C50C-407E-A947-70E740481C1C}">
+                <a14:useLocalDpi xmlns:a14="http://schemas.microsoft.com/office/drawing/2010/main" val="0"/>
+              </a:ext>
+            </a:extLst>
+          </a:blip>
+          <a:stretch>
+            <a:fillRect/>
+          </a:stretch>
+        </p:blipFill>
+        <p:spPr>
+          <a:xfrm>
+            <a:off x="9805300" y="2340089"/>
+            <a:ext cx="1576484" cy="1169466"/>
+          </a:xfrm>
+          <a:prstGeom prst="rect">
+            <a:avLst/>
+          </a:prstGeom>
+        </p:spPr>
+      </p:pic>
+    </p:spTree>
+    <p:extLst>
+      <p:ext uri="{BB962C8B-B14F-4D97-AF65-F5344CB8AC3E}">
+        <p14:creationId xmlns:p14="http://schemas.microsoft.com/office/powerpoint/2010/main" val="1770243359"/>
+      </p:ext>
+    </p:extLst>
+  </p:cSld>
+  <p:clrMapOvr>
+    <a:masterClrMapping/>
+  </p:clrMapOvr>
+  <p:timing>
+    <p:tnLst>
+      <p:par>
+        <p:cTn id="1" dur="indefinite" restart="never" nodeType="tmRoot"/>
+      </p:par>
+    </p:tnLst>
+  </p:timing>
+</p:sld>
+</file>
+
+<file path=ppt/slides/slide5.xml><?xml version="1.0" encoding="utf-8"?>
+<p:sld xmlns:a="http://schemas.openxmlformats.org/drawingml/2006/main" xmlns:r="http://schemas.openxmlformats.org/officeDocument/2006/relationships" xmlns:p="http://schemas.openxmlformats.org/presentationml/2006/main">
+  <p:cSld>
+    <p:spTree>
+      <p:nvGrpSpPr>
+        <p:cNvPr id="1" name=""/>
+        <p:cNvGrpSpPr/>
+        <p:nvPr/>
+      </p:nvGrpSpPr>
+      <p:grpSpPr>
+        <a:xfrm>
+          <a:off x="0" y="0"/>
+          <a:ext cx="0" cy="0"/>
+          <a:chOff x="0" y="0"/>
+          <a:chExt cx="0" cy="0"/>
+        </a:xfrm>
+      </p:grpSpPr>
+      <p:sp>
+        <p:nvSpPr>
+          <p:cNvPr id="3" name="Subtitle 2"/>
+          <p:cNvSpPr>
+            <a:spLocks noGrp="1"/>
+          </p:cNvSpPr>
+          <p:nvPr>
+            <p:ph type="subTitle" idx="1"/>
+          </p:nvPr>
+        </p:nvSpPr>
+        <p:spPr>
+          <a:xfrm>
+            <a:off x="1100015" y="757646"/>
+            <a:ext cx="7315200" cy="4827000"/>
+          </a:xfrm>
+        </p:spPr>
+        <p:txBody>
+          <a:bodyPr>
+            <a:normAutofit/>
+          </a:bodyPr>
+          <a:lstStyle/>
+          <a:p>
+            <a:endParaRPr lang="en-IN" sz="2400" u="sng" dirty="0" smtClean="0">
+              <a:solidFill>
+                <a:schemeClr val="bg1"/>
+              </a:solidFill>
+              <a:latin typeface="Verdana" panose="020B0604030504040204" pitchFamily="34" charset="0"/>
+              <a:ea typeface="Verdana" panose="020B0604030504040204" pitchFamily="34" charset="0"/>
+            </a:endParaRPr>
+          </a:p>
+          <a:p>
+            <a:r>
+              <a:rPr lang="en-IN" sz="2400" u="sng" dirty="0" smtClean="0">
+                <a:solidFill>
+                  <a:schemeClr val="bg1"/>
+                </a:solidFill>
+                <a:latin typeface="Verdana" panose="020B0604030504040204" pitchFamily="34" charset="0"/>
+                <a:ea typeface="Verdana" panose="020B0604030504040204" pitchFamily="34" charset="0"/>
+              </a:rPr>
+              <a:t>Salient Features</a:t>
+            </a:r>
+            <a:endParaRPr lang="en-US" dirty="0">
+              <a:solidFill>
+                <a:schemeClr val="bg1"/>
+              </a:solidFill>
+              <a:latin typeface="Verdana" panose="020B0604030504040204" pitchFamily="34" charset="0"/>
+              <a:ea typeface="Verdana" panose="020B0604030504040204" pitchFamily="34" charset="0"/>
+            </a:endParaRPr>
+          </a:p>
+          <a:p>
+            <a:pPr marL="285750" indent="-285750" fontAlgn="base">
+              <a:lnSpc>
+                <a:spcPct val="130000"/>
+              </a:lnSpc>
+              <a:buClr>
+                <a:schemeClr val="bg1"/>
+              </a:buClr>
+              <a:buFont typeface="Wingdings" panose="05000000000000000000" pitchFamily="2" charset="2"/>
+              <a:buChar char="v"/>
+            </a:pPr>
+            <a:r>
+              <a:rPr lang="en-US" sz="1800" dirty="0">
+                <a:solidFill>
+                  <a:schemeClr val="bg1"/>
+                </a:solidFill>
+                <a:latin typeface="Verdana" panose="020B0604030504040204" pitchFamily="34" charset="0"/>
+                <a:ea typeface="Verdana" panose="020B0604030504040204" pitchFamily="34" charset="0"/>
+              </a:rPr>
+              <a:t>Connection via Internet </a:t>
+            </a:r>
+          </a:p>
+          <a:p>
+            <a:pPr marL="285750" indent="-285750" fontAlgn="base">
+              <a:lnSpc>
+                <a:spcPct val="130000"/>
+              </a:lnSpc>
+              <a:buClr>
+                <a:schemeClr val="bg1"/>
+              </a:buClr>
+              <a:buFont typeface="Wingdings" panose="05000000000000000000" pitchFamily="2" charset="2"/>
+              <a:buChar char="v"/>
+            </a:pPr>
+            <a:r>
+              <a:rPr lang="en-US" sz="1800" dirty="0">
+                <a:solidFill>
+                  <a:schemeClr val="bg1"/>
+                </a:solidFill>
+                <a:latin typeface="Verdana" panose="020B0604030504040204" pitchFamily="34" charset="0"/>
+                <a:ea typeface="Verdana" panose="020B0604030504040204" pitchFamily="34" charset="0"/>
+              </a:rPr>
+              <a:t>PWA for E</a:t>
+            </a:r>
+            <a:r>
+              <a:rPr lang="en-US" sz="1800" dirty="0" smtClean="0">
+                <a:solidFill>
+                  <a:schemeClr val="bg1"/>
+                </a:solidFill>
+                <a:latin typeface="Verdana" panose="020B0604030504040204" pitchFamily="34" charset="0"/>
+                <a:ea typeface="Verdana" panose="020B0604030504040204" pitchFamily="34" charset="0"/>
+              </a:rPr>
+              <a:t>asy Accessibility</a:t>
+            </a:r>
+            <a:endParaRPr lang="en-US" sz="1800" dirty="0">
+              <a:solidFill>
+                <a:schemeClr val="bg1"/>
+              </a:solidFill>
+              <a:latin typeface="Verdana" panose="020B0604030504040204" pitchFamily="34" charset="0"/>
+              <a:ea typeface="Verdana" panose="020B0604030504040204" pitchFamily="34" charset="0"/>
+            </a:endParaRPr>
+          </a:p>
+          <a:p>
+            <a:pPr marL="285750" indent="-285750" fontAlgn="base">
+              <a:lnSpc>
+                <a:spcPct val="130000"/>
+              </a:lnSpc>
+              <a:buClr>
+                <a:schemeClr val="bg1"/>
+              </a:buClr>
+              <a:buFont typeface="Wingdings" panose="05000000000000000000" pitchFamily="2" charset="2"/>
+              <a:buChar char="v"/>
+            </a:pPr>
+            <a:r>
+              <a:rPr lang="en-US" sz="1800" dirty="0">
+                <a:solidFill>
+                  <a:schemeClr val="bg1"/>
+                </a:solidFill>
+                <a:latin typeface="Verdana" panose="020B0604030504040204" pitchFamily="34" charset="0"/>
+                <a:ea typeface="Verdana" panose="020B0604030504040204" pitchFamily="34" charset="0"/>
+              </a:rPr>
+              <a:t>Selection </a:t>
+            </a:r>
+            <a:r>
+              <a:rPr lang="en-US" sz="1800" dirty="0" smtClean="0">
+                <a:solidFill>
+                  <a:schemeClr val="bg1"/>
+                </a:solidFill>
+                <a:latin typeface="Verdana" panose="020B0604030504040204" pitchFamily="34" charset="0"/>
+                <a:ea typeface="Verdana" panose="020B0604030504040204" pitchFamily="34" charset="0"/>
+              </a:rPr>
+              <a:t>and Navigation</a:t>
+            </a:r>
+            <a:endParaRPr lang="en-US" sz="1800" dirty="0">
+              <a:solidFill>
+                <a:schemeClr val="bg1"/>
+              </a:solidFill>
+              <a:latin typeface="Verdana" panose="020B0604030504040204" pitchFamily="34" charset="0"/>
+              <a:ea typeface="Verdana" panose="020B0604030504040204" pitchFamily="34" charset="0"/>
+            </a:endParaRPr>
+          </a:p>
+          <a:p>
+            <a:pPr marL="285750" indent="-285750" fontAlgn="base">
+              <a:lnSpc>
+                <a:spcPct val="130000"/>
+              </a:lnSpc>
+              <a:buClr>
+                <a:schemeClr val="bg1"/>
+              </a:buClr>
+              <a:buFont typeface="Wingdings" panose="05000000000000000000" pitchFamily="2" charset="2"/>
+              <a:buChar char="v"/>
+            </a:pPr>
+            <a:r>
+              <a:rPr lang="en-US" sz="1800" dirty="0">
+                <a:solidFill>
+                  <a:schemeClr val="bg1"/>
+                </a:solidFill>
+                <a:latin typeface="Verdana" panose="020B0604030504040204" pitchFamily="34" charset="0"/>
+                <a:ea typeface="Verdana" panose="020B0604030504040204" pitchFamily="34" charset="0"/>
+              </a:rPr>
+              <a:t>Playback </a:t>
+            </a:r>
+            <a:r>
+              <a:rPr lang="en-US" sz="1800" dirty="0" smtClean="0">
+                <a:solidFill>
+                  <a:schemeClr val="bg1"/>
+                </a:solidFill>
+                <a:latin typeface="Verdana" panose="020B0604030504040204" pitchFamily="34" charset="0"/>
+                <a:ea typeface="Verdana" panose="020B0604030504040204" pitchFamily="34" charset="0"/>
+              </a:rPr>
+              <a:t>Controls</a:t>
+            </a:r>
+            <a:endParaRPr lang="en-US" sz="1800" dirty="0">
+              <a:solidFill>
+                <a:schemeClr val="bg1"/>
+              </a:solidFill>
+              <a:latin typeface="Verdana" panose="020B0604030504040204" pitchFamily="34" charset="0"/>
+              <a:ea typeface="Verdana" panose="020B0604030504040204" pitchFamily="34" charset="0"/>
+            </a:endParaRPr>
+          </a:p>
+          <a:p>
+            <a:pPr marL="285750" indent="-285750" fontAlgn="base">
+              <a:lnSpc>
+                <a:spcPct val="130000"/>
+              </a:lnSpc>
+              <a:buClr>
+                <a:schemeClr val="bg1"/>
+              </a:buClr>
+              <a:buFont typeface="Wingdings" panose="05000000000000000000" pitchFamily="2" charset="2"/>
+              <a:buChar char="v"/>
+            </a:pPr>
+            <a:r>
+              <a:rPr lang="en-US" sz="1800" dirty="0">
+                <a:solidFill>
+                  <a:schemeClr val="bg1"/>
+                </a:solidFill>
+                <a:latin typeface="Verdana" panose="020B0604030504040204" pitchFamily="34" charset="0"/>
+                <a:ea typeface="Verdana" panose="020B0604030504040204" pitchFamily="34" charset="0"/>
+              </a:rPr>
+              <a:t>Skipping of </a:t>
+            </a:r>
+            <a:r>
+              <a:rPr lang="en-US" sz="1800" dirty="0" smtClean="0">
+                <a:solidFill>
+                  <a:schemeClr val="bg1"/>
+                </a:solidFill>
+                <a:latin typeface="Verdana" panose="020B0604030504040204" pitchFamily="34" charset="0"/>
+                <a:ea typeface="Verdana" panose="020B0604030504040204" pitchFamily="34" charset="0"/>
+              </a:rPr>
+              <a:t>Advertisements</a:t>
+            </a:r>
+            <a:endParaRPr lang="en-US" sz="1800" dirty="0">
+              <a:solidFill>
+                <a:schemeClr val="bg1"/>
+              </a:solidFill>
+              <a:latin typeface="Verdana" panose="020B0604030504040204" pitchFamily="34" charset="0"/>
+              <a:ea typeface="Verdana" panose="020B0604030504040204" pitchFamily="34" charset="0"/>
+            </a:endParaRPr>
+          </a:p>
+          <a:p>
+            <a:pPr marL="285750" indent="-285750" fontAlgn="base">
+              <a:lnSpc>
+                <a:spcPct val="130000"/>
+              </a:lnSpc>
+              <a:buClr>
+                <a:schemeClr val="bg1"/>
+              </a:buClr>
+              <a:buFont typeface="Wingdings" panose="05000000000000000000" pitchFamily="2" charset="2"/>
+              <a:buChar char="v"/>
+            </a:pPr>
+            <a:r>
+              <a:rPr lang="en-US" sz="1800" dirty="0" smtClean="0">
+                <a:solidFill>
+                  <a:schemeClr val="bg1"/>
+                </a:solidFill>
+                <a:latin typeface="Verdana" panose="020B0604030504040204" pitchFamily="34" charset="0"/>
+                <a:ea typeface="Verdana" panose="020B0604030504040204" pitchFamily="34" charset="0"/>
+              </a:rPr>
+              <a:t>Instructions and Error Pages</a:t>
+            </a:r>
+            <a:endParaRPr lang="en-US" sz="1800" dirty="0">
+              <a:solidFill>
+                <a:schemeClr val="bg1"/>
+              </a:solidFill>
+              <a:latin typeface="Verdana" panose="020B0604030504040204" pitchFamily="34" charset="0"/>
+              <a:ea typeface="Verdana" panose="020B0604030504040204" pitchFamily="34" charset="0"/>
+            </a:endParaRPr>
+          </a:p>
+        </p:txBody>
+      </p:sp>
+    </p:spTree>
+    <p:extLst>
+      <p:ext uri="{BB962C8B-B14F-4D97-AF65-F5344CB8AC3E}">
+        <p14:creationId xmlns:p14="http://schemas.microsoft.com/office/powerpoint/2010/main" val="355356462"/>
+      </p:ext>
+    </p:extLst>
+  </p:cSld>
+  <p:clrMapOvr>
+    <a:masterClrMapping/>
+  </p:clrMapOvr>
+</p:sld>
+</file>
+
+<file path=ppt/slides/slide6.xml><?xml version="1.0" encoding="utf-8"?>
+<p:sld xmlns:a="http://schemas.openxmlformats.org/drawingml/2006/main" xmlns:r="http://schemas.openxmlformats.org/officeDocument/2006/relationships" xmlns:p="http://schemas.openxmlformats.org/presentationml/2006/main">
+  <p:cSld>
+    <p:spTree>
+      <p:nvGrpSpPr>
+        <p:cNvPr id="1" name=""/>
+        <p:cNvGrpSpPr/>
+        <p:nvPr/>
+      </p:nvGrpSpPr>
+      <p:grpSpPr>
+        <a:xfrm>
+          <a:off x="0" y="0"/>
+          <a:ext cx="0" cy="0"/>
+          <a:chOff x="0" y="0"/>
+          <a:chExt cx="0" cy="0"/>
+        </a:xfrm>
+      </p:grpSpPr>
+      <p:sp>
+        <p:nvSpPr>
+          <p:cNvPr id="3" name="Subtitle 2"/>
+          <p:cNvSpPr>
+            <a:spLocks noGrp="1"/>
+          </p:cNvSpPr>
+          <p:nvPr>
+            <p:ph type="subTitle" idx="1"/>
+          </p:nvPr>
+        </p:nvSpPr>
+        <p:spPr>
+          <a:xfrm>
+            <a:off x="1100015" y="757645"/>
+            <a:ext cx="7315200" cy="5660571"/>
+          </a:xfrm>
+        </p:spPr>
+        <p:txBody>
+          <a:bodyPr>
+            <a:normAutofit/>
+          </a:bodyPr>
+          <a:lstStyle/>
+          <a:p>
+            <a:endParaRPr lang="en-US" sz="2400" u="sng" dirty="0" smtClean="0">
+              <a:solidFill>
+                <a:schemeClr val="bg1"/>
+              </a:solidFill>
+              <a:latin typeface="Verdana" panose="020B0604030504040204" pitchFamily="34" charset="0"/>
+              <a:ea typeface="Verdana" panose="020B0604030504040204" pitchFamily="34" charset="0"/>
+            </a:endParaRPr>
+          </a:p>
+          <a:p>
+            <a:r>
+              <a:rPr lang="en-US" sz="2400" u="sng" dirty="0" smtClean="0">
+                <a:solidFill>
+                  <a:schemeClr val="bg1"/>
+                </a:solidFill>
+                <a:latin typeface="Verdana" panose="020B0604030504040204" pitchFamily="34" charset="0"/>
+                <a:ea typeface="Verdana" panose="020B0604030504040204" pitchFamily="34" charset="0"/>
+              </a:rPr>
+              <a:t>1-1 Connection via Internet</a:t>
+            </a:r>
+            <a:endParaRPr lang="en-US" sz="1800" u="sng" dirty="0" smtClean="0">
+              <a:solidFill>
+                <a:schemeClr val="bg1"/>
+              </a:solidFill>
+              <a:latin typeface="Verdana" panose="020B0604030504040204" pitchFamily="34" charset="0"/>
+              <a:ea typeface="Verdana" panose="020B0604030504040204" pitchFamily="34" charset="0"/>
+            </a:endParaRPr>
+          </a:p>
+          <a:p>
+            <a:pPr marL="285750" indent="-285750" fontAlgn="base">
+              <a:lnSpc>
+                <a:spcPct val="130000"/>
+              </a:lnSpc>
+              <a:buClr>
+                <a:schemeClr val="bg1"/>
+              </a:buClr>
+              <a:buFont typeface="Wingdings" panose="05000000000000000000" pitchFamily="2" charset="2"/>
+              <a:buChar char="v"/>
+            </a:pPr>
+            <a:r>
+              <a:rPr lang="en-US" sz="1800" dirty="0" smtClean="0">
+                <a:solidFill>
+                  <a:schemeClr val="bg1"/>
+                </a:solidFill>
+                <a:latin typeface="Verdana" panose="020B0604030504040204" pitchFamily="34" charset="0"/>
+                <a:ea typeface="Verdana" panose="020B0604030504040204" pitchFamily="34" charset="0"/>
+              </a:rPr>
+              <a:t>Socket Programming is used to communicate between PWA and the Extension, making the connection live and persistent.</a:t>
+            </a:r>
+          </a:p>
+          <a:p>
+            <a:pPr marL="285750" indent="-285750" fontAlgn="base">
+              <a:lnSpc>
+                <a:spcPct val="130000"/>
+              </a:lnSpc>
+              <a:buClr>
+                <a:schemeClr val="bg1"/>
+              </a:buClr>
+              <a:buFont typeface="Wingdings" panose="05000000000000000000" pitchFamily="2" charset="2"/>
+              <a:buChar char="v"/>
+            </a:pPr>
+            <a:r>
+              <a:rPr lang="en-US" sz="1800" dirty="0" smtClean="0">
+                <a:solidFill>
+                  <a:schemeClr val="bg1"/>
+                </a:solidFill>
+                <a:latin typeface="Verdana" panose="020B0604030504040204" pitchFamily="34" charset="0"/>
+                <a:ea typeface="Verdana" panose="020B0604030504040204" pitchFamily="34" charset="0"/>
+              </a:rPr>
+              <a:t>A room gets created in the server whenever a User opens the </a:t>
+            </a:r>
+            <a:r>
+              <a:rPr lang="en-US" sz="1800" dirty="0">
+                <a:solidFill>
+                  <a:schemeClr val="bg1"/>
+                </a:solidFill>
+                <a:latin typeface="Verdana" panose="020B0604030504040204" pitchFamily="34" charset="0"/>
+                <a:ea typeface="Verdana" panose="020B0604030504040204" pitchFamily="34" charset="0"/>
+              </a:rPr>
+              <a:t>C</a:t>
+            </a:r>
+            <a:r>
+              <a:rPr lang="en-US" sz="1800" dirty="0" smtClean="0">
+                <a:solidFill>
+                  <a:schemeClr val="bg1"/>
+                </a:solidFill>
+                <a:latin typeface="Verdana" panose="020B0604030504040204" pitchFamily="34" charset="0"/>
+                <a:ea typeface="Verdana" panose="020B0604030504040204" pitchFamily="34" charset="0"/>
+              </a:rPr>
+              <a:t>hrome browser in the PC and the same room Id gets reflected in the QR code. The User scans this QR code to join the same room. </a:t>
+            </a:r>
+          </a:p>
+          <a:p>
+            <a:pPr marL="285750" indent="-285750" fontAlgn="base">
+              <a:lnSpc>
+                <a:spcPct val="130000"/>
+              </a:lnSpc>
+              <a:buClr>
+                <a:schemeClr val="bg1"/>
+              </a:buClr>
+              <a:buFont typeface="Wingdings" panose="05000000000000000000" pitchFamily="2" charset="2"/>
+              <a:buChar char="v"/>
+            </a:pPr>
+            <a:r>
+              <a:rPr lang="en-US" sz="1800" dirty="0" smtClean="0">
+                <a:solidFill>
+                  <a:schemeClr val="bg1"/>
+                </a:solidFill>
+                <a:latin typeface="Verdana" panose="020B0604030504040204" pitchFamily="34" charset="0"/>
+                <a:ea typeface="Verdana" panose="020B0604030504040204" pitchFamily="34" charset="0"/>
+              </a:rPr>
+              <a:t>The socket enforces a 1-1 connection, any other connection to the same socket are redirected to appropriate error page and further instructions are displayed.</a:t>
+            </a:r>
+          </a:p>
+        </p:txBody>
+      </p:sp>
+      <p:pic>
+        <p:nvPicPr>
+          <p:cNvPr id="4" name="Picture 3"/>
+          <p:cNvPicPr>
+            <a:picLocks noChangeAspect="1"/>
+          </p:cNvPicPr>
+          <p:nvPr/>
+        </p:nvPicPr>
+        <p:blipFill>
+          <a:blip r:embed="rId2"/>
+          <a:stretch>
+            <a:fillRect/>
+          </a:stretch>
+        </p:blipFill>
+        <p:spPr>
+          <a:xfrm>
+            <a:off x="8133805" y="923109"/>
+            <a:ext cx="837463" cy="837463"/>
+          </a:xfrm>
+          <a:prstGeom prst="ellipse">
+            <a:avLst/>
+          </a:prstGeom>
+          <a:ln>
+            <a:noFill/>
+          </a:ln>
+          <a:effectLst>
+            <a:softEdge rad="112500"/>
+          </a:effectLst>
+        </p:spPr>
+      </p:pic>
+    </p:spTree>
+    <p:extLst>
+      <p:ext uri="{BB962C8B-B14F-4D97-AF65-F5344CB8AC3E}">
+        <p14:creationId xmlns:p14="http://schemas.microsoft.com/office/powerpoint/2010/main" val="2484622259"/>
+      </p:ext>
+    </p:extLst>
+  </p:cSld>
+  <p:clrMapOvr>
+    <a:masterClrMapping/>
+  </p:clrMapOvr>
+</p:sld>
+</file>
+
+<file path=ppt/slides/slide7.xml><?xml version="1.0" encoding="utf-8"?>
+<p:sld xmlns:a="http://schemas.openxmlformats.org/drawingml/2006/main" xmlns:r="http://schemas.openxmlformats.org/officeDocument/2006/relationships" xmlns:p="http://schemas.openxmlformats.org/presentationml/2006/main">
+  <p:cSld>
+    <p:spTree>
+      <p:nvGrpSpPr>
+        <p:cNvPr id="1" name=""/>
+        <p:cNvGrpSpPr/>
+        <p:nvPr/>
+      </p:nvGrpSpPr>
+      <p:grpSpPr>
+        <a:xfrm>
+          <a:off x="0" y="0"/>
+          <a:ext cx="0" cy="0"/>
+          <a:chOff x="0" y="0"/>
+          <a:chExt cx="0" cy="0"/>
+        </a:xfrm>
+      </p:grpSpPr>
+      <p:sp>
+        <p:nvSpPr>
+          <p:cNvPr id="3" name="Subtitle 2"/>
+          <p:cNvSpPr>
+            <a:spLocks noGrp="1"/>
+          </p:cNvSpPr>
+          <p:nvPr>
+            <p:ph type="subTitle" idx="1"/>
+          </p:nvPr>
+        </p:nvSpPr>
+        <p:spPr>
+          <a:xfrm>
+            <a:off x="1100015" y="766354"/>
+            <a:ext cx="7315200" cy="4818292"/>
+          </a:xfrm>
+        </p:spPr>
+        <p:txBody>
+          <a:bodyPr>
+            <a:normAutofit fontScale="92500"/>
+          </a:bodyPr>
+          <a:lstStyle/>
+          <a:p>
+            <a:endParaRPr lang="en-US" sz="1900" i="1" dirty="0" smtClean="0">
+              <a:solidFill>
+                <a:srgbClr val="FF0000"/>
+              </a:solidFill>
+            </a:endParaRPr>
+          </a:p>
+          <a:p>
+            <a:r>
+              <a:rPr lang="en-US" i="1" dirty="0" smtClean="0">
+                <a:solidFill>
+                  <a:srgbClr val="FF0000"/>
+                </a:solidFill>
+              </a:rPr>
+              <a:t>PWA </a:t>
+            </a:r>
+            <a:r>
+              <a:rPr lang="en-US" i="1" dirty="0">
+                <a:solidFill>
+                  <a:srgbClr val="FF0000"/>
+                </a:solidFill>
+              </a:rPr>
+              <a:t>for easy accessibility</a:t>
+            </a:r>
+            <a:endParaRPr lang="en-US" dirty="0">
+              <a:solidFill>
+                <a:srgbClr val="FF0000"/>
+              </a:solidFill>
+            </a:endParaRPr>
+          </a:p>
+          <a:p>
+            <a:pPr fontAlgn="base"/>
+            <a:r>
+              <a:rPr lang="en-US" dirty="0"/>
+              <a:t/>
+            </a:r>
+            <a:br>
+              <a:rPr lang="en-US" dirty="0"/>
+            </a:br>
+            <a:r>
+              <a:rPr lang="en-US" dirty="0"/>
+              <a:t>PWA(Progressive Web App) provides a similar experience as a native app.</a:t>
+            </a:r>
+          </a:p>
+          <a:p>
+            <a:pPr fontAlgn="base"/>
+            <a:r>
+              <a:rPr lang="en-US" dirty="0"/>
+              <a:t>It can be downloaded as an application. The icon appears on the home screen and can be used as a native app.</a:t>
+            </a:r>
+          </a:p>
+          <a:p>
+            <a:pPr fontAlgn="base"/>
+            <a:r>
+              <a:rPr lang="en-US" dirty="0"/>
+              <a:t>It is also </a:t>
+            </a:r>
+            <a:r>
+              <a:rPr lang="en-US" dirty="0" err="1"/>
+              <a:t>responsive,i.e</a:t>
+            </a:r>
+            <a:r>
+              <a:rPr lang="en-US" dirty="0"/>
+              <a:t>., it adjusts to various screen sizes of mobile, tablets, etc.</a:t>
+            </a:r>
+          </a:p>
+          <a:p>
+            <a:pPr fontAlgn="base"/>
+            <a:r>
+              <a:rPr lang="en-US" dirty="0"/>
+              <a:t>It works offline using the data </a:t>
+            </a:r>
+            <a:r>
+              <a:rPr lang="en-US" dirty="0" err="1"/>
+              <a:t>catched</a:t>
+            </a:r>
+            <a:r>
+              <a:rPr lang="en-US" dirty="0"/>
+              <a:t> from the last user interaction.</a:t>
+            </a:r>
+          </a:p>
+          <a:p>
+            <a:pPr fontAlgn="base"/>
+            <a:r>
+              <a:rPr lang="en-US" dirty="0"/>
+              <a:t>No </a:t>
+            </a:r>
+            <a:r>
+              <a:rPr lang="en-US" dirty="0" err="1"/>
+              <a:t>authorisations</a:t>
+            </a:r>
+            <a:r>
+              <a:rPr lang="en-US" dirty="0"/>
+              <a:t> are needed as in case of a native app.</a:t>
+            </a:r>
+          </a:p>
+          <a:p>
+            <a:r>
+              <a:rPr lang="en-US" dirty="0"/>
+              <a:t/>
+            </a:r>
+            <a:br>
+              <a:rPr lang="en-US" dirty="0"/>
+            </a:br>
+            <a:endParaRPr lang="en-IN" dirty="0"/>
+          </a:p>
+        </p:txBody>
+      </p:sp>
+      <p:pic>
+        <p:nvPicPr>
+          <p:cNvPr id="4102" name="Picture 6" descr="Progressive web application - Wikipedia"/>
+          <p:cNvPicPr>
+            <a:picLocks noChangeAspect="1" noChangeArrowheads="1"/>
+          </p:cNvPicPr>
+          <p:nvPr/>
+        </p:nvPicPr>
+        <p:blipFill>
+          <a:blip r:embed="rId2">
+            <a:extLst>
+              <a:ext uri="{28A0092B-C50C-407E-A947-70E740481C1C}">
+                <a14:useLocalDpi xmlns:a14="http://schemas.microsoft.com/office/drawing/2010/main" val="0"/>
+              </a:ext>
+            </a:extLst>
+          </a:blip>
+          <a:srcRect/>
+          <a:stretch>
+            <a:fillRect/>
+          </a:stretch>
+        </p:blipFill>
+        <p:spPr bwMode="auto">
+          <a:xfrm>
+            <a:off x="7089974" y="968513"/>
+            <a:ext cx="1890907" cy="712242"/>
+          </a:xfrm>
+          <a:prstGeom prst="rect">
+            <a:avLst/>
+          </a:prstGeom>
+          <a:noFill/>
+          <a:extLst>
+            <a:ext uri="{909E8E84-426E-40DD-AFC4-6F175D3DCCD1}">
+              <a14:hiddenFill xmlns:a14="http://schemas.microsoft.com/office/drawing/2010/main">
+                <a:solidFill>
+                  <a:srgbClr val="FFFFFF"/>
+                </a:solidFill>
+              </a14:hiddenFill>
+            </a:ext>
+          </a:extLst>
+        </p:spPr>
+      </p:pic>
+    </p:spTree>
+    <p:extLst>
+      <p:ext uri="{BB962C8B-B14F-4D97-AF65-F5344CB8AC3E}">
+        <p14:creationId xmlns:p14="http://schemas.microsoft.com/office/powerpoint/2010/main" val="147151976"/>
+      </p:ext>
+    </p:extLst>
+  </p:cSld>
+  <p:clrMapOvr>
+    <a:masterClrMapping/>
+  </p:clrMapOvr>
+</p:sld>
+</file>
+
+<file path=ppt/slides/slide8.xml><?xml version="1.0" encoding="utf-8"?>
+<p:sld xmlns:a="http://schemas.openxmlformats.org/drawingml/2006/main" xmlns:r="http://schemas.openxmlformats.org/officeDocument/2006/relationships" xmlns:p="http://schemas.openxmlformats.org/presentationml/2006/main">
+  <p:cSld>
+    <p:spTree>
+      <p:nvGrpSpPr>
+        <p:cNvPr id="1" name=""/>
+        <p:cNvGrpSpPr/>
+        <p:nvPr/>
+      </p:nvGrpSpPr>
+      <p:grpSpPr>
+        <a:xfrm>
+          <a:off x="0" y="0"/>
+          <a:ext cx="0" cy="0"/>
+          <a:chOff x="0" y="0"/>
+          <a:chExt cx="0" cy="0"/>
+        </a:xfrm>
+      </p:grpSpPr>
+      <p:sp>
+        <p:nvSpPr>
+          <p:cNvPr id="3" name="Subtitle 2"/>
+          <p:cNvSpPr>
+            <a:spLocks noGrp="1"/>
+          </p:cNvSpPr>
+          <p:nvPr>
+            <p:ph type="subTitle" idx="1"/>
+          </p:nvPr>
+        </p:nvSpPr>
+        <p:spPr>
+          <a:xfrm>
+            <a:off x="1100015" y="766354"/>
+            <a:ext cx="7315200" cy="6091646"/>
+          </a:xfrm>
+        </p:spPr>
+        <p:txBody>
+          <a:bodyPr>
+            <a:normAutofit/>
+          </a:bodyPr>
+          <a:lstStyle/>
+          <a:p>
+            <a:pPr>
+              <a:lnSpc>
+                <a:spcPct val="100000"/>
+              </a:lnSpc>
+            </a:pPr>
+            <a:endParaRPr lang="en-US" sz="1800" dirty="0">
+              <a:solidFill>
+                <a:schemeClr val="bg1"/>
+              </a:solidFill>
+              <a:latin typeface="Verdana" panose="020B0604030504040204" pitchFamily="34" charset="0"/>
+              <a:ea typeface="Verdana" panose="020B0604030504040204" pitchFamily="34" charset="0"/>
+            </a:endParaRPr>
+          </a:p>
+          <a:p>
+            <a:pPr>
+              <a:lnSpc>
+                <a:spcPct val="130000"/>
+              </a:lnSpc>
+            </a:pPr>
+            <a:r>
+              <a:rPr lang="en-US" sz="2400" u="sng" dirty="0" smtClean="0">
+                <a:solidFill>
+                  <a:schemeClr val="bg1"/>
+                </a:solidFill>
+                <a:latin typeface="Verdana" panose="020B0604030504040204" pitchFamily="34" charset="0"/>
+                <a:ea typeface="Verdana" panose="020B0604030504040204" pitchFamily="34" charset="0"/>
+              </a:rPr>
+              <a:t>Selection and Navigation</a:t>
+            </a:r>
+            <a:r>
+              <a:rPr lang="en-US" sz="2400" dirty="0">
+                <a:solidFill>
+                  <a:schemeClr val="bg1"/>
+                </a:solidFill>
+                <a:latin typeface="Verdana" panose="020B0604030504040204" pitchFamily="34" charset="0"/>
+                <a:ea typeface="Verdana" panose="020B0604030504040204" pitchFamily="34" charset="0"/>
+              </a:rPr>
+              <a:t> </a:t>
+            </a:r>
+          </a:p>
+          <a:p>
+            <a:pPr marL="285750" indent="-285750">
+              <a:lnSpc>
+                <a:spcPct val="130000"/>
+              </a:lnSpc>
+              <a:buClrTx/>
+              <a:buFont typeface="Wingdings" panose="05000000000000000000" pitchFamily="2" charset="2"/>
+              <a:buChar char="v"/>
+            </a:pPr>
+            <a:r>
+              <a:rPr lang="en-US" sz="1800" dirty="0">
+                <a:solidFill>
+                  <a:schemeClr val="bg1"/>
+                </a:solidFill>
+                <a:latin typeface="Verdana" panose="020B0604030504040204" pitchFamily="34" charset="0"/>
+                <a:ea typeface="Verdana" panose="020B0604030504040204" pitchFamily="34" charset="0"/>
+              </a:rPr>
+              <a:t>The </a:t>
+            </a:r>
+            <a:r>
+              <a:rPr lang="en-US" sz="1800" dirty="0" smtClean="0">
+                <a:solidFill>
+                  <a:schemeClr val="bg1"/>
+                </a:solidFill>
+                <a:latin typeface="Verdana" panose="020B0604030504040204" pitchFamily="34" charset="0"/>
+                <a:ea typeface="Verdana" panose="020B0604030504040204" pitchFamily="34" charset="0"/>
+              </a:rPr>
+              <a:t>User can identify the focused-video by the blue-highlight line and navigate through the videos using the arrow buttons on the remote.</a:t>
+            </a:r>
+          </a:p>
+          <a:p>
+            <a:pPr marL="285750" indent="-285750">
+              <a:lnSpc>
+                <a:spcPct val="130000"/>
+              </a:lnSpc>
+              <a:buClrTx/>
+              <a:buFont typeface="Wingdings" panose="05000000000000000000" pitchFamily="2" charset="2"/>
+              <a:buChar char="v"/>
+            </a:pPr>
+            <a:r>
+              <a:rPr lang="en-US" sz="1800" dirty="0" smtClean="0">
+                <a:solidFill>
+                  <a:schemeClr val="bg1"/>
+                </a:solidFill>
+                <a:latin typeface="Verdana" panose="020B0604030504040204" pitchFamily="34" charset="0"/>
+                <a:ea typeface="Verdana" panose="020B0604030504040204" pitchFamily="34" charset="0"/>
+              </a:rPr>
+              <a:t>A </a:t>
+            </a:r>
+            <a:r>
+              <a:rPr lang="en-US" sz="1800" dirty="0" err="1">
+                <a:solidFill>
+                  <a:schemeClr val="bg1"/>
+                </a:solidFill>
+                <a:latin typeface="Verdana" panose="020B0604030504040204" pitchFamily="34" charset="0"/>
+                <a:ea typeface="Verdana" panose="020B0604030504040204" pitchFamily="34" charset="0"/>
+              </a:rPr>
+              <a:t>J</a:t>
+            </a:r>
+            <a:r>
+              <a:rPr lang="en-US" sz="1800" dirty="0" err="1" smtClean="0">
+                <a:solidFill>
+                  <a:schemeClr val="bg1"/>
+                </a:solidFill>
+                <a:latin typeface="Verdana" panose="020B0604030504040204" pitchFamily="34" charset="0"/>
+                <a:ea typeface="Verdana" panose="020B0604030504040204" pitchFamily="34" charset="0"/>
+              </a:rPr>
+              <a:t>avascript</a:t>
+            </a:r>
+            <a:r>
+              <a:rPr lang="en-US" sz="1800" dirty="0" smtClean="0">
+                <a:solidFill>
+                  <a:schemeClr val="bg1"/>
+                </a:solidFill>
+                <a:latin typeface="Verdana" panose="020B0604030504040204" pitchFamily="34" charset="0"/>
+                <a:ea typeface="Verdana" panose="020B0604030504040204" pitchFamily="34" charset="0"/>
+              </a:rPr>
+              <a:t> code is behind this process, it dispatches various keyboard events. These keyboard events remove and add the highlight as per the response received.</a:t>
+            </a:r>
+          </a:p>
+          <a:p>
+            <a:pPr marL="285750" indent="-285750">
+              <a:lnSpc>
+                <a:spcPct val="130000"/>
+              </a:lnSpc>
+              <a:buClrTx/>
+              <a:buFont typeface="Wingdings" panose="05000000000000000000" pitchFamily="2" charset="2"/>
+              <a:buChar char="v"/>
+            </a:pPr>
+            <a:r>
+              <a:rPr lang="en-US" sz="1800" dirty="0" smtClean="0">
+                <a:solidFill>
+                  <a:schemeClr val="bg1"/>
+                </a:solidFill>
+                <a:latin typeface="Verdana" panose="020B0604030504040204" pitchFamily="34" charset="0"/>
+                <a:ea typeface="Verdana" panose="020B0604030504040204" pitchFamily="34" charset="0"/>
+              </a:rPr>
+              <a:t>The </a:t>
+            </a:r>
+            <a:r>
+              <a:rPr lang="en-US" sz="1800" dirty="0">
+                <a:solidFill>
+                  <a:schemeClr val="bg1"/>
+                </a:solidFill>
+                <a:latin typeface="Verdana" panose="020B0604030504040204" pitchFamily="34" charset="0"/>
+                <a:ea typeface="Verdana" panose="020B0604030504040204" pitchFamily="34" charset="0"/>
+              </a:rPr>
+              <a:t>U</a:t>
+            </a:r>
+            <a:r>
+              <a:rPr lang="en-US" sz="1800" dirty="0" smtClean="0">
+                <a:solidFill>
+                  <a:schemeClr val="bg1"/>
+                </a:solidFill>
+                <a:latin typeface="Verdana" panose="020B0604030504040204" pitchFamily="34" charset="0"/>
+                <a:ea typeface="Verdana" panose="020B0604030504040204" pitchFamily="34" charset="0"/>
+              </a:rPr>
+              <a:t>ser </a:t>
+            </a:r>
+            <a:r>
+              <a:rPr lang="en-US" sz="1800" dirty="0">
+                <a:solidFill>
+                  <a:schemeClr val="bg1"/>
+                </a:solidFill>
+                <a:latin typeface="Verdana" panose="020B0604030504040204" pitchFamily="34" charset="0"/>
+                <a:ea typeface="Verdana" panose="020B0604030504040204" pitchFamily="34" charset="0"/>
+              </a:rPr>
+              <a:t>can select videos </a:t>
+            </a:r>
+            <a:r>
+              <a:rPr lang="en-US" sz="1800" dirty="0" smtClean="0">
+                <a:solidFill>
+                  <a:schemeClr val="bg1"/>
+                </a:solidFill>
+                <a:latin typeface="Verdana" panose="020B0604030504040204" pitchFamily="34" charset="0"/>
+                <a:ea typeface="Verdana" panose="020B0604030504040204" pitchFamily="34" charset="0"/>
+              </a:rPr>
+              <a:t>on the Home </a:t>
+            </a:r>
+            <a:r>
+              <a:rPr lang="en-US" sz="1800" dirty="0">
+                <a:solidFill>
+                  <a:schemeClr val="bg1"/>
+                </a:solidFill>
+                <a:latin typeface="Verdana" panose="020B0604030504040204" pitchFamily="34" charset="0"/>
+                <a:ea typeface="Verdana" panose="020B0604030504040204" pitchFamily="34" charset="0"/>
+              </a:rPr>
+              <a:t>page, </a:t>
+            </a:r>
+            <a:r>
+              <a:rPr lang="en-US" sz="1800" dirty="0" smtClean="0">
+                <a:solidFill>
+                  <a:schemeClr val="bg1"/>
+                </a:solidFill>
+                <a:latin typeface="Verdana" panose="020B0604030504040204" pitchFamily="34" charset="0"/>
+                <a:ea typeface="Verdana" panose="020B0604030504040204" pitchFamily="34" charset="0"/>
+              </a:rPr>
+              <a:t>Search Result screen and Video Mode Screen by </a:t>
+            </a:r>
+            <a:r>
+              <a:rPr lang="en-US" sz="1800" dirty="0">
+                <a:solidFill>
+                  <a:schemeClr val="bg1"/>
+                </a:solidFill>
+                <a:latin typeface="Verdana" panose="020B0604030504040204" pitchFamily="34" charset="0"/>
+                <a:ea typeface="Verdana" panose="020B0604030504040204" pitchFamily="34" charset="0"/>
+              </a:rPr>
+              <a:t>pressing S</a:t>
+            </a:r>
+            <a:r>
+              <a:rPr lang="en-US" sz="1800" dirty="0" smtClean="0">
+                <a:solidFill>
+                  <a:schemeClr val="bg1"/>
+                </a:solidFill>
+                <a:latin typeface="Verdana" panose="020B0604030504040204" pitchFamily="34" charset="0"/>
+                <a:ea typeface="Verdana" panose="020B0604030504040204" pitchFamily="34" charset="0"/>
+              </a:rPr>
+              <a:t>elect button on </a:t>
+            </a:r>
+            <a:r>
+              <a:rPr lang="en-US" sz="1800" dirty="0">
+                <a:solidFill>
+                  <a:schemeClr val="bg1"/>
+                </a:solidFill>
+                <a:latin typeface="Verdana" panose="020B0604030504040204" pitchFamily="34" charset="0"/>
+                <a:ea typeface="Verdana" panose="020B0604030504040204" pitchFamily="34" charset="0"/>
+              </a:rPr>
+              <a:t>the </a:t>
+            </a:r>
+            <a:r>
+              <a:rPr lang="en-US" sz="1800" dirty="0" smtClean="0">
+                <a:solidFill>
+                  <a:schemeClr val="bg1"/>
+                </a:solidFill>
+                <a:latin typeface="Verdana" panose="020B0604030504040204" pitchFamily="34" charset="0"/>
+                <a:ea typeface="Verdana" panose="020B0604030504040204" pitchFamily="34" charset="0"/>
+              </a:rPr>
+              <a:t>remote.</a:t>
+            </a:r>
+            <a:r>
+              <a:rPr lang="en-US" sz="1800" dirty="0">
+                <a:solidFill>
+                  <a:schemeClr val="bg1"/>
+                </a:solidFill>
+                <a:latin typeface="Verdana" panose="020B0604030504040204" pitchFamily="34" charset="0"/>
+                <a:ea typeface="Verdana" panose="020B0604030504040204" pitchFamily="34" charset="0"/>
+              </a:rPr>
+              <a:t/>
+            </a:r>
+            <a:br>
+              <a:rPr lang="en-US" sz="1800" dirty="0">
+                <a:solidFill>
+                  <a:schemeClr val="bg1"/>
+                </a:solidFill>
+                <a:latin typeface="Verdana" panose="020B0604030504040204" pitchFamily="34" charset="0"/>
+                <a:ea typeface="Verdana" panose="020B0604030504040204" pitchFamily="34" charset="0"/>
+              </a:rPr>
+            </a:br>
+            <a:endParaRPr lang="en-IN" sz="1800" dirty="0">
+              <a:solidFill>
+                <a:schemeClr val="bg1"/>
+              </a:solidFill>
+              <a:latin typeface="Verdana" panose="020B0604030504040204" pitchFamily="34" charset="0"/>
+              <a:ea typeface="Verdana" panose="020B0604030504040204" pitchFamily="34" charset="0"/>
+            </a:endParaRPr>
+          </a:p>
+        </p:txBody>
+      </p:sp>
+    </p:spTree>
+    <p:extLst>
+      <p:ext uri="{BB962C8B-B14F-4D97-AF65-F5344CB8AC3E}">
+        <p14:creationId xmlns:p14="http://schemas.microsoft.com/office/powerpoint/2010/main" val="1785502920"/>
+      </p:ext>
+    </p:extLst>
+  </p:cSld>
+  <p:clrMapOvr>
+    <a:masterClrMapping/>
+  </p:clrMapOvr>
+</p:sld>
+</file>
+
+<file path=ppt/slides/slide9.xml><?xml version="1.0" encoding="utf-8"?>
+<p:sld xmlns:a="http://schemas.openxmlformats.org/drawingml/2006/main" xmlns:r="http://schemas.openxmlformats.org/officeDocument/2006/relationships" xmlns:p="http://schemas.openxmlformats.org/presentationml/2006/main">
+  <p:cSld>
+    <p:spTree>
+      <p:nvGrpSpPr>
+        <p:cNvPr id="1" name=""/>
+        <p:cNvGrpSpPr/>
+        <p:nvPr/>
+      </p:nvGrpSpPr>
+      <p:grpSpPr>
+        <a:xfrm>
+          <a:off x="0" y="0"/>
+          <a:ext cx="0" cy="0"/>
+          <a:chOff x="0" y="0"/>
+          <a:chExt cx="0" cy="0"/>
+        </a:xfrm>
+      </p:grpSpPr>
+      <p:sp>
+        <p:nvSpPr>
+          <p:cNvPr id="3" name="Subtitle 2"/>
+          <p:cNvSpPr>
+            <a:spLocks noGrp="1"/>
+          </p:cNvSpPr>
+          <p:nvPr>
+            <p:ph type="subTitle" idx="1"/>
+          </p:nvPr>
+        </p:nvSpPr>
+        <p:spPr>
+          <a:xfrm>
+            <a:off x="1100015" y="766354"/>
+            <a:ext cx="7315200" cy="4818292"/>
+          </a:xfrm>
+        </p:spPr>
+        <p:txBody>
+          <a:bodyPr/>
+          <a:lstStyle/>
+          <a:p>
+            <a:endParaRPr lang="en-IN" sz="2400" u="sng" dirty="0" smtClean="0">
+              <a:solidFill>
+                <a:schemeClr val="bg1"/>
+              </a:solidFill>
+              <a:latin typeface="Verdana" panose="020B0604030504040204" pitchFamily="34" charset="0"/>
+              <a:ea typeface="Verdana" panose="020B0604030504040204" pitchFamily="34" charset="0"/>
+            </a:endParaRPr>
+          </a:p>
+          <a:p>
+            <a:r>
+              <a:rPr lang="en-IN" sz="2400" u="sng" dirty="0" smtClean="0">
+                <a:solidFill>
+                  <a:schemeClr val="bg1"/>
+                </a:solidFill>
+                <a:latin typeface="Verdana" panose="020B0604030504040204" pitchFamily="34" charset="0"/>
+                <a:ea typeface="Verdana" panose="020B0604030504040204" pitchFamily="34" charset="0"/>
+              </a:rPr>
+              <a:t>Playback Controls</a:t>
+            </a:r>
+            <a:endParaRPr lang="en-IN" sz="2400" u="sng" dirty="0">
+              <a:solidFill>
+                <a:schemeClr val="bg1"/>
+              </a:solidFill>
+              <a:latin typeface="Verdana" panose="020B0604030504040204" pitchFamily="34" charset="0"/>
+              <a:ea typeface="Verdana" panose="020B0604030504040204" pitchFamily="34" charset="0"/>
+            </a:endParaRPr>
+          </a:p>
+          <a:p>
+            <a:pPr marL="285750" indent="-285750">
+              <a:lnSpc>
+                <a:spcPct val="130000"/>
+              </a:lnSpc>
+              <a:buClrTx/>
+              <a:buFont typeface="Wingdings" panose="05000000000000000000" pitchFamily="2" charset="2"/>
+              <a:buChar char="v"/>
+            </a:pPr>
+            <a:r>
+              <a:rPr lang="en-IN" sz="1800" dirty="0" smtClean="0">
+                <a:solidFill>
+                  <a:schemeClr val="bg1"/>
+                </a:solidFill>
+                <a:latin typeface="Verdana" panose="020B0604030504040204" pitchFamily="34" charset="0"/>
+                <a:ea typeface="Verdana" panose="020B0604030504040204" pitchFamily="34" charset="0"/>
+              </a:rPr>
+              <a:t>The User can control the video using various features provided in the remote.</a:t>
+            </a:r>
+          </a:p>
+          <a:p>
+            <a:pPr marL="285750" indent="-285750">
+              <a:lnSpc>
+                <a:spcPct val="130000"/>
+              </a:lnSpc>
+              <a:buClrTx/>
+              <a:buFont typeface="Wingdings" panose="05000000000000000000" pitchFamily="2" charset="2"/>
+              <a:buChar char="v"/>
+            </a:pPr>
+            <a:r>
+              <a:rPr lang="en-IN" sz="1800" dirty="0" smtClean="0">
+                <a:solidFill>
+                  <a:schemeClr val="bg1"/>
+                </a:solidFill>
+                <a:latin typeface="Verdana" panose="020B0604030504040204" pitchFamily="34" charset="0"/>
+                <a:ea typeface="Verdana" panose="020B0604030504040204" pitchFamily="34" charset="0"/>
+              </a:rPr>
+              <a:t>These features include, Play-Pause, Fast-Forward, Playback Rate, Volume Up-Down, Mute-Unmute, Captions, Theatre Mode, Previous Video and Next Video.</a:t>
+            </a:r>
+          </a:p>
+          <a:p>
+            <a:pPr marL="285750" indent="-285750">
+              <a:lnSpc>
+                <a:spcPct val="130000"/>
+              </a:lnSpc>
+              <a:buClrTx/>
+              <a:buFont typeface="Wingdings" panose="05000000000000000000" pitchFamily="2" charset="2"/>
+              <a:buChar char="v"/>
+            </a:pPr>
+            <a:r>
+              <a:rPr lang="en-IN" sz="1800" dirty="0" smtClean="0">
+                <a:solidFill>
+                  <a:schemeClr val="bg1"/>
+                </a:solidFill>
+                <a:latin typeface="Verdana" panose="020B0604030504040204" pitchFamily="34" charset="0"/>
+                <a:ea typeface="Verdana" panose="020B0604030504040204" pitchFamily="34" charset="0"/>
+              </a:rPr>
+              <a:t>These features can be accessed by pressing the respective buttons on the remote, which can be identified using the intuitive icons.</a:t>
+            </a:r>
+            <a:endParaRPr lang="en-IN" dirty="0">
+              <a:solidFill>
+                <a:schemeClr val="bg1"/>
+              </a:solidFill>
+              <a:latin typeface="Verdana" panose="020B0604030504040204" pitchFamily="34" charset="0"/>
+              <a:ea typeface="Verdana" panose="020B0604030504040204" pitchFamily="34" charset="0"/>
+            </a:endParaRPr>
+          </a:p>
+        </p:txBody>
+      </p:sp>
+    </p:spTree>
+    <p:extLst>
+      <p:ext uri="{BB962C8B-B14F-4D97-AF65-F5344CB8AC3E}">
+        <p14:creationId xmlns:p14="http://schemas.microsoft.com/office/powerpoint/2010/main" val="849817965"/>
       </p:ext>
     </p:extLst>
   </p:cSld>

--- a/Presentation1.pptx
+++ b/Presentation1.pptx
@@ -9,16 +9,17 @@
     <p:sldId id="257" r:id="rId3"/>
     <p:sldId id="258" r:id="rId4"/>
     <p:sldId id="266" r:id="rId5"/>
-    <p:sldId id="259" r:id="rId6"/>
-    <p:sldId id="260" r:id="rId7"/>
-    <p:sldId id="261" r:id="rId8"/>
-    <p:sldId id="262" r:id="rId9"/>
-    <p:sldId id="263" r:id="rId10"/>
-    <p:sldId id="264" r:id="rId11"/>
-    <p:sldId id="265" r:id="rId12"/>
-    <p:sldId id="267" r:id="rId13"/>
-    <p:sldId id="268" r:id="rId14"/>
-    <p:sldId id="269" r:id="rId15"/>
+    <p:sldId id="270" r:id="rId6"/>
+    <p:sldId id="259" r:id="rId7"/>
+    <p:sldId id="260" r:id="rId8"/>
+    <p:sldId id="261" r:id="rId9"/>
+    <p:sldId id="262" r:id="rId10"/>
+    <p:sldId id="263" r:id="rId11"/>
+    <p:sldId id="264" r:id="rId12"/>
+    <p:sldId id="265" r:id="rId13"/>
+    <p:sldId id="267" r:id="rId14"/>
+    <p:sldId id="268" r:id="rId15"/>
+    <p:sldId id="269" r:id="rId16"/>
   </p:sldIdLst>
   <p:sldSz cx="12192000" cy="6858000"/>
   <p:notesSz cx="6858000" cy="9144000"/>
@@ -3528,6 +3529,152 @@
         </p:nvSpPr>
         <p:spPr>
           <a:xfrm>
+            <a:off x="1100015" y="766354"/>
+            <a:ext cx="7315200" cy="4818292"/>
+          </a:xfrm>
+        </p:spPr>
+        <p:txBody>
+          <a:bodyPr/>
+          <a:lstStyle/>
+          <a:p>
+            <a:endParaRPr lang="en-IN" sz="2400" u="sng" dirty="0" smtClean="0">
+              <a:solidFill>
+                <a:schemeClr val="bg1"/>
+              </a:solidFill>
+              <a:latin typeface="Verdana" panose="020B0604030504040204" pitchFamily="34" charset="0"/>
+              <a:ea typeface="Verdana" panose="020B0604030504040204" pitchFamily="34" charset="0"/>
+            </a:endParaRPr>
+          </a:p>
+          <a:p>
+            <a:r>
+              <a:rPr lang="en-IN" sz="2400" u="sng" dirty="0" smtClean="0">
+                <a:solidFill>
+                  <a:schemeClr val="bg1"/>
+                </a:solidFill>
+                <a:latin typeface="Verdana" panose="020B0604030504040204" pitchFamily="34" charset="0"/>
+                <a:ea typeface="Verdana" panose="020B0604030504040204" pitchFamily="34" charset="0"/>
+              </a:rPr>
+              <a:t>Playback Controls</a:t>
+            </a:r>
+            <a:endParaRPr lang="en-IN" sz="2400" u="sng" dirty="0">
+              <a:solidFill>
+                <a:schemeClr val="bg1"/>
+              </a:solidFill>
+              <a:latin typeface="Verdana" panose="020B0604030504040204" pitchFamily="34" charset="0"/>
+              <a:ea typeface="Verdana" panose="020B0604030504040204" pitchFamily="34" charset="0"/>
+            </a:endParaRPr>
+          </a:p>
+          <a:p>
+            <a:pPr marL="285750" indent="-285750">
+              <a:lnSpc>
+                <a:spcPct val="130000"/>
+              </a:lnSpc>
+              <a:buClrTx/>
+              <a:buFont typeface="Wingdings" panose="05000000000000000000" pitchFamily="2" charset="2"/>
+              <a:buChar char="v"/>
+            </a:pPr>
+            <a:r>
+              <a:rPr lang="en-IN" sz="1800" dirty="0" smtClean="0">
+                <a:solidFill>
+                  <a:schemeClr val="bg1"/>
+                </a:solidFill>
+                <a:latin typeface="Verdana" panose="020B0604030504040204" pitchFamily="34" charset="0"/>
+                <a:ea typeface="Verdana" panose="020B0604030504040204" pitchFamily="34" charset="0"/>
+              </a:rPr>
+              <a:t>The User can control the video using various features provided in the remote.</a:t>
+            </a:r>
+          </a:p>
+          <a:p>
+            <a:pPr marL="285750" indent="-285750">
+              <a:lnSpc>
+                <a:spcPct val="130000"/>
+              </a:lnSpc>
+              <a:buClrTx/>
+              <a:buFont typeface="Wingdings" panose="05000000000000000000" pitchFamily="2" charset="2"/>
+              <a:buChar char="v"/>
+            </a:pPr>
+            <a:r>
+              <a:rPr lang="en-IN" sz="1800" dirty="0" smtClean="0">
+                <a:solidFill>
+                  <a:schemeClr val="bg1"/>
+                </a:solidFill>
+                <a:latin typeface="Verdana" panose="020B0604030504040204" pitchFamily="34" charset="0"/>
+                <a:ea typeface="Verdana" panose="020B0604030504040204" pitchFamily="34" charset="0"/>
+              </a:rPr>
+              <a:t>These features include, Play-Pause, Fast-Forward, Playback Rate, Volume Up-Down, Mute-Unmute, Captions, Theatre Mode, Previous Video and Next Video.</a:t>
+            </a:r>
+          </a:p>
+          <a:p>
+            <a:pPr marL="285750" indent="-285750">
+              <a:lnSpc>
+                <a:spcPct val="130000"/>
+              </a:lnSpc>
+              <a:buClrTx/>
+              <a:buFont typeface="Wingdings" panose="05000000000000000000" pitchFamily="2" charset="2"/>
+              <a:buChar char="v"/>
+            </a:pPr>
+            <a:r>
+              <a:rPr lang="en-IN" sz="1800" dirty="0" smtClean="0">
+                <a:solidFill>
+                  <a:schemeClr val="bg1"/>
+                </a:solidFill>
+                <a:latin typeface="Verdana" panose="020B0604030504040204" pitchFamily="34" charset="0"/>
+                <a:ea typeface="Verdana" panose="020B0604030504040204" pitchFamily="34" charset="0"/>
+              </a:rPr>
+              <a:t>These features can be accessed by pressing the respective buttons on the remote, which can be identified using the intuitive icons.</a:t>
+            </a:r>
+            <a:endParaRPr lang="en-IN" dirty="0">
+              <a:solidFill>
+                <a:schemeClr val="bg1"/>
+              </a:solidFill>
+              <a:latin typeface="Verdana" panose="020B0604030504040204" pitchFamily="34" charset="0"/>
+              <a:ea typeface="Verdana" panose="020B0604030504040204" pitchFamily="34" charset="0"/>
+            </a:endParaRPr>
+          </a:p>
+        </p:txBody>
+      </p:sp>
+    </p:spTree>
+    <p:extLst>
+      <p:ext uri="{BB962C8B-B14F-4D97-AF65-F5344CB8AC3E}">
+        <p14:creationId xmlns:p14="http://schemas.microsoft.com/office/powerpoint/2010/main" val="849817965"/>
+      </p:ext>
+    </p:extLst>
+  </p:cSld>
+  <p:clrMapOvr>
+    <a:masterClrMapping/>
+  </p:clrMapOvr>
+</p:sld>
+</file>
+
+<file path=ppt/slides/slide11.xml><?xml version="1.0" encoding="utf-8"?>
+<p:sld xmlns:a="http://schemas.openxmlformats.org/drawingml/2006/main" xmlns:r="http://schemas.openxmlformats.org/officeDocument/2006/relationships" xmlns:p="http://schemas.openxmlformats.org/presentationml/2006/main">
+  <p:cSld>
+    <p:spTree>
+      <p:nvGrpSpPr>
+        <p:cNvPr id="1" name=""/>
+        <p:cNvGrpSpPr/>
+        <p:nvPr/>
+      </p:nvGrpSpPr>
+      <p:grpSpPr>
+        <a:xfrm>
+          <a:off x="0" y="0"/>
+          <a:ext cx="0" cy="0"/>
+          <a:chOff x="0" y="0"/>
+          <a:chExt cx="0" cy="0"/>
+        </a:xfrm>
+      </p:grpSpPr>
+      <p:sp>
+        <p:nvSpPr>
+          <p:cNvPr id="3" name="Subtitle 2"/>
+          <p:cNvSpPr>
+            <a:spLocks noGrp="1"/>
+          </p:cNvSpPr>
+          <p:nvPr>
+            <p:ph type="subTitle" idx="1"/>
+          </p:nvPr>
+        </p:nvSpPr>
+        <p:spPr>
+          <a:xfrm>
             <a:off x="1100015" y="757645"/>
             <a:ext cx="7315200" cy="5991497"/>
           </a:xfrm>
@@ -3673,7 +3820,7 @@
         </p:blipFill>
         <p:spPr bwMode="auto">
           <a:xfrm>
-            <a:off x="8194766" y="818606"/>
+            <a:off x="7997204" y="853440"/>
             <a:ext cx="836022" cy="830558"/>
           </a:xfrm>
           <a:prstGeom prst="roundRect">
@@ -3714,163 +3861,39 @@
           </a:extLst>
         </p:spPr>
       </p:pic>
+      <p:pic>
+        <p:nvPicPr>
+          <p:cNvPr id="4" name="Picture 3"/>
+          <p:cNvPicPr>
+            <a:picLocks noChangeAspect="1"/>
+          </p:cNvPicPr>
+          <p:nvPr/>
+        </p:nvPicPr>
+        <p:blipFill rotWithShape="1">
+          <a:blip r:embed="rId3">
+            <a:extLst>
+              <a:ext uri="{28A0092B-C50C-407E-A947-70E740481C1C}">
+                <a14:useLocalDpi xmlns:a14="http://schemas.microsoft.com/office/drawing/2010/main" val="0"/>
+              </a:ext>
+            </a:extLst>
+          </a:blip>
+          <a:srcRect l="8885" r="12151" b="5865"/>
+          <a:stretch/>
+        </p:blipFill>
+        <p:spPr>
+          <a:xfrm>
+            <a:off x="9257212" y="757645"/>
+            <a:ext cx="2945190" cy="5312229"/>
+          </a:xfrm>
+          <a:prstGeom prst="rect">
+            <a:avLst/>
+          </a:prstGeom>
+        </p:spPr>
+      </p:pic>
     </p:spTree>
     <p:extLst>
       <p:ext uri="{BB962C8B-B14F-4D97-AF65-F5344CB8AC3E}">
         <p14:creationId xmlns:p14="http://schemas.microsoft.com/office/powerpoint/2010/main" val="3117870993"/>
-      </p:ext>
-    </p:extLst>
-  </p:cSld>
-  <p:clrMapOvr>
-    <a:masterClrMapping/>
-  </p:clrMapOvr>
-</p:sld>
-</file>
-
-<file path=ppt/slides/slide11.xml><?xml version="1.0" encoding="utf-8"?>
-<p:sld xmlns:a="http://schemas.openxmlformats.org/drawingml/2006/main" xmlns:r="http://schemas.openxmlformats.org/officeDocument/2006/relationships" xmlns:p="http://schemas.openxmlformats.org/presentationml/2006/main">
-  <p:cSld>
-    <p:spTree>
-      <p:nvGrpSpPr>
-        <p:cNvPr id="1" name=""/>
-        <p:cNvGrpSpPr/>
-        <p:nvPr/>
-      </p:nvGrpSpPr>
-      <p:grpSpPr>
-        <a:xfrm>
-          <a:off x="0" y="0"/>
-          <a:ext cx="0" cy="0"/>
-          <a:chOff x="0" y="0"/>
-          <a:chExt cx="0" cy="0"/>
-        </a:xfrm>
-      </p:grpSpPr>
-      <p:sp>
-        <p:nvSpPr>
-          <p:cNvPr id="3" name="Subtitle 2"/>
-          <p:cNvSpPr>
-            <a:spLocks noGrp="1"/>
-          </p:cNvSpPr>
-          <p:nvPr>
-            <p:ph type="subTitle" idx="1"/>
-          </p:nvPr>
-        </p:nvSpPr>
-        <p:spPr>
-          <a:xfrm>
-            <a:off x="1100015" y="748937"/>
-            <a:ext cx="7315200" cy="4835709"/>
-          </a:xfrm>
-        </p:spPr>
-        <p:txBody>
-          <a:bodyPr/>
-          <a:lstStyle/>
-          <a:p>
-            <a:endParaRPr lang="en-IN" dirty="0"/>
-          </a:p>
-          <a:p>
-            <a:r>
-              <a:rPr lang="en-IN" sz="2400" u="sng" dirty="0" smtClean="0">
-                <a:solidFill>
-                  <a:schemeClr val="bg1"/>
-                </a:solidFill>
-                <a:latin typeface="Verdana" panose="020B0604030504040204" pitchFamily="34" charset="0"/>
-                <a:ea typeface="Verdana" panose="020B0604030504040204" pitchFamily="34" charset="0"/>
-              </a:rPr>
-              <a:t>Skipping of Advertisements</a:t>
-            </a:r>
-            <a:endParaRPr lang="en-IN" sz="1800" u="sng" dirty="0" smtClean="0">
-              <a:solidFill>
-                <a:schemeClr val="bg1"/>
-              </a:solidFill>
-              <a:latin typeface="Verdana" panose="020B0604030504040204" pitchFamily="34" charset="0"/>
-              <a:ea typeface="Verdana" panose="020B0604030504040204" pitchFamily="34" charset="0"/>
-            </a:endParaRPr>
-          </a:p>
-          <a:p>
-            <a:pPr marL="285750" indent="-285750">
-              <a:lnSpc>
-                <a:spcPct val="130000"/>
-              </a:lnSpc>
-              <a:buClrTx/>
-              <a:buFont typeface="Wingdings" panose="05000000000000000000" pitchFamily="2" charset="2"/>
-              <a:buChar char="v"/>
-            </a:pPr>
-            <a:r>
-              <a:rPr lang="en-IN" sz="1800" dirty="0" smtClean="0">
-                <a:solidFill>
-                  <a:schemeClr val="bg1"/>
-                </a:solidFill>
-                <a:latin typeface="Verdana" panose="020B0604030504040204" pitchFamily="34" charset="0"/>
-                <a:ea typeface="Verdana" panose="020B0604030504040204" pitchFamily="34" charset="0"/>
-              </a:rPr>
-              <a:t>Ads maybe one of the most annoying items on a user’s list.</a:t>
-            </a:r>
-          </a:p>
-          <a:p>
-            <a:pPr marL="285750" indent="-285750">
-              <a:lnSpc>
-                <a:spcPct val="130000"/>
-              </a:lnSpc>
-              <a:buClrTx/>
-              <a:buFont typeface="Wingdings" panose="05000000000000000000" pitchFamily="2" charset="2"/>
-              <a:buChar char="v"/>
-            </a:pPr>
-            <a:r>
-              <a:rPr lang="en-IN" sz="1800" dirty="0" smtClean="0">
-                <a:solidFill>
-                  <a:schemeClr val="bg1"/>
-                </a:solidFill>
-                <a:latin typeface="Verdana" panose="020B0604030504040204" pitchFamily="34" charset="0"/>
-                <a:ea typeface="Verdana" panose="020B0604030504040204" pitchFamily="34" charset="0"/>
-              </a:rPr>
-              <a:t>We have minimised these ads using </a:t>
-            </a:r>
-            <a:r>
-              <a:rPr lang="en-IN" sz="1800" dirty="0" err="1" smtClean="0">
-                <a:solidFill>
-                  <a:schemeClr val="bg1"/>
-                </a:solidFill>
-                <a:latin typeface="Verdana" panose="020B0604030504040204" pitchFamily="34" charset="0"/>
-                <a:ea typeface="Verdana" panose="020B0604030504040204" pitchFamily="34" charset="0"/>
-              </a:rPr>
-              <a:t>Javascript</a:t>
-            </a:r>
-            <a:r>
-              <a:rPr lang="en-IN" sz="1800" dirty="0" smtClean="0">
-                <a:solidFill>
-                  <a:schemeClr val="bg1"/>
-                </a:solidFill>
-                <a:latin typeface="Verdana" panose="020B0604030504040204" pitchFamily="34" charset="0"/>
-                <a:ea typeface="Verdana" panose="020B0604030504040204" pitchFamily="34" charset="0"/>
-              </a:rPr>
-              <a:t> code. All the skippable ads are already removed from the user’s path. </a:t>
-            </a:r>
-          </a:p>
-          <a:p>
-            <a:pPr marL="285750" indent="-285750">
-              <a:lnSpc>
-                <a:spcPct val="130000"/>
-              </a:lnSpc>
-              <a:buClrTx/>
-              <a:buFont typeface="Wingdings" panose="05000000000000000000" pitchFamily="2" charset="2"/>
-              <a:buChar char="v"/>
-            </a:pPr>
-            <a:r>
-              <a:rPr lang="en-IN" sz="1800" dirty="0" smtClean="0">
-                <a:solidFill>
-                  <a:schemeClr val="bg1"/>
-                </a:solidFill>
-                <a:latin typeface="Verdana" panose="020B0604030504040204" pitchFamily="34" charset="0"/>
-                <a:ea typeface="Verdana" panose="020B0604030504040204" pitchFamily="34" charset="0"/>
-              </a:rPr>
-              <a:t>Although, we still recommend the user to use an ad-blocker for the best user experience.</a:t>
-            </a:r>
-          </a:p>
-        </p:txBody>
-      </p:sp>
-    </p:spTree>
-    <p:extLst>
-      <p:ext uri="{BB962C8B-B14F-4D97-AF65-F5344CB8AC3E}">
-        <p14:creationId xmlns:p14="http://schemas.microsoft.com/office/powerpoint/2010/main" val="434146061"/>
       </p:ext>
     </p:extLst>
   </p:cSld>
@@ -3909,17 +3932,15 @@
         </p:nvSpPr>
         <p:spPr>
           <a:xfrm>
-            <a:off x="1100015" y="766354"/>
-            <a:ext cx="7315200" cy="5477692"/>
+            <a:off x="1100015" y="748937"/>
+            <a:ext cx="7315200" cy="4835709"/>
           </a:xfrm>
         </p:spPr>
         <p:txBody>
-          <a:bodyPr>
-            <a:normAutofit/>
-          </a:bodyPr>
+          <a:bodyPr/>
           <a:lstStyle/>
           <a:p>
-            <a:endParaRPr lang="en-US" dirty="0" smtClean="0"/>
+            <a:endParaRPr lang="en-IN" dirty="0"/>
           </a:p>
           <a:p>
             <a:r>
@@ -3930,7 +3951,7 @@
                 <a:latin typeface="Verdana" panose="020B0604030504040204" pitchFamily="34" charset="0"/>
                 <a:ea typeface="Verdana" panose="020B0604030504040204" pitchFamily="34" charset="0"/>
               </a:rPr>
-              <a:t>Unique Selling Proposition (USP).</a:t>
+              <a:t>Skipping of Advertisements</a:t>
             </a:r>
             <a:endParaRPr lang="en-IN" sz="1800" u="sng" dirty="0" smtClean="0">
               <a:solidFill>
@@ -3950,94 +3971,14 @@
               <a:buChar char="v"/>
             </a:pPr>
             <a:r>
-              <a:rPr lang="en-US" sz="1800" dirty="0" smtClean="0">
-                <a:solidFill>
-                  <a:schemeClr val="bg1"/>
-                </a:solidFill>
-                <a:latin typeface="Verdana" panose="020B0604030504040204" pitchFamily="34" charset="0"/>
-                <a:ea typeface="Verdana" panose="020B0604030504040204" pitchFamily="34" charset="0"/>
-              </a:rPr>
-              <a:t>This project is </a:t>
-            </a:r>
-            <a:r>
-              <a:rPr lang="en-US" sz="1800" dirty="0">
-                <a:solidFill>
-                  <a:schemeClr val="bg1"/>
-                </a:solidFill>
-                <a:latin typeface="Verdana" panose="020B0604030504040204" pitchFamily="34" charset="0"/>
-                <a:ea typeface="Verdana" panose="020B0604030504040204" pitchFamily="34" charset="0"/>
-              </a:rPr>
-              <a:t>one of its kind. </a:t>
-            </a:r>
-            <a:r>
-              <a:rPr lang="en-US" sz="1800" dirty="0" smtClean="0">
-                <a:solidFill>
-                  <a:schemeClr val="bg1"/>
-                </a:solidFill>
-                <a:latin typeface="Verdana" panose="020B0604030504040204" pitchFamily="34" charset="0"/>
-                <a:ea typeface="Verdana" panose="020B0604030504040204" pitchFamily="34" charset="0"/>
-              </a:rPr>
-              <a:t>Currently, in the market </a:t>
-            </a:r>
-            <a:r>
-              <a:rPr lang="en-US" sz="1800" dirty="0">
-                <a:solidFill>
-                  <a:schemeClr val="bg1"/>
-                </a:solidFill>
-                <a:latin typeface="Verdana" panose="020B0604030504040204" pitchFamily="34" charset="0"/>
-                <a:ea typeface="Verdana" panose="020B0604030504040204" pitchFamily="34" charset="0"/>
-              </a:rPr>
-              <a:t>there’s no </a:t>
-            </a:r>
-            <a:r>
-              <a:rPr lang="en-US" sz="1800" dirty="0" smtClean="0">
-                <a:solidFill>
-                  <a:schemeClr val="bg1"/>
-                </a:solidFill>
-                <a:latin typeface="Verdana" panose="020B0604030504040204" pitchFamily="34" charset="0"/>
-                <a:ea typeface="Verdana" panose="020B0604030504040204" pitchFamily="34" charset="0"/>
-              </a:rPr>
-              <a:t>Extension </a:t>
-            </a:r>
-            <a:r>
-              <a:rPr lang="en-US" sz="1800" dirty="0">
-                <a:solidFill>
-                  <a:schemeClr val="bg1"/>
-                </a:solidFill>
-                <a:latin typeface="Verdana" panose="020B0604030504040204" pitchFamily="34" charset="0"/>
-                <a:ea typeface="Verdana" panose="020B0604030504040204" pitchFamily="34" charset="0"/>
-              </a:rPr>
-              <a:t>through which one can control </a:t>
-            </a:r>
-            <a:r>
-              <a:rPr lang="en-US" sz="1800" dirty="0" err="1">
-                <a:solidFill>
-                  <a:schemeClr val="bg1"/>
-                </a:solidFill>
-                <a:latin typeface="Verdana" panose="020B0604030504040204" pitchFamily="34" charset="0"/>
-                <a:ea typeface="Verdana" panose="020B0604030504040204" pitchFamily="34" charset="0"/>
-              </a:rPr>
-              <a:t>Y</a:t>
-            </a:r>
-            <a:r>
-              <a:rPr lang="en-US" sz="1800" dirty="0" err="1" smtClean="0">
-                <a:solidFill>
-                  <a:schemeClr val="bg1"/>
-                </a:solidFill>
-                <a:latin typeface="Verdana" panose="020B0604030504040204" pitchFamily="34" charset="0"/>
-                <a:ea typeface="Verdana" panose="020B0604030504040204" pitchFamily="34" charset="0"/>
-              </a:rPr>
-              <a:t>outube</a:t>
-            </a:r>
-            <a:r>
-              <a:rPr lang="en-US" sz="1800" dirty="0" smtClean="0">
-                <a:solidFill>
-                  <a:schemeClr val="bg1"/>
-                </a:solidFill>
-                <a:latin typeface="Verdana" panose="020B0604030504040204" pitchFamily="34" charset="0"/>
-                <a:ea typeface="Verdana" panose="020B0604030504040204" pitchFamily="34" charset="0"/>
-              </a:rPr>
-              <a:t> remotely. </a:t>
+              <a:rPr lang="en-IN" sz="1800" dirty="0" smtClean="0">
+                <a:solidFill>
+                  <a:schemeClr val="bg1"/>
+                </a:solidFill>
+                <a:latin typeface="Verdana" panose="020B0604030504040204" pitchFamily="34" charset="0"/>
+                <a:ea typeface="Verdana" panose="020B0604030504040204" pitchFamily="34" charset="0"/>
+              </a:rPr>
+              <a:t>Ads maybe one of the most annoying items on a user’s list.</a:t>
             </a:r>
           </a:p>
           <a:p>
@@ -4050,84 +3991,34 @@
               <a:buChar char="v"/>
             </a:pPr>
             <a:r>
-              <a:rPr lang="en-US" sz="1800" dirty="0" smtClean="0">
-                <a:solidFill>
-                  <a:schemeClr val="bg1"/>
-                </a:solidFill>
-                <a:latin typeface="Verdana" panose="020B0604030504040204" pitchFamily="34" charset="0"/>
-                <a:ea typeface="Verdana" panose="020B0604030504040204" pitchFamily="34" charset="0"/>
-              </a:rPr>
-              <a:t>Through this, one </a:t>
-            </a:r>
-            <a:r>
-              <a:rPr lang="en-US" sz="1800" dirty="0">
-                <a:solidFill>
-                  <a:schemeClr val="bg1"/>
-                </a:solidFill>
-                <a:latin typeface="Verdana" panose="020B0604030504040204" pitchFamily="34" charset="0"/>
-                <a:ea typeface="Verdana" panose="020B0604030504040204" pitchFamily="34" charset="0"/>
-              </a:rPr>
-              <a:t>can sit back and control </a:t>
-            </a:r>
-            <a:r>
-              <a:rPr lang="en-US" sz="1800" dirty="0" smtClean="0">
-                <a:solidFill>
-                  <a:schemeClr val="bg1"/>
-                </a:solidFill>
-                <a:latin typeface="Verdana" panose="020B0604030504040204" pitchFamily="34" charset="0"/>
-                <a:ea typeface="Verdana" panose="020B0604030504040204" pitchFamily="34" charset="0"/>
-              </a:rPr>
-              <a:t>their </a:t>
-            </a:r>
-            <a:r>
-              <a:rPr lang="en-US" sz="1800" dirty="0" err="1">
-                <a:solidFill>
-                  <a:schemeClr val="bg1"/>
-                </a:solidFill>
-                <a:latin typeface="Verdana" panose="020B0604030504040204" pitchFamily="34" charset="0"/>
-                <a:ea typeface="Verdana" panose="020B0604030504040204" pitchFamily="34" charset="0"/>
-              </a:rPr>
-              <a:t>Youtube</a:t>
-            </a:r>
-            <a:r>
-              <a:rPr lang="en-US" sz="1800" dirty="0">
-                <a:solidFill>
-                  <a:schemeClr val="bg1"/>
-                </a:solidFill>
-                <a:latin typeface="Verdana" panose="020B0604030504040204" pitchFamily="34" charset="0"/>
-                <a:ea typeface="Verdana" panose="020B0604030504040204" pitchFamily="34" charset="0"/>
-              </a:rPr>
-              <a:t> from their phone and still enjoy the experience of </a:t>
-            </a:r>
-            <a:r>
-              <a:rPr lang="en-US" sz="1800" dirty="0" smtClean="0">
-                <a:solidFill>
-                  <a:schemeClr val="bg1"/>
-                </a:solidFill>
-                <a:latin typeface="Verdana" panose="020B0604030504040204" pitchFamily="34" charset="0"/>
-                <a:ea typeface="Verdana" panose="020B0604030504040204" pitchFamily="34" charset="0"/>
-              </a:rPr>
-              <a:t>the </a:t>
-            </a:r>
-            <a:r>
-              <a:rPr lang="en-US" sz="1800" dirty="0">
-                <a:solidFill>
-                  <a:schemeClr val="bg1"/>
-                </a:solidFill>
-                <a:latin typeface="Verdana" panose="020B0604030504040204" pitchFamily="34" charset="0"/>
-                <a:ea typeface="Verdana" panose="020B0604030504040204" pitchFamily="34" charset="0"/>
-              </a:rPr>
-              <a:t>big screen view</a:t>
-            </a:r>
-            <a:r>
-              <a:rPr lang="en-US" sz="1800" dirty="0" smtClean="0">
-                <a:solidFill>
-                  <a:schemeClr val="bg1"/>
-                </a:solidFill>
-                <a:latin typeface="Verdana" panose="020B0604030504040204" pitchFamily="34" charset="0"/>
-                <a:ea typeface="Verdana" panose="020B0604030504040204" pitchFamily="34" charset="0"/>
-              </a:rPr>
-              <a:t>. </a:t>
+              <a:rPr lang="en-IN" sz="1800" dirty="0" smtClean="0">
+                <a:solidFill>
+                  <a:schemeClr val="bg1"/>
+                </a:solidFill>
+                <a:latin typeface="Verdana" panose="020B0604030504040204" pitchFamily="34" charset="0"/>
+                <a:ea typeface="Verdana" panose="020B0604030504040204" pitchFamily="34" charset="0"/>
+              </a:rPr>
+              <a:t>We have minimised these ads using </a:t>
+            </a:r>
+            <a:r>
+              <a:rPr lang="en-IN" sz="1800" dirty="0" err="1" smtClean="0">
+                <a:solidFill>
+                  <a:schemeClr val="bg1"/>
+                </a:solidFill>
+                <a:latin typeface="Verdana" panose="020B0604030504040204" pitchFamily="34" charset="0"/>
+                <a:ea typeface="Verdana" panose="020B0604030504040204" pitchFamily="34" charset="0"/>
+              </a:rPr>
+              <a:t>Javascript</a:t>
+            </a:r>
+            <a:r>
+              <a:rPr lang="en-IN" sz="1800" dirty="0" smtClean="0">
+                <a:solidFill>
+                  <a:schemeClr val="bg1"/>
+                </a:solidFill>
+                <a:latin typeface="Verdana" panose="020B0604030504040204" pitchFamily="34" charset="0"/>
+                <a:ea typeface="Verdana" panose="020B0604030504040204" pitchFamily="34" charset="0"/>
+              </a:rPr>
+              <a:t> code. All the skippable ads are already removed from the user’s path. </a:t>
             </a:r>
           </a:p>
           <a:p>
@@ -4140,30 +4031,22 @@
               <a:buChar char="v"/>
             </a:pPr>
             <a:r>
-              <a:rPr lang="en-US" sz="1800" dirty="0" smtClean="0">
-                <a:solidFill>
-                  <a:schemeClr val="bg1"/>
-                </a:solidFill>
-                <a:latin typeface="Verdana" panose="020B0604030504040204" pitchFamily="34" charset="0"/>
-                <a:ea typeface="Verdana" panose="020B0604030504040204" pitchFamily="34" charset="0"/>
-              </a:rPr>
-              <a:t>Even you can control my screen through your mobile, and that’s what we are going to demonstrate in this demonstration.</a:t>
-            </a:r>
-            <a:r>
-              <a:rPr lang="en-US" dirty="0"/>
-              <a:t/>
-            </a:r>
-            <a:br>
-              <a:rPr lang="en-US" dirty="0"/>
-            </a:br>
-            <a:endParaRPr lang="en-IN" dirty="0"/>
+              <a:rPr lang="en-IN" sz="1800" dirty="0" smtClean="0">
+                <a:solidFill>
+                  <a:schemeClr val="bg1"/>
+                </a:solidFill>
+                <a:latin typeface="Verdana" panose="020B0604030504040204" pitchFamily="34" charset="0"/>
+                <a:ea typeface="Verdana" panose="020B0604030504040204" pitchFamily="34" charset="0"/>
+              </a:rPr>
+              <a:t>Although, we still recommend the user to use an ad-blocker for the best user experience.</a:t>
+            </a:r>
           </a:p>
         </p:txBody>
       </p:sp>
     </p:spTree>
     <p:extLst>
       <p:ext uri="{BB962C8B-B14F-4D97-AF65-F5344CB8AC3E}">
-        <p14:creationId xmlns:p14="http://schemas.microsoft.com/office/powerpoint/2010/main" val="810567064"/>
+        <p14:creationId xmlns:p14="http://schemas.microsoft.com/office/powerpoint/2010/main" val="434146061"/>
       </p:ext>
     </p:extLst>
   </p:cSld>
@@ -4250,7 +4133,87 @@
                 <a:latin typeface="Verdana" panose="020B0604030504040204" pitchFamily="34" charset="0"/>
                 <a:ea typeface="Verdana" panose="020B0604030504040204" pitchFamily="34" charset="0"/>
               </a:rPr>
-              <a:t>This remote has more reach because its available for everyone connected to internet.</a:t>
+              <a:t>This project is </a:t>
+            </a:r>
+            <a:r>
+              <a:rPr lang="en-US" sz="1800" dirty="0">
+                <a:solidFill>
+                  <a:schemeClr val="bg1"/>
+                </a:solidFill>
+                <a:latin typeface="Verdana" panose="020B0604030504040204" pitchFamily="34" charset="0"/>
+                <a:ea typeface="Verdana" panose="020B0604030504040204" pitchFamily="34" charset="0"/>
+              </a:rPr>
+              <a:t>one of its kind. </a:t>
+            </a:r>
+            <a:r>
+              <a:rPr lang="en-US" sz="1800" dirty="0" smtClean="0">
+                <a:solidFill>
+                  <a:schemeClr val="bg1"/>
+                </a:solidFill>
+                <a:latin typeface="Verdana" panose="020B0604030504040204" pitchFamily="34" charset="0"/>
+                <a:ea typeface="Verdana" panose="020B0604030504040204" pitchFamily="34" charset="0"/>
+              </a:rPr>
+              <a:t>Currently, in the market </a:t>
+            </a:r>
+            <a:r>
+              <a:rPr lang="en-US" sz="1800" dirty="0">
+                <a:solidFill>
+                  <a:schemeClr val="bg1"/>
+                </a:solidFill>
+                <a:latin typeface="Verdana" panose="020B0604030504040204" pitchFamily="34" charset="0"/>
+                <a:ea typeface="Verdana" panose="020B0604030504040204" pitchFamily="34" charset="0"/>
+              </a:rPr>
+              <a:t>there’s no </a:t>
+            </a:r>
+            <a:r>
+              <a:rPr lang="en-US" sz="1800" dirty="0" smtClean="0">
+                <a:solidFill>
+                  <a:schemeClr val="bg1"/>
+                </a:solidFill>
+                <a:latin typeface="Verdana" panose="020B0604030504040204" pitchFamily="34" charset="0"/>
+                <a:ea typeface="Verdana" panose="020B0604030504040204" pitchFamily="34" charset="0"/>
+              </a:rPr>
+              <a:t>Extension </a:t>
+            </a:r>
+            <a:r>
+              <a:rPr lang="en-US" sz="1800" dirty="0">
+                <a:solidFill>
+                  <a:schemeClr val="bg1"/>
+                </a:solidFill>
+                <a:latin typeface="Verdana" panose="020B0604030504040204" pitchFamily="34" charset="0"/>
+                <a:ea typeface="Verdana" panose="020B0604030504040204" pitchFamily="34" charset="0"/>
+              </a:rPr>
+              <a:t>through which one can control </a:t>
+            </a:r>
+            <a:r>
+              <a:rPr lang="en-US" sz="1800" dirty="0" err="1">
+                <a:solidFill>
+                  <a:schemeClr val="bg1"/>
+                </a:solidFill>
+                <a:latin typeface="Verdana" panose="020B0604030504040204" pitchFamily="34" charset="0"/>
+                <a:ea typeface="Verdana" panose="020B0604030504040204" pitchFamily="34" charset="0"/>
+              </a:rPr>
+              <a:t>Y</a:t>
+            </a:r>
+            <a:r>
+              <a:rPr lang="en-US" sz="1800" dirty="0" err="1" smtClean="0">
+                <a:solidFill>
+                  <a:schemeClr val="bg1"/>
+                </a:solidFill>
+                <a:latin typeface="Verdana" panose="020B0604030504040204" pitchFamily="34" charset="0"/>
+                <a:ea typeface="Verdana" panose="020B0604030504040204" pitchFamily="34" charset="0"/>
+              </a:rPr>
+              <a:t>outube</a:t>
+            </a:r>
+            <a:r>
+              <a:rPr lang="en-US" sz="1800" dirty="0" smtClean="0">
+                <a:solidFill>
+                  <a:schemeClr val="bg1"/>
+                </a:solidFill>
+                <a:latin typeface="Verdana" panose="020B0604030504040204" pitchFamily="34" charset="0"/>
+                <a:ea typeface="Verdana" panose="020B0604030504040204" pitchFamily="34" charset="0"/>
+              </a:rPr>
+              <a:t> remotely. </a:t>
             </a:r>
           </a:p>
           <a:p>
@@ -4270,7 +4233,7 @@
                 <a:latin typeface="Verdana" panose="020B0604030504040204" pitchFamily="34" charset="0"/>
                 <a:ea typeface="Verdana" panose="020B0604030504040204" pitchFamily="34" charset="0"/>
               </a:rPr>
-              <a:t>This </a:t>
+              <a:t>Through this, one </a:t>
             </a:r>
             <a:r>
               <a:rPr lang="en-US" sz="1800" dirty="0">
@@ -4280,15 +4243,88 @@
                 <a:latin typeface="Verdana" panose="020B0604030504040204" pitchFamily="34" charset="0"/>
                 <a:ea typeface="Verdana" panose="020B0604030504040204" pitchFamily="34" charset="0"/>
               </a:rPr>
-              <a:t>can be of great help to those people who want to connect their laptop  to big screen via HDMI port to enjoy their streaming on big screen without having to  control on laptop</a:t>
-            </a:r>
-            <a:r>
-              <a:rPr lang="en-US" dirty="0"/>
-              <a:t>.</a:t>
-            </a:r>
-            <a:endParaRPr lang="en-US" dirty="0"/>
-          </a:p>
-          <a:p>
+              <a:t>can sit back and control </a:t>
+            </a:r>
+            <a:r>
+              <a:rPr lang="en-US" sz="1800" dirty="0" smtClean="0">
+                <a:solidFill>
+                  <a:schemeClr val="bg1"/>
+                </a:solidFill>
+                <a:latin typeface="Verdana" panose="020B0604030504040204" pitchFamily="34" charset="0"/>
+                <a:ea typeface="Verdana" panose="020B0604030504040204" pitchFamily="34" charset="0"/>
+              </a:rPr>
+              <a:t>their </a:t>
+            </a:r>
+            <a:r>
+              <a:rPr lang="en-US" sz="1800" dirty="0" err="1">
+                <a:solidFill>
+                  <a:schemeClr val="bg1"/>
+                </a:solidFill>
+                <a:latin typeface="Verdana" panose="020B0604030504040204" pitchFamily="34" charset="0"/>
+                <a:ea typeface="Verdana" panose="020B0604030504040204" pitchFamily="34" charset="0"/>
+              </a:rPr>
+              <a:t>Youtube</a:t>
+            </a:r>
+            <a:r>
+              <a:rPr lang="en-US" sz="1800" dirty="0">
+                <a:solidFill>
+                  <a:schemeClr val="bg1"/>
+                </a:solidFill>
+                <a:latin typeface="Verdana" panose="020B0604030504040204" pitchFamily="34" charset="0"/>
+                <a:ea typeface="Verdana" panose="020B0604030504040204" pitchFamily="34" charset="0"/>
+              </a:rPr>
+              <a:t> from their phone and still enjoy the experience of </a:t>
+            </a:r>
+            <a:r>
+              <a:rPr lang="en-US" sz="1800" dirty="0" smtClean="0">
+                <a:solidFill>
+                  <a:schemeClr val="bg1"/>
+                </a:solidFill>
+                <a:latin typeface="Verdana" panose="020B0604030504040204" pitchFamily="34" charset="0"/>
+                <a:ea typeface="Verdana" panose="020B0604030504040204" pitchFamily="34" charset="0"/>
+              </a:rPr>
+              <a:t>the </a:t>
+            </a:r>
+            <a:r>
+              <a:rPr lang="en-US" sz="1800" dirty="0">
+                <a:solidFill>
+                  <a:schemeClr val="bg1"/>
+                </a:solidFill>
+                <a:latin typeface="Verdana" panose="020B0604030504040204" pitchFamily="34" charset="0"/>
+                <a:ea typeface="Verdana" panose="020B0604030504040204" pitchFamily="34" charset="0"/>
+              </a:rPr>
+              <a:t>big screen view</a:t>
+            </a:r>
+            <a:r>
+              <a:rPr lang="en-US" sz="1800" dirty="0" smtClean="0">
+                <a:solidFill>
+                  <a:schemeClr val="bg1"/>
+                </a:solidFill>
+                <a:latin typeface="Verdana" panose="020B0604030504040204" pitchFamily="34" charset="0"/>
+                <a:ea typeface="Verdana" panose="020B0604030504040204" pitchFamily="34" charset="0"/>
+              </a:rPr>
+              <a:t>. </a:t>
+            </a:r>
+          </a:p>
+          <a:p>
+            <a:pPr marL="285750" indent="-285750">
+              <a:lnSpc>
+                <a:spcPct val="130000"/>
+              </a:lnSpc>
+              <a:buClrTx/>
+              <a:buFont typeface="Wingdings" panose="05000000000000000000" pitchFamily="2" charset="2"/>
+              <a:buChar char="v"/>
+            </a:pPr>
+            <a:r>
+              <a:rPr lang="en-US" sz="1800" dirty="0" smtClean="0">
+                <a:solidFill>
+                  <a:schemeClr val="bg1"/>
+                </a:solidFill>
+                <a:latin typeface="Verdana" panose="020B0604030504040204" pitchFamily="34" charset="0"/>
+                <a:ea typeface="Verdana" panose="020B0604030504040204" pitchFamily="34" charset="0"/>
+              </a:rPr>
+              <a:t>Even you can control my screen through your mobile, and that’s what we are going to demonstrate in this demonstration.</a:t>
+            </a:r>
             <a:r>
               <a:rPr lang="en-US" dirty="0"/>
               <a:t/>
@@ -4296,13 +4332,6 @@
             <a:br>
               <a:rPr lang="en-US" dirty="0"/>
             </a:br>
-            <a:r>
-              <a:rPr lang="en-US" dirty="0" smtClean="0"/>
-              <a:t/>
-            </a:r>
-            <a:br>
-              <a:rPr lang="en-US" dirty="0" smtClean="0"/>
-            </a:br>
             <a:endParaRPr lang="en-IN" dirty="0"/>
           </a:p>
         </p:txBody>
@@ -4310,7 +4339,7 @@
     </p:spTree>
     <p:extLst>
       <p:ext uri="{BB962C8B-B14F-4D97-AF65-F5344CB8AC3E}">
-        <p14:creationId xmlns:p14="http://schemas.microsoft.com/office/powerpoint/2010/main" val="4211595321"/>
+        <p14:creationId xmlns:p14="http://schemas.microsoft.com/office/powerpoint/2010/main" val="810567064"/>
       </p:ext>
     </p:extLst>
   </p:cSld>
@@ -4349,6 +4378,160 @@
         </p:nvSpPr>
         <p:spPr>
           <a:xfrm>
+            <a:off x="1100015" y="766354"/>
+            <a:ext cx="7315200" cy="5477692"/>
+          </a:xfrm>
+        </p:spPr>
+        <p:txBody>
+          <a:bodyPr>
+            <a:normAutofit/>
+          </a:bodyPr>
+          <a:lstStyle/>
+          <a:p>
+            <a:endParaRPr lang="en-US" dirty="0" smtClean="0"/>
+          </a:p>
+          <a:p>
+            <a:r>
+              <a:rPr lang="en-IN" sz="2400" u="sng" dirty="0" smtClean="0">
+                <a:solidFill>
+                  <a:schemeClr val="bg1"/>
+                </a:solidFill>
+                <a:latin typeface="Verdana" panose="020B0604030504040204" pitchFamily="34" charset="0"/>
+                <a:ea typeface="Verdana" panose="020B0604030504040204" pitchFamily="34" charset="0"/>
+              </a:rPr>
+              <a:t>Unique Selling Proposition (USP).</a:t>
+            </a:r>
+            <a:endParaRPr lang="en-IN" sz="1800" u="sng" dirty="0" smtClean="0">
+              <a:solidFill>
+                <a:schemeClr val="bg1"/>
+              </a:solidFill>
+              <a:latin typeface="Verdana" panose="020B0604030504040204" pitchFamily="34" charset="0"/>
+              <a:ea typeface="Verdana" panose="020B0604030504040204" pitchFamily="34" charset="0"/>
+            </a:endParaRPr>
+          </a:p>
+          <a:p>
+            <a:pPr marL="285750" indent="-285750">
+              <a:lnSpc>
+                <a:spcPct val="130000"/>
+              </a:lnSpc>
+              <a:buClrTx/>
+              <a:buFont typeface="Wingdings" panose="05000000000000000000" pitchFamily="2" charset="2"/>
+              <a:buChar char="v"/>
+            </a:pPr>
+            <a:r>
+              <a:rPr lang="en-US" sz="1800" dirty="0" smtClean="0">
+                <a:solidFill>
+                  <a:schemeClr val="bg1"/>
+                </a:solidFill>
+                <a:latin typeface="Verdana" panose="020B0604030504040204" pitchFamily="34" charset="0"/>
+                <a:ea typeface="Verdana" panose="020B0604030504040204" pitchFamily="34" charset="0"/>
+              </a:rPr>
+              <a:t>This remote has more reach because its available for everyone connected to internet.</a:t>
+            </a:r>
+          </a:p>
+          <a:p>
+            <a:pPr marL="285750" indent="-285750">
+              <a:lnSpc>
+                <a:spcPct val="130000"/>
+              </a:lnSpc>
+              <a:buClrTx/>
+              <a:buFont typeface="Wingdings" panose="05000000000000000000" pitchFamily="2" charset="2"/>
+              <a:buChar char="v"/>
+            </a:pPr>
+            <a:r>
+              <a:rPr lang="en-US" sz="1800" dirty="0" smtClean="0">
+                <a:solidFill>
+                  <a:schemeClr val="bg1"/>
+                </a:solidFill>
+                <a:latin typeface="Verdana" panose="020B0604030504040204" pitchFamily="34" charset="0"/>
+                <a:ea typeface="Verdana" panose="020B0604030504040204" pitchFamily="34" charset="0"/>
+              </a:rPr>
+              <a:t>This </a:t>
+            </a:r>
+            <a:r>
+              <a:rPr lang="en-US" sz="1800" dirty="0">
+                <a:solidFill>
+                  <a:schemeClr val="bg1"/>
+                </a:solidFill>
+                <a:latin typeface="Verdana" panose="020B0604030504040204" pitchFamily="34" charset="0"/>
+                <a:ea typeface="Verdana" panose="020B0604030504040204" pitchFamily="34" charset="0"/>
+              </a:rPr>
+              <a:t>can be of great help to those people who want to connect their laptop  to big screen via HDMI port to enjoy their streaming on big screen without having to  control on laptop</a:t>
+            </a:r>
+            <a:r>
+              <a:rPr lang="en-US" dirty="0"/>
+              <a:t>.</a:t>
+            </a:r>
+            <a:endParaRPr lang="en-US" dirty="0"/>
+          </a:p>
+          <a:p>
+            <a:r>
+              <a:rPr lang="en-US" dirty="0"/>
+              <a:t/>
+            </a:r>
+            <a:br>
+              <a:rPr lang="en-US" dirty="0"/>
+            </a:br>
+            <a:r>
+              <a:rPr lang="en-US" dirty="0" smtClean="0"/>
+              <a:t/>
+            </a:r>
+            <a:br>
+              <a:rPr lang="en-US" dirty="0" smtClean="0"/>
+            </a:br>
+            <a:endParaRPr lang="en-IN" dirty="0"/>
+          </a:p>
+        </p:txBody>
+      </p:sp>
+    </p:spTree>
+    <p:extLst>
+      <p:ext uri="{BB962C8B-B14F-4D97-AF65-F5344CB8AC3E}">
+        <p14:creationId xmlns:p14="http://schemas.microsoft.com/office/powerpoint/2010/main" val="4211595321"/>
+      </p:ext>
+    </p:extLst>
+  </p:cSld>
+  <p:clrMapOvr>
+    <a:masterClrMapping/>
+  </p:clrMapOvr>
+  <p:timing>
+    <p:tnLst>
+      <p:par>
+        <p:cTn id="1" dur="indefinite" restart="never" nodeType="tmRoot"/>
+      </p:par>
+    </p:tnLst>
+  </p:timing>
+</p:sld>
+</file>
+
+<file path=ppt/slides/slide15.xml><?xml version="1.0" encoding="utf-8"?>
+<p:sld xmlns:a="http://schemas.openxmlformats.org/drawingml/2006/main" xmlns:r="http://schemas.openxmlformats.org/officeDocument/2006/relationships" xmlns:p="http://schemas.openxmlformats.org/presentationml/2006/main">
+  <p:cSld>
+    <p:spTree>
+      <p:nvGrpSpPr>
+        <p:cNvPr id="1" name=""/>
+        <p:cNvGrpSpPr/>
+        <p:nvPr/>
+      </p:nvGrpSpPr>
+      <p:grpSpPr>
+        <a:xfrm>
+          <a:off x="0" y="0"/>
+          <a:ext cx="0" cy="0"/>
+          <a:chOff x="0" y="0"/>
+          <a:chExt cx="0" cy="0"/>
+        </a:xfrm>
+      </p:grpSpPr>
+      <p:sp>
+        <p:nvSpPr>
+          <p:cNvPr id="3" name="Subtitle 2"/>
+          <p:cNvSpPr>
+            <a:spLocks noGrp="1"/>
+          </p:cNvSpPr>
+          <p:nvPr>
+            <p:ph type="subTitle" idx="1"/>
+          </p:nvPr>
+        </p:nvSpPr>
+        <p:spPr>
+          <a:xfrm>
             <a:off x="1100015" y="775063"/>
             <a:ext cx="7315200" cy="4809583"/>
           </a:xfrm>
@@ -4407,6 +4590,13 @@
   <p:clrMapOvr>
     <a:masterClrMapping/>
   </p:clrMapOvr>
+  <p:timing>
+    <p:tnLst>
+      <p:par>
+        <p:cTn id="1" dur="indefinite" restart="never" nodeType="tmRoot"/>
+      </p:par>
+    </p:tnLst>
+  </p:timing>
 </p:sld>
 </file>
 
@@ -4974,13 +5164,13 @@
               </a:ext>
             </a:extLst>
           </a:blip>
-          <a:srcRect l="18081" t="26667" r="20994"/>
+          <a:srcRect l="18807" t="26667" r="20449"/>
           <a:stretch/>
         </p:blipFill>
         <p:spPr>
           <a:xfrm>
-            <a:off x="9274629" y="770708"/>
-            <a:ext cx="2917371" cy="5334001"/>
+            <a:off x="9283337" y="770708"/>
+            <a:ext cx="2908663" cy="5334001"/>
           </a:xfrm>
           <a:prstGeom prst="rect">
             <a:avLst/>
@@ -5499,6 +5689,103 @@
       </p:grpSpPr>
       <p:sp>
         <p:nvSpPr>
+          <p:cNvPr id="2" name="Title 1"/>
+          <p:cNvSpPr>
+            <a:spLocks noGrp="1"/>
+          </p:cNvSpPr>
+          <p:nvPr>
+            <p:ph type="title"/>
+          </p:nvPr>
+        </p:nvSpPr>
+        <p:spPr/>
+        <p:txBody>
+          <a:bodyPr>
+            <a:normAutofit/>
+          </a:bodyPr>
+          <a:lstStyle/>
+          <a:p>
+            <a:r>
+              <a:rPr lang="en-IN" sz="3200" dirty="0" smtClean="0">
+                <a:latin typeface="Verdana" panose="020B0604030504040204" pitchFamily="34" charset="0"/>
+                <a:ea typeface="Verdana" panose="020B0604030504040204" pitchFamily="34" charset="0"/>
+              </a:rPr>
+              <a:t>UML Diagram</a:t>
+            </a:r>
+            <a:endParaRPr lang="en-IN" sz="3200" dirty="0">
+              <a:latin typeface="Verdana" panose="020B0604030504040204" pitchFamily="34" charset="0"/>
+              <a:ea typeface="Verdana" panose="020B0604030504040204" pitchFamily="34" charset="0"/>
+            </a:endParaRPr>
+          </a:p>
+        </p:txBody>
+      </p:sp>
+      <p:pic>
+        <p:nvPicPr>
+          <p:cNvPr id="3" name="Picture 2"/>
+          <p:cNvPicPr>
+            <a:picLocks noChangeAspect="1"/>
+          </p:cNvPicPr>
+          <p:nvPr/>
+        </p:nvPicPr>
+        <p:blipFill rotWithShape="1">
+          <a:blip r:embed="rId2">
+            <a:extLst>
+              <a:ext uri="{28A0092B-C50C-407E-A947-70E740481C1C}">
+                <a14:useLocalDpi xmlns:a14="http://schemas.microsoft.com/office/drawing/2010/main" val="0"/>
+              </a:ext>
+            </a:extLst>
+          </a:blip>
+          <a:srcRect b="2007"/>
+          <a:stretch/>
+        </p:blipFill>
+        <p:spPr>
+          <a:xfrm>
+            <a:off x="4232968" y="104285"/>
+            <a:ext cx="6800791" cy="6640286"/>
+          </a:xfrm>
+          <a:prstGeom prst="rect">
+            <a:avLst/>
+          </a:prstGeom>
+        </p:spPr>
+      </p:pic>
+    </p:spTree>
+    <p:extLst>
+      <p:ext uri="{BB962C8B-B14F-4D97-AF65-F5344CB8AC3E}">
+        <p14:creationId xmlns:p14="http://schemas.microsoft.com/office/powerpoint/2010/main" val="286725858"/>
+      </p:ext>
+    </p:extLst>
+  </p:cSld>
+  <p:clrMapOvr>
+    <a:masterClrMapping/>
+  </p:clrMapOvr>
+  <p:timing>
+    <p:tnLst>
+      <p:par>
+        <p:cTn id="1" dur="indefinite" restart="never" nodeType="tmRoot"/>
+      </p:par>
+    </p:tnLst>
+  </p:timing>
+</p:sld>
+</file>
+
+<file path=ppt/slides/slide6.xml><?xml version="1.0" encoding="utf-8"?>
+<p:sld xmlns:a="http://schemas.openxmlformats.org/drawingml/2006/main" xmlns:r="http://schemas.openxmlformats.org/officeDocument/2006/relationships" xmlns:p="http://schemas.openxmlformats.org/presentationml/2006/main">
+  <p:cSld>
+    <p:spTree>
+      <p:nvGrpSpPr>
+        <p:cNvPr id="1" name=""/>
+        <p:cNvGrpSpPr/>
+        <p:nvPr/>
+      </p:nvGrpSpPr>
+      <p:grpSpPr>
+        <a:xfrm>
+          <a:off x="0" y="0"/>
+          <a:ext cx="0" cy="0"/>
+          <a:chOff x="0" y="0"/>
+          <a:chExt cx="0" cy="0"/>
+        </a:xfrm>
+      </p:grpSpPr>
+      <p:sp>
+        <p:nvSpPr>
           <p:cNvPr id="3" name="Subtitle 2"/>
           <p:cNvSpPr>
             <a:spLocks noGrp="1"/>
@@ -5768,7 +6055,7 @@
 </p:sld>
 </file>
 
-<file path=ppt/slides/slide6.xml><?xml version="1.0" encoding="utf-8"?>
+<file path=ppt/slides/slide7.xml><?xml version="1.0" encoding="utf-8"?>
 <p:sld xmlns:a="http://schemas.openxmlformats.org/drawingml/2006/main" xmlns:r="http://schemas.openxmlformats.org/officeDocument/2006/relationships" xmlns:p="http://schemas.openxmlformats.org/presentationml/2006/main">
   <p:cSld>
     <p:spTree>
@@ -5965,7 +6252,7 @@
 </p:sld>
 </file>
 
-<file path=ppt/slides/slide7.xml><?xml version="1.0" encoding="utf-8"?>
+<file path=ppt/slides/slide8.xml><?xml version="1.0" encoding="utf-8"?>
 <p:sld xmlns:a="http://schemas.openxmlformats.org/drawingml/2006/main" xmlns:r="http://schemas.openxmlformats.org/officeDocument/2006/relationships" xmlns:p="http://schemas.openxmlformats.org/presentationml/2006/main">
   <p:cSld>
     <p:spTree>
@@ -5995,119 +6282,118 @@
         <p:spPr>
           <a:xfrm>
             <a:off x="1100015" y="766354"/>
-            <a:ext cx="7315200" cy="4818292"/>
+            <a:ext cx="7315200" cy="5852160"/>
           </a:xfrm>
         </p:spPr>
         <p:txBody>
           <a:bodyPr>
-            <a:normAutofit fontScale="92500"/>
+            <a:normAutofit/>
           </a:bodyPr>
           <a:lstStyle/>
           <a:p>
             <a:endParaRPr lang="en-US" sz="1900" i="1" dirty="0" smtClean="0">
               <a:solidFill>
-                <a:srgbClr val="FF0000"/>
+                <a:schemeClr val="bg1"/>
               </a:solidFill>
+              <a:latin typeface="Verdana" panose="020B0604030504040204" pitchFamily="34" charset="0"/>
+              <a:ea typeface="Verdana" panose="020B0604030504040204" pitchFamily="34" charset="0"/>
             </a:endParaRPr>
           </a:p>
           <a:p>
-            <a:r>
-              <a:rPr lang="en-US" i="1" dirty="0" smtClean="0">
-                <a:solidFill>
-                  <a:srgbClr val="FF0000"/>
-                </a:solidFill>
-              </a:rPr>
-              <a:t>PWA </a:t>
-            </a:r>
-            <a:r>
-              <a:rPr lang="en-US" i="1" dirty="0">
-                <a:solidFill>
-                  <a:srgbClr val="FF0000"/>
-                </a:solidFill>
-              </a:rPr>
-              <a:t>for easy accessibility</a:t>
-            </a:r>
-            <a:endParaRPr lang="en-US" dirty="0">
+            <a:pPr>
+              <a:lnSpc>
+                <a:spcPct val="140000"/>
+              </a:lnSpc>
+            </a:pPr>
+            <a:r>
+              <a:rPr lang="en-US" sz="2600" u="sng" dirty="0" smtClean="0">
+                <a:solidFill>
+                  <a:schemeClr val="bg1"/>
+                </a:solidFill>
+                <a:latin typeface="Verdana" panose="020B0604030504040204" pitchFamily="34" charset="0"/>
+                <a:ea typeface="Verdana" panose="020B0604030504040204" pitchFamily="34" charset="0"/>
+              </a:rPr>
+              <a:t>PWA for easy accessibility</a:t>
+            </a:r>
+            <a:r>
+              <a:rPr lang="en-US" dirty="0" smtClean="0">
+                <a:solidFill>
+                  <a:schemeClr val="bg1"/>
+                </a:solidFill>
+                <a:latin typeface="Verdana" panose="020B0604030504040204" pitchFamily="34" charset="0"/>
+                <a:ea typeface="Verdana" panose="020B0604030504040204" pitchFamily="34" charset="0"/>
+              </a:rPr>
+              <a:t/>
+            </a:r>
+            <a:br>
+              <a:rPr lang="en-US" dirty="0" smtClean="0">
+                <a:solidFill>
+                  <a:schemeClr val="bg1"/>
+                </a:solidFill>
+                <a:latin typeface="Verdana" panose="020B0604030504040204" pitchFamily="34" charset="0"/>
+                <a:ea typeface="Verdana" panose="020B0604030504040204" pitchFamily="34" charset="0"/>
+              </a:rPr>
+            </a:br>
+            <a:r>
+              <a:rPr lang="en-US" sz="1800" dirty="0" smtClean="0">
+                <a:solidFill>
+                  <a:schemeClr val="bg1"/>
+                </a:solidFill>
+                <a:latin typeface="Verdana" panose="020B0604030504040204" pitchFamily="34" charset="0"/>
+                <a:ea typeface="Verdana" panose="020B0604030504040204" pitchFamily="34" charset="0"/>
+              </a:rPr>
+              <a:t>PWA (Progressive Web App) provides a similar experience as a native app. Statistics prove that a user prefers an app way more than a website.</a:t>
+            </a:r>
+          </a:p>
+          <a:p>
+            <a:pPr fontAlgn="base">
+              <a:lnSpc>
+                <a:spcPct val="140000"/>
+              </a:lnSpc>
+            </a:pPr>
+            <a:r>
+              <a:rPr lang="en-US" sz="1800" dirty="0" smtClean="0">
+                <a:solidFill>
+                  <a:schemeClr val="bg1"/>
+                </a:solidFill>
+                <a:latin typeface="Verdana" panose="020B0604030504040204" pitchFamily="34" charset="0"/>
+                <a:ea typeface="Verdana" panose="020B0604030504040204" pitchFamily="34" charset="0"/>
+              </a:rPr>
+              <a:t>This gets downloaded as an application. The icon appears on the home screen and the app can be used as a native app.</a:t>
+            </a:r>
+          </a:p>
+          <a:p>
+            <a:pPr>
+              <a:lnSpc>
+                <a:spcPct val="130000"/>
+              </a:lnSpc>
+            </a:pPr>
+            <a:r>
+              <a:rPr lang="en-US" sz="1800" dirty="0">
+                <a:solidFill>
+                  <a:schemeClr val="bg1"/>
+                </a:solidFill>
+                <a:latin typeface="Verdana" panose="020B0604030504040204" pitchFamily="34" charset="0"/>
+                <a:ea typeface="Verdana" panose="020B0604030504040204" pitchFamily="34" charset="0"/>
+              </a:rPr>
+              <a:t/>
+            </a:r>
+            <a:br>
+              <a:rPr lang="en-US" sz="1800" dirty="0">
+                <a:solidFill>
+                  <a:schemeClr val="bg1"/>
+                </a:solidFill>
+                <a:latin typeface="Verdana" panose="020B0604030504040204" pitchFamily="34" charset="0"/>
+                <a:ea typeface="Verdana" panose="020B0604030504040204" pitchFamily="34" charset="0"/>
+              </a:rPr>
+            </a:br>
+            <a:endParaRPr lang="en-IN" sz="1800" dirty="0">
               <a:solidFill>
-                <a:srgbClr val="FF0000"/>
+                <a:schemeClr val="bg1"/>
               </a:solidFill>
+              <a:latin typeface="Verdana" panose="020B0604030504040204" pitchFamily="34" charset="0"/>
+              <a:ea typeface="Verdana" panose="020B0604030504040204" pitchFamily="34" charset="0"/>
             </a:endParaRPr>
-          </a:p>
-          <a:p>
-            <a:pPr fontAlgn="base"/>
-            <a:r>
-              <a:rPr lang="en-US" dirty="0"/>
-              <a:t/>
-            </a:r>
-            <a:br>
-              <a:rPr lang="en-US" dirty="0"/>
-            </a:br>
-            <a:r>
-              <a:rPr lang="en-US" dirty="0"/>
-              <a:t>PWA(Progressive Web App) provides a similar experience as a native app.</a:t>
-            </a:r>
-          </a:p>
-          <a:p>
-            <a:pPr fontAlgn="base"/>
-            <a:r>
-              <a:rPr lang="en-US" dirty="0"/>
-              <a:t>It can be downloaded as an application. The icon appears on the home screen and can be used as a native app.</a:t>
-            </a:r>
-          </a:p>
-          <a:p>
-            <a:pPr fontAlgn="base"/>
-            <a:r>
-              <a:rPr lang="en-US" dirty="0"/>
-              <a:t>It is also </a:t>
-            </a:r>
-            <a:r>
-              <a:rPr lang="en-US" dirty="0" err="1"/>
-              <a:t>responsive,i.e</a:t>
-            </a:r>
-            <a:r>
-              <a:rPr lang="en-US" dirty="0"/>
-              <a:t>., it adjusts to various screen sizes of mobile, tablets, etc.</a:t>
-            </a:r>
-          </a:p>
-          <a:p>
-            <a:pPr fontAlgn="base"/>
-            <a:r>
-              <a:rPr lang="en-US" dirty="0"/>
-              <a:t>It works offline using the data </a:t>
-            </a:r>
-            <a:r>
-              <a:rPr lang="en-US" dirty="0" err="1"/>
-              <a:t>catched</a:t>
-            </a:r>
-            <a:r>
-              <a:rPr lang="en-US" dirty="0"/>
-              <a:t> from the last user interaction.</a:t>
-            </a:r>
-          </a:p>
-          <a:p>
-            <a:pPr fontAlgn="base"/>
-            <a:r>
-              <a:rPr lang="en-US" dirty="0"/>
-              <a:t>No </a:t>
-            </a:r>
-            <a:r>
-              <a:rPr lang="en-US" dirty="0" err="1"/>
-              <a:t>authorisations</a:t>
-            </a:r>
-            <a:r>
-              <a:rPr lang="en-US" dirty="0"/>
-              <a:t> are needed as in case of a native app.</a:t>
-            </a:r>
-          </a:p>
-          <a:p>
-            <a:r>
-              <a:rPr lang="en-US" dirty="0"/>
-              <a:t/>
-            </a:r>
-            <a:br>
-              <a:rPr lang="en-US" dirty="0"/>
-            </a:br>
-            <a:endParaRPr lang="en-IN" dirty="0"/>
           </a:p>
         </p:txBody>
       </p:sp>
@@ -6165,326 +6451,6 @@
 </p:sld>
 </file>
 
-<file path=ppt/slides/slide8.xml><?xml version="1.0" encoding="utf-8"?>
-<p:sld xmlns:a="http://schemas.openxmlformats.org/drawingml/2006/main" xmlns:r="http://schemas.openxmlformats.org/officeDocument/2006/relationships" xmlns:p="http://schemas.openxmlformats.org/presentationml/2006/main">
-  <p:cSld>
-    <p:spTree>
-      <p:nvGrpSpPr>
-        <p:cNvPr id="1" name=""/>
-        <p:cNvGrpSpPr/>
-        <p:nvPr/>
-      </p:nvGrpSpPr>
-      <p:grpSpPr>
-        <a:xfrm>
-          <a:off x="0" y="0"/>
-          <a:ext cx="0" cy="0"/>
-          <a:chOff x="0" y="0"/>
-          <a:chExt cx="0" cy="0"/>
-        </a:xfrm>
-      </p:grpSpPr>
-      <p:sp>
-        <p:nvSpPr>
-          <p:cNvPr id="3" name="Subtitle 2"/>
-          <p:cNvSpPr>
-            <a:spLocks noGrp="1"/>
-          </p:cNvSpPr>
-          <p:nvPr>
-            <p:ph type="subTitle" idx="1"/>
-          </p:nvPr>
-        </p:nvSpPr>
-        <p:spPr>
-          <a:xfrm>
-            <a:off x="1100015" y="766354"/>
-            <a:ext cx="7315200" cy="6091646"/>
-          </a:xfrm>
-        </p:spPr>
-        <p:txBody>
-          <a:bodyPr>
-            <a:normAutofit/>
-          </a:bodyPr>
-          <a:lstStyle/>
-          <a:p>
-            <a:pPr>
-              <a:lnSpc>
-                <a:spcPct val="100000"/>
-              </a:lnSpc>
-            </a:pPr>
-            <a:endParaRPr lang="en-US" sz="1800" dirty="0">
-              <a:solidFill>
-                <a:schemeClr val="bg1"/>
-              </a:solidFill>
-              <a:latin typeface="Verdana" panose="020B0604030504040204" pitchFamily="34" charset="0"/>
-              <a:ea typeface="Verdana" panose="020B0604030504040204" pitchFamily="34" charset="0"/>
-            </a:endParaRPr>
-          </a:p>
-          <a:p>
-            <a:pPr>
-              <a:lnSpc>
-                <a:spcPct val="130000"/>
-              </a:lnSpc>
-            </a:pPr>
-            <a:r>
-              <a:rPr lang="en-US" sz="2400" u="sng" dirty="0" smtClean="0">
-                <a:solidFill>
-                  <a:schemeClr val="bg1"/>
-                </a:solidFill>
-                <a:latin typeface="Verdana" panose="020B0604030504040204" pitchFamily="34" charset="0"/>
-                <a:ea typeface="Verdana" panose="020B0604030504040204" pitchFamily="34" charset="0"/>
-              </a:rPr>
-              <a:t>Selection and Navigation</a:t>
-            </a:r>
-            <a:r>
-              <a:rPr lang="en-US" sz="2400" dirty="0">
-                <a:solidFill>
-                  <a:schemeClr val="bg1"/>
-                </a:solidFill>
-                <a:latin typeface="Verdana" panose="020B0604030504040204" pitchFamily="34" charset="0"/>
-                <a:ea typeface="Verdana" panose="020B0604030504040204" pitchFamily="34" charset="0"/>
-              </a:rPr>
-              <a:t> </a:t>
-            </a:r>
-          </a:p>
-          <a:p>
-            <a:pPr marL="285750" indent="-285750">
-              <a:lnSpc>
-                <a:spcPct val="130000"/>
-              </a:lnSpc>
-              <a:buClrTx/>
-              <a:buFont typeface="Wingdings" panose="05000000000000000000" pitchFamily="2" charset="2"/>
-              <a:buChar char="v"/>
-            </a:pPr>
-            <a:r>
-              <a:rPr lang="en-US" sz="1800" dirty="0">
-                <a:solidFill>
-                  <a:schemeClr val="bg1"/>
-                </a:solidFill>
-                <a:latin typeface="Verdana" panose="020B0604030504040204" pitchFamily="34" charset="0"/>
-                <a:ea typeface="Verdana" panose="020B0604030504040204" pitchFamily="34" charset="0"/>
-              </a:rPr>
-              <a:t>The </a:t>
-            </a:r>
-            <a:r>
-              <a:rPr lang="en-US" sz="1800" dirty="0" smtClean="0">
-                <a:solidFill>
-                  <a:schemeClr val="bg1"/>
-                </a:solidFill>
-                <a:latin typeface="Verdana" panose="020B0604030504040204" pitchFamily="34" charset="0"/>
-                <a:ea typeface="Verdana" panose="020B0604030504040204" pitchFamily="34" charset="0"/>
-              </a:rPr>
-              <a:t>User can identify the focused-video by the blue-highlight line and navigate through the videos using the arrow buttons on the remote.</a:t>
-            </a:r>
-          </a:p>
-          <a:p>
-            <a:pPr marL="285750" indent="-285750">
-              <a:lnSpc>
-                <a:spcPct val="130000"/>
-              </a:lnSpc>
-              <a:buClrTx/>
-              <a:buFont typeface="Wingdings" panose="05000000000000000000" pitchFamily="2" charset="2"/>
-              <a:buChar char="v"/>
-            </a:pPr>
-            <a:r>
-              <a:rPr lang="en-US" sz="1800" dirty="0" smtClean="0">
-                <a:solidFill>
-                  <a:schemeClr val="bg1"/>
-                </a:solidFill>
-                <a:latin typeface="Verdana" panose="020B0604030504040204" pitchFamily="34" charset="0"/>
-                <a:ea typeface="Verdana" panose="020B0604030504040204" pitchFamily="34" charset="0"/>
-              </a:rPr>
-              <a:t>A </a:t>
-            </a:r>
-            <a:r>
-              <a:rPr lang="en-US" sz="1800" dirty="0" err="1">
-                <a:solidFill>
-                  <a:schemeClr val="bg1"/>
-                </a:solidFill>
-                <a:latin typeface="Verdana" panose="020B0604030504040204" pitchFamily="34" charset="0"/>
-                <a:ea typeface="Verdana" panose="020B0604030504040204" pitchFamily="34" charset="0"/>
-              </a:rPr>
-              <a:t>J</a:t>
-            </a:r>
-            <a:r>
-              <a:rPr lang="en-US" sz="1800" dirty="0" err="1" smtClean="0">
-                <a:solidFill>
-                  <a:schemeClr val="bg1"/>
-                </a:solidFill>
-                <a:latin typeface="Verdana" panose="020B0604030504040204" pitchFamily="34" charset="0"/>
-                <a:ea typeface="Verdana" panose="020B0604030504040204" pitchFamily="34" charset="0"/>
-              </a:rPr>
-              <a:t>avascript</a:t>
-            </a:r>
-            <a:r>
-              <a:rPr lang="en-US" sz="1800" dirty="0" smtClean="0">
-                <a:solidFill>
-                  <a:schemeClr val="bg1"/>
-                </a:solidFill>
-                <a:latin typeface="Verdana" panose="020B0604030504040204" pitchFamily="34" charset="0"/>
-                <a:ea typeface="Verdana" panose="020B0604030504040204" pitchFamily="34" charset="0"/>
-              </a:rPr>
-              <a:t> code is behind this process, it dispatches various keyboard events. These keyboard events remove and add the highlight as per the response received.</a:t>
-            </a:r>
-          </a:p>
-          <a:p>
-            <a:pPr marL="285750" indent="-285750">
-              <a:lnSpc>
-                <a:spcPct val="130000"/>
-              </a:lnSpc>
-              <a:buClrTx/>
-              <a:buFont typeface="Wingdings" panose="05000000000000000000" pitchFamily="2" charset="2"/>
-              <a:buChar char="v"/>
-            </a:pPr>
-            <a:r>
-              <a:rPr lang="en-US" sz="1800" dirty="0" smtClean="0">
-                <a:solidFill>
-                  <a:schemeClr val="bg1"/>
-                </a:solidFill>
-                <a:latin typeface="Verdana" panose="020B0604030504040204" pitchFamily="34" charset="0"/>
-                <a:ea typeface="Verdana" panose="020B0604030504040204" pitchFamily="34" charset="0"/>
-              </a:rPr>
-              <a:t>The </a:t>
-            </a:r>
-            <a:r>
-              <a:rPr lang="en-US" sz="1800" dirty="0">
-                <a:solidFill>
-                  <a:schemeClr val="bg1"/>
-                </a:solidFill>
-                <a:latin typeface="Verdana" panose="020B0604030504040204" pitchFamily="34" charset="0"/>
-                <a:ea typeface="Verdana" panose="020B0604030504040204" pitchFamily="34" charset="0"/>
-              </a:rPr>
-              <a:t>U</a:t>
-            </a:r>
-            <a:r>
-              <a:rPr lang="en-US" sz="1800" dirty="0" smtClean="0">
-                <a:solidFill>
-                  <a:schemeClr val="bg1"/>
-                </a:solidFill>
-                <a:latin typeface="Verdana" panose="020B0604030504040204" pitchFamily="34" charset="0"/>
-                <a:ea typeface="Verdana" panose="020B0604030504040204" pitchFamily="34" charset="0"/>
-              </a:rPr>
-              <a:t>ser </a:t>
-            </a:r>
-            <a:r>
-              <a:rPr lang="en-US" sz="1800" dirty="0">
-                <a:solidFill>
-                  <a:schemeClr val="bg1"/>
-                </a:solidFill>
-                <a:latin typeface="Verdana" panose="020B0604030504040204" pitchFamily="34" charset="0"/>
-                <a:ea typeface="Verdana" panose="020B0604030504040204" pitchFamily="34" charset="0"/>
-              </a:rPr>
-              <a:t>can select videos </a:t>
-            </a:r>
-            <a:r>
-              <a:rPr lang="en-US" sz="1800" dirty="0" smtClean="0">
-                <a:solidFill>
-                  <a:schemeClr val="bg1"/>
-                </a:solidFill>
-                <a:latin typeface="Verdana" panose="020B0604030504040204" pitchFamily="34" charset="0"/>
-                <a:ea typeface="Verdana" panose="020B0604030504040204" pitchFamily="34" charset="0"/>
-              </a:rPr>
-              <a:t>on the Home </a:t>
-            </a:r>
-            <a:r>
-              <a:rPr lang="en-US" sz="1800" dirty="0">
-                <a:solidFill>
-                  <a:schemeClr val="bg1"/>
-                </a:solidFill>
-                <a:latin typeface="Verdana" panose="020B0604030504040204" pitchFamily="34" charset="0"/>
-                <a:ea typeface="Verdana" panose="020B0604030504040204" pitchFamily="34" charset="0"/>
-              </a:rPr>
-              <a:t>page, </a:t>
-            </a:r>
-            <a:r>
-              <a:rPr lang="en-US" sz="1800" dirty="0" smtClean="0">
-                <a:solidFill>
-                  <a:schemeClr val="bg1"/>
-                </a:solidFill>
-                <a:latin typeface="Verdana" panose="020B0604030504040204" pitchFamily="34" charset="0"/>
-                <a:ea typeface="Verdana" panose="020B0604030504040204" pitchFamily="34" charset="0"/>
-              </a:rPr>
-              <a:t>Search Result screen and Video Mode Screen by </a:t>
-            </a:r>
-            <a:r>
-              <a:rPr lang="en-US" sz="1800" dirty="0">
-                <a:solidFill>
-                  <a:schemeClr val="bg1"/>
-                </a:solidFill>
-                <a:latin typeface="Verdana" panose="020B0604030504040204" pitchFamily="34" charset="0"/>
-                <a:ea typeface="Verdana" panose="020B0604030504040204" pitchFamily="34" charset="0"/>
-              </a:rPr>
-              <a:t>pressing S</a:t>
-            </a:r>
-            <a:r>
-              <a:rPr lang="en-US" sz="1800" dirty="0" smtClean="0">
-                <a:solidFill>
-                  <a:schemeClr val="bg1"/>
-                </a:solidFill>
-                <a:latin typeface="Verdana" panose="020B0604030504040204" pitchFamily="34" charset="0"/>
-                <a:ea typeface="Verdana" panose="020B0604030504040204" pitchFamily="34" charset="0"/>
-              </a:rPr>
-              <a:t>elect button on </a:t>
-            </a:r>
-            <a:r>
-              <a:rPr lang="en-US" sz="1800" dirty="0">
-                <a:solidFill>
-                  <a:schemeClr val="bg1"/>
-                </a:solidFill>
-                <a:latin typeface="Verdana" panose="020B0604030504040204" pitchFamily="34" charset="0"/>
-                <a:ea typeface="Verdana" panose="020B0604030504040204" pitchFamily="34" charset="0"/>
-              </a:rPr>
-              <a:t>the </a:t>
-            </a:r>
-            <a:r>
-              <a:rPr lang="en-US" sz="1800" dirty="0" smtClean="0">
-                <a:solidFill>
-                  <a:schemeClr val="bg1"/>
-                </a:solidFill>
-                <a:latin typeface="Verdana" panose="020B0604030504040204" pitchFamily="34" charset="0"/>
-                <a:ea typeface="Verdana" panose="020B0604030504040204" pitchFamily="34" charset="0"/>
-              </a:rPr>
-              <a:t>remote.</a:t>
-            </a:r>
-            <a:r>
-              <a:rPr lang="en-US" sz="1800" dirty="0">
-                <a:solidFill>
-                  <a:schemeClr val="bg1"/>
-                </a:solidFill>
-                <a:latin typeface="Verdana" panose="020B0604030504040204" pitchFamily="34" charset="0"/>
-                <a:ea typeface="Verdana" panose="020B0604030504040204" pitchFamily="34" charset="0"/>
-              </a:rPr>
-              <a:t/>
-            </a:r>
-            <a:br>
-              <a:rPr lang="en-US" sz="1800" dirty="0">
-                <a:solidFill>
-                  <a:schemeClr val="bg1"/>
-                </a:solidFill>
-                <a:latin typeface="Verdana" panose="020B0604030504040204" pitchFamily="34" charset="0"/>
-                <a:ea typeface="Verdana" panose="020B0604030504040204" pitchFamily="34" charset="0"/>
-              </a:rPr>
-            </a:br>
-            <a:endParaRPr lang="en-IN" sz="1800" dirty="0">
-              <a:solidFill>
-                <a:schemeClr val="bg1"/>
-              </a:solidFill>
-              <a:latin typeface="Verdana" panose="020B0604030504040204" pitchFamily="34" charset="0"/>
-              <a:ea typeface="Verdana" panose="020B0604030504040204" pitchFamily="34" charset="0"/>
-            </a:endParaRPr>
-          </a:p>
-        </p:txBody>
-      </p:sp>
-    </p:spTree>
-    <p:extLst>
-      <p:ext uri="{BB962C8B-B14F-4D97-AF65-F5344CB8AC3E}">
-        <p14:creationId xmlns:p14="http://schemas.microsoft.com/office/powerpoint/2010/main" val="1785502920"/>
-      </p:ext>
-    </p:extLst>
-  </p:cSld>
-  <p:clrMapOvr>
-    <a:masterClrMapping/>
-  </p:clrMapOvr>
-</p:sld>
-</file>
-
 <file path=ppt/slides/slide9.xml><?xml version="1.0" encoding="utf-8"?>
 <p:sld xmlns:a="http://schemas.openxmlformats.org/drawingml/2006/main" xmlns:r="http://schemas.openxmlformats.org/officeDocument/2006/relationships" xmlns:p="http://schemas.openxmlformats.org/presentationml/2006/main">
   <p:cSld>
@@ -6515,14 +6481,21 @@
         <p:spPr>
           <a:xfrm>
             <a:off x="1100015" y="766354"/>
-            <a:ext cx="7315200" cy="4818292"/>
+            <a:ext cx="7315200" cy="6091646"/>
           </a:xfrm>
         </p:spPr>
         <p:txBody>
-          <a:bodyPr/>
+          <a:bodyPr>
+            <a:normAutofit/>
+          </a:bodyPr>
           <a:lstStyle/>
           <a:p>
-            <a:endParaRPr lang="en-IN" sz="2400" u="sng" dirty="0" smtClean="0">
+            <a:pPr>
+              <a:lnSpc>
+                <a:spcPct val="100000"/>
+              </a:lnSpc>
+            </a:pPr>
+            <a:endParaRPr lang="en-US" sz="1800" dirty="0">
               <a:solidFill>
                 <a:schemeClr val="bg1"/>
               </a:solidFill>
@@ -6531,23 +6504,31 @@
             </a:endParaRPr>
           </a:p>
           <a:p>
-            <a:r>
-              <a:rPr lang="en-IN" sz="2400" u="sng" dirty="0" smtClean="0">
-                <a:solidFill>
-                  <a:schemeClr val="bg1"/>
-                </a:solidFill>
-                <a:latin typeface="Verdana" panose="020B0604030504040204" pitchFamily="34" charset="0"/>
-                <a:ea typeface="Verdana" panose="020B0604030504040204" pitchFamily="34" charset="0"/>
-              </a:rPr>
-              <a:t>Playback Controls</a:t>
-            </a:r>
-            <a:endParaRPr lang="en-IN" sz="2400" u="sng" dirty="0">
-              <a:solidFill>
-                <a:schemeClr val="bg1"/>
-              </a:solidFill>
-              <a:latin typeface="Verdana" panose="020B0604030504040204" pitchFamily="34" charset="0"/>
-              <a:ea typeface="Verdana" panose="020B0604030504040204" pitchFamily="34" charset="0"/>
-            </a:endParaRPr>
+            <a:pPr>
+              <a:lnSpc>
+                <a:spcPct val="130000"/>
+              </a:lnSpc>
+            </a:pPr>
+            <a:r>
+              <a:rPr lang="en-US" sz="2400" u="sng" dirty="0" smtClean="0">
+                <a:solidFill>
+                  <a:schemeClr val="bg1"/>
+                </a:solidFill>
+                <a:latin typeface="Verdana" panose="020B0604030504040204" pitchFamily="34" charset="0"/>
+                <a:ea typeface="Verdana" panose="020B0604030504040204" pitchFamily="34" charset="0"/>
+              </a:rPr>
+              <a:t>Selection and Navigation</a:t>
+            </a:r>
+            <a:r>
+              <a:rPr lang="en-US" sz="2400" dirty="0">
+                <a:solidFill>
+                  <a:schemeClr val="bg1"/>
+                </a:solidFill>
+                <a:latin typeface="Verdana" panose="020B0604030504040204" pitchFamily="34" charset="0"/>
+                <a:ea typeface="Verdana" panose="020B0604030504040204" pitchFamily="34" charset="0"/>
+              </a:rPr>
+              <a:t> </a:t>
+            </a:r>
           </a:p>
           <a:p>
             <a:pPr marL="285750" indent="-285750">
@@ -6559,14 +6540,24 @@
               <a:buChar char="v"/>
             </a:pPr>
             <a:r>
-              <a:rPr lang="en-IN" sz="1800" dirty="0" smtClean="0">
-                <a:solidFill>
-                  <a:schemeClr val="bg1"/>
-                </a:solidFill>
-                <a:latin typeface="Verdana" panose="020B0604030504040204" pitchFamily="34" charset="0"/>
-                <a:ea typeface="Verdana" panose="020B0604030504040204" pitchFamily="34" charset="0"/>
-              </a:rPr>
-              <a:t>The User can control the video using various features provided in the remote.</a:t>
+              <a:rPr lang="en-US" sz="1800" dirty="0">
+                <a:solidFill>
+                  <a:schemeClr val="bg1"/>
+                </a:solidFill>
+                <a:latin typeface="Verdana" panose="020B0604030504040204" pitchFamily="34" charset="0"/>
+                <a:ea typeface="Verdana" panose="020B0604030504040204" pitchFamily="34" charset="0"/>
+              </a:rPr>
+              <a:t>The </a:t>
+            </a:r>
+            <a:r>
+              <a:rPr lang="en-US" sz="1800" dirty="0" smtClean="0">
+                <a:solidFill>
+                  <a:schemeClr val="bg1"/>
+                </a:solidFill>
+                <a:latin typeface="Verdana" panose="020B0604030504040204" pitchFamily="34" charset="0"/>
+                <a:ea typeface="Verdana" panose="020B0604030504040204" pitchFamily="34" charset="0"/>
+              </a:rPr>
+              <a:t>User can identify the focused-video by the blue-highlight line and navigate through the videos using the arrow buttons on the remote.</a:t>
             </a:r>
           </a:p>
           <a:p>
@@ -6579,14 +6570,44 @@
               <a:buChar char="v"/>
             </a:pPr>
             <a:r>
-              <a:rPr lang="en-IN" sz="1800" dirty="0" smtClean="0">
-                <a:solidFill>
-                  <a:schemeClr val="bg1"/>
-                </a:solidFill>
-                <a:latin typeface="Verdana" panose="020B0604030504040204" pitchFamily="34" charset="0"/>
-                <a:ea typeface="Verdana" panose="020B0604030504040204" pitchFamily="34" charset="0"/>
-              </a:rPr>
-              <a:t>These features include, Play-Pause, Fast-Forward, Playback Rate, Volume Up-Down, Mute-Unmute, Captions, Theatre Mode, Previous Video and Next Video.</a:t>
+              <a:rPr lang="en-US" sz="1800" dirty="0" smtClean="0">
+                <a:solidFill>
+                  <a:schemeClr val="bg1"/>
+                </a:solidFill>
+                <a:latin typeface="Verdana" panose="020B0604030504040204" pitchFamily="34" charset="0"/>
+                <a:ea typeface="Verdana" panose="020B0604030504040204" pitchFamily="34" charset="0"/>
+              </a:rPr>
+              <a:t>A </a:t>
+            </a:r>
+            <a:r>
+              <a:rPr lang="en-US" sz="1800" dirty="0" err="1">
+                <a:solidFill>
+                  <a:schemeClr val="bg1"/>
+                </a:solidFill>
+                <a:latin typeface="Verdana" panose="020B0604030504040204" pitchFamily="34" charset="0"/>
+                <a:ea typeface="Verdana" panose="020B0604030504040204" pitchFamily="34" charset="0"/>
+              </a:rPr>
+              <a:t>J</a:t>
+            </a:r>
+            <a:r>
+              <a:rPr lang="en-US" sz="1800" dirty="0" err="1" smtClean="0">
+                <a:solidFill>
+                  <a:schemeClr val="bg1"/>
+                </a:solidFill>
+                <a:latin typeface="Verdana" panose="020B0604030504040204" pitchFamily="34" charset="0"/>
+                <a:ea typeface="Verdana" panose="020B0604030504040204" pitchFamily="34" charset="0"/>
+              </a:rPr>
+              <a:t>avascript</a:t>
+            </a:r>
+            <a:r>
+              <a:rPr lang="en-US" sz="1800" dirty="0" smtClean="0">
+                <a:solidFill>
+                  <a:schemeClr val="bg1"/>
+                </a:solidFill>
+                <a:latin typeface="Verdana" panose="020B0604030504040204" pitchFamily="34" charset="0"/>
+                <a:ea typeface="Verdana" panose="020B0604030504040204" pitchFamily="34" charset="0"/>
+              </a:rPr>
+              <a:t> code is behind this process, it dispatches various keyboard events. These keyboard events remove and add the highlight as per the response received.</a:t>
             </a:r>
           </a:p>
           <a:p>
@@ -6599,16 +6620,135 @@
               <a:buChar char="v"/>
             </a:pPr>
             <a:r>
-              <a:rPr lang="en-IN" sz="1800" dirty="0" smtClean="0">
-                <a:solidFill>
-                  <a:schemeClr val="bg1"/>
-                </a:solidFill>
-                <a:latin typeface="Verdana" panose="020B0604030504040204" pitchFamily="34" charset="0"/>
-                <a:ea typeface="Verdana" panose="020B0604030504040204" pitchFamily="34" charset="0"/>
-              </a:rPr>
-              <a:t>These features can be accessed by pressing the respective buttons on the remote, which can be identified using the intuitive icons.</a:t>
-            </a:r>
-            <a:endParaRPr lang="en-IN" dirty="0">
+              <a:rPr lang="en-US" sz="1800" dirty="0" smtClean="0">
+                <a:solidFill>
+                  <a:schemeClr val="bg1"/>
+                </a:solidFill>
+                <a:latin typeface="Verdana" panose="020B0604030504040204" pitchFamily="34" charset="0"/>
+                <a:ea typeface="Verdana" panose="020B0604030504040204" pitchFamily="34" charset="0"/>
+              </a:rPr>
+              <a:t>The </a:t>
+            </a:r>
+            <a:r>
+              <a:rPr lang="en-US" sz="1800" dirty="0">
+                <a:solidFill>
+                  <a:schemeClr val="bg1"/>
+                </a:solidFill>
+                <a:latin typeface="Verdana" panose="020B0604030504040204" pitchFamily="34" charset="0"/>
+                <a:ea typeface="Verdana" panose="020B0604030504040204" pitchFamily="34" charset="0"/>
+              </a:rPr>
+              <a:t>U</a:t>
+            </a:r>
+            <a:r>
+              <a:rPr lang="en-US" sz="1800" dirty="0" smtClean="0">
+                <a:solidFill>
+                  <a:schemeClr val="bg1"/>
+                </a:solidFill>
+                <a:latin typeface="Verdana" panose="020B0604030504040204" pitchFamily="34" charset="0"/>
+                <a:ea typeface="Verdana" panose="020B0604030504040204" pitchFamily="34" charset="0"/>
+              </a:rPr>
+              <a:t>ser </a:t>
+            </a:r>
+            <a:r>
+              <a:rPr lang="en-US" sz="1800" dirty="0">
+                <a:solidFill>
+                  <a:schemeClr val="bg1"/>
+                </a:solidFill>
+                <a:latin typeface="Verdana" panose="020B0604030504040204" pitchFamily="34" charset="0"/>
+                <a:ea typeface="Verdana" panose="020B0604030504040204" pitchFamily="34" charset="0"/>
+              </a:rPr>
+              <a:t>can select videos </a:t>
+            </a:r>
+            <a:r>
+              <a:rPr lang="en-US" sz="1800" dirty="0" smtClean="0">
+                <a:solidFill>
+                  <a:schemeClr val="bg1"/>
+                </a:solidFill>
+                <a:latin typeface="Verdana" panose="020B0604030504040204" pitchFamily="34" charset="0"/>
+                <a:ea typeface="Verdana" panose="020B0604030504040204" pitchFamily="34" charset="0"/>
+              </a:rPr>
+              <a:t>on the Home </a:t>
+            </a:r>
+            <a:r>
+              <a:rPr lang="en-US" sz="1800" dirty="0">
+                <a:solidFill>
+                  <a:schemeClr val="bg1"/>
+                </a:solidFill>
+                <a:latin typeface="Verdana" panose="020B0604030504040204" pitchFamily="34" charset="0"/>
+                <a:ea typeface="Verdana" panose="020B0604030504040204" pitchFamily="34" charset="0"/>
+              </a:rPr>
+              <a:t>page, </a:t>
+            </a:r>
+            <a:r>
+              <a:rPr lang="en-US" sz="1800" dirty="0" smtClean="0">
+                <a:solidFill>
+                  <a:schemeClr val="bg1"/>
+                </a:solidFill>
+                <a:latin typeface="Verdana" panose="020B0604030504040204" pitchFamily="34" charset="0"/>
+                <a:ea typeface="Verdana" panose="020B0604030504040204" pitchFamily="34" charset="0"/>
+              </a:rPr>
+              <a:t>Search Result screen and Video Mode Screen by </a:t>
+            </a:r>
+            <a:r>
+              <a:rPr lang="en-US" sz="1800" dirty="0">
+                <a:solidFill>
+                  <a:schemeClr val="bg1"/>
+                </a:solidFill>
+                <a:latin typeface="Verdana" panose="020B0604030504040204" pitchFamily="34" charset="0"/>
+                <a:ea typeface="Verdana" panose="020B0604030504040204" pitchFamily="34" charset="0"/>
+              </a:rPr>
+              <a:t>pressing S</a:t>
+            </a:r>
+            <a:r>
+              <a:rPr lang="en-US" sz="1800" dirty="0" smtClean="0">
+                <a:solidFill>
+                  <a:schemeClr val="bg1"/>
+                </a:solidFill>
+                <a:latin typeface="Verdana" panose="020B0604030504040204" pitchFamily="34" charset="0"/>
+                <a:ea typeface="Verdana" panose="020B0604030504040204" pitchFamily="34" charset="0"/>
+              </a:rPr>
+              <a:t>elect button on </a:t>
+            </a:r>
+            <a:r>
+              <a:rPr lang="en-US" sz="1800" dirty="0">
+                <a:solidFill>
+                  <a:schemeClr val="bg1"/>
+                </a:solidFill>
+                <a:latin typeface="Verdana" panose="020B0604030504040204" pitchFamily="34" charset="0"/>
+                <a:ea typeface="Verdana" panose="020B0604030504040204" pitchFamily="34" charset="0"/>
+              </a:rPr>
+              <a:t>the </a:t>
+            </a:r>
+            <a:r>
+              <a:rPr lang="en-US" sz="1800" dirty="0" smtClean="0">
+                <a:solidFill>
+                  <a:schemeClr val="bg1"/>
+                </a:solidFill>
+                <a:latin typeface="Verdana" panose="020B0604030504040204" pitchFamily="34" charset="0"/>
+                <a:ea typeface="Verdana" panose="020B0604030504040204" pitchFamily="34" charset="0"/>
+              </a:rPr>
+              <a:t>remote.</a:t>
+            </a:r>
+            <a:r>
+              <a:rPr lang="en-US" sz="1800" dirty="0">
+                <a:solidFill>
+                  <a:schemeClr val="bg1"/>
+                </a:solidFill>
+                <a:latin typeface="Verdana" panose="020B0604030504040204" pitchFamily="34" charset="0"/>
+                <a:ea typeface="Verdana" panose="020B0604030504040204" pitchFamily="34" charset="0"/>
+              </a:rPr>
+              <a:t/>
+            </a:r>
+            <a:br>
+              <a:rPr lang="en-US" sz="1800" dirty="0">
+                <a:solidFill>
+                  <a:schemeClr val="bg1"/>
+                </a:solidFill>
+                <a:latin typeface="Verdana" panose="020B0604030504040204" pitchFamily="34" charset="0"/>
+                <a:ea typeface="Verdana" panose="020B0604030504040204" pitchFamily="34" charset="0"/>
+              </a:rPr>
+            </a:br>
+            <a:endParaRPr lang="en-IN" sz="1800" dirty="0">
               <a:solidFill>
                 <a:schemeClr val="bg1"/>
               </a:solidFill>
@@ -6621,7 +6761,7 @@
     </p:spTree>
     <p:extLst>
       <p:ext uri="{BB962C8B-B14F-4D97-AF65-F5344CB8AC3E}">
-        <p14:creationId xmlns:p14="http://schemas.microsoft.com/office/powerpoint/2010/main" val="849817965"/>
+        <p14:creationId xmlns:p14="http://schemas.microsoft.com/office/powerpoint/2010/main" val="1785502920"/>
       </p:ext>
     </p:extLst>
   </p:cSld>
